--- a/slides/09-09-Infrared_Spectroscopy.pptx
+++ b/slides/09-09-Infrared_Spectroscopy.pptx
@@ -6693,6 +6693,355 @@
     <a:masterClrMapping/>
   </p:clrMapOvr>
   <p:transition xmlns:p14="http://schemas.microsoft.com/office/powerpoint/2010/main" spd="med" advClick="1"/>
+  <p:timing>
+    <p:tnLst>
+      <p:par>
+        <p:cTn id="1" nodeType="tmRoot" restart="never" dur="indefinite" fill="hold">
+          <p:childTnLst>
+            <p:seq concurrent="1" prevAc="none" nextAc="seek">
+              <p:cTn id="2" nodeType="mainSeq" dur="indefinite" fill="hold">
+                <p:childTnLst>
+                  <p:par>
+                    <p:cTn id="3" fill="hold">
+                      <p:stCondLst>
+                        <p:cond delay="indefinite"/>
+                      </p:stCondLst>
+                      <p:childTnLst>
+                        <p:par>
+                          <p:cTn id="4" fill="hold">
+                            <p:stCondLst>
+                              <p:cond delay="0"/>
+                            </p:stCondLst>
+                            <p:childTnLst>
+                              <p:par>
+                                <p:cTn id="5" presetClass="entr" nodeType="clickEffect" presetSubtype="0" presetID="1" grpId="1" fill="hold">
+                                  <p:stCondLst>
+                                    <p:cond delay="0"/>
+                                  </p:stCondLst>
+                                  <p:iterate type="el" backwards="0">
+                                    <p:tmAbs val="0"/>
+                                  </p:iterate>
+                                  <p:childTnLst>
+                                    <p:set>
+                                      <p:cBhvr>
+                                        <p:cTn id="6" fill="hold"/>
+                                        <p:tgtEl>
+                                          <p:spTgt spid="186">
+                                            <p:bg/>
+                                          </p:spTgt>
+                                        </p:tgtEl>
+                                        <p:attrNameLst>
+                                          <p:attrName>style.visibility</p:attrName>
+                                        </p:attrNameLst>
+                                      </p:cBhvr>
+                                      <p:to>
+                                        <p:strVal val="visible"/>
+                                      </p:to>
+                                    </p:set>
+                                  </p:childTnLst>
+                                </p:cTn>
+                              </p:par>
+                              <p:par>
+                                <p:cTn id="7" presetClass="entr" nodeType="withEffect" presetSubtype="0" presetID="1" grpId="1" fill="hold">
+                                  <p:stCondLst>
+                                    <p:cond delay="0"/>
+                                  </p:stCondLst>
+                                  <p:iterate type="el" backwards="0">
+                                    <p:tmAbs val="0"/>
+                                  </p:iterate>
+                                  <p:childTnLst>
+                                    <p:set>
+                                      <p:cBhvr>
+                                        <p:cTn id="8" fill="hold"/>
+                                        <p:tgtEl>
+                                          <p:spTgt spid="186">
+                                            <p:txEl>
+                                              <p:pRg st="0" end="0"/>
+                                            </p:txEl>
+                                          </p:spTgt>
+                                        </p:tgtEl>
+                                        <p:attrNameLst>
+                                          <p:attrName>style.visibility</p:attrName>
+                                        </p:attrNameLst>
+                                      </p:cBhvr>
+                                      <p:to>
+                                        <p:strVal val="visible"/>
+                                      </p:to>
+                                    </p:set>
+                                  </p:childTnLst>
+                                </p:cTn>
+                              </p:par>
+                            </p:childTnLst>
+                          </p:cTn>
+                        </p:par>
+                      </p:childTnLst>
+                    </p:cTn>
+                  </p:par>
+                  <p:par>
+                    <p:cTn id="9" fill="hold">
+                      <p:stCondLst>
+                        <p:cond delay="indefinite"/>
+                      </p:stCondLst>
+                      <p:childTnLst>
+                        <p:par>
+                          <p:cTn id="10" fill="hold">
+                            <p:stCondLst>
+                              <p:cond delay="0"/>
+                            </p:stCondLst>
+                            <p:childTnLst>
+                              <p:par>
+                                <p:cTn id="11" presetClass="entr" nodeType="clickEffect" presetSubtype="0" presetID="1" grpId="1" fill="hold">
+                                  <p:stCondLst>
+                                    <p:cond delay="0"/>
+                                  </p:stCondLst>
+                                  <p:iterate type="el" backwards="0">
+                                    <p:tmAbs val="0"/>
+                                  </p:iterate>
+                                  <p:childTnLst>
+                                    <p:set>
+                                      <p:cBhvr>
+                                        <p:cTn id="12" fill="hold"/>
+                                        <p:tgtEl>
+                                          <p:spTgt spid="186">
+                                            <p:txEl>
+                                              <p:pRg st="1" end="1"/>
+                                            </p:txEl>
+                                          </p:spTgt>
+                                        </p:tgtEl>
+                                        <p:attrNameLst>
+                                          <p:attrName>style.visibility</p:attrName>
+                                        </p:attrNameLst>
+                                      </p:cBhvr>
+                                      <p:to>
+                                        <p:strVal val="visible"/>
+                                      </p:to>
+                                    </p:set>
+                                  </p:childTnLst>
+                                </p:cTn>
+                              </p:par>
+                            </p:childTnLst>
+                          </p:cTn>
+                        </p:par>
+                      </p:childTnLst>
+                    </p:cTn>
+                  </p:par>
+                  <p:par>
+                    <p:cTn id="13" fill="hold">
+                      <p:stCondLst>
+                        <p:cond delay="indefinite"/>
+                      </p:stCondLst>
+                      <p:childTnLst>
+                        <p:par>
+                          <p:cTn id="14" fill="hold">
+                            <p:stCondLst>
+                              <p:cond delay="0"/>
+                            </p:stCondLst>
+                            <p:childTnLst>
+                              <p:par>
+                                <p:cTn id="15" presetClass="entr" nodeType="clickEffect" presetSubtype="0" presetID="1" grpId="1" fill="hold">
+                                  <p:stCondLst>
+                                    <p:cond delay="0"/>
+                                  </p:stCondLst>
+                                  <p:iterate type="el" backwards="0">
+                                    <p:tmAbs val="0"/>
+                                  </p:iterate>
+                                  <p:childTnLst>
+                                    <p:set>
+                                      <p:cBhvr>
+                                        <p:cTn id="16" fill="hold"/>
+                                        <p:tgtEl>
+                                          <p:spTgt spid="186">
+                                            <p:txEl>
+                                              <p:pRg st="2" end="2"/>
+                                            </p:txEl>
+                                          </p:spTgt>
+                                        </p:tgtEl>
+                                        <p:attrNameLst>
+                                          <p:attrName>style.visibility</p:attrName>
+                                        </p:attrNameLst>
+                                      </p:cBhvr>
+                                      <p:to>
+                                        <p:strVal val="visible"/>
+                                      </p:to>
+                                    </p:set>
+                                  </p:childTnLst>
+                                </p:cTn>
+                              </p:par>
+                            </p:childTnLst>
+                          </p:cTn>
+                        </p:par>
+                      </p:childTnLst>
+                    </p:cTn>
+                  </p:par>
+                  <p:par>
+                    <p:cTn id="17" fill="hold">
+                      <p:stCondLst>
+                        <p:cond delay="indefinite"/>
+                      </p:stCondLst>
+                      <p:childTnLst>
+                        <p:par>
+                          <p:cTn id="18" fill="hold">
+                            <p:stCondLst>
+                              <p:cond delay="0"/>
+                            </p:stCondLst>
+                            <p:childTnLst>
+                              <p:par>
+                                <p:cTn id="19" presetClass="entr" nodeType="clickEffect" presetSubtype="0" presetID="1" grpId="1" fill="hold">
+                                  <p:stCondLst>
+                                    <p:cond delay="0"/>
+                                  </p:stCondLst>
+                                  <p:iterate type="el" backwards="0">
+                                    <p:tmAbs val="0"/>
+                                  </p:iterate>
+                                  <p:childTnLst>
+                                    <p:set>
+                                      <p:cBhvr>
+                                        <p:cTn id="20" fill="hold"/>
+                                        <p:tgtEl>
+                                          <p:spTgt spid="186">
+                                            <p:txEl>
+                                              <p:pRg st="3" end="3"/>
+                                            </p:txEl>
+                                          </p:spTgt>
+                                        </p:tgtEl>
+                                        <p:attrNameLst>
+                                          <p:attrName>style.visibility</p:attrName>
+                                        </p:attrNameLst>
+                                      </p:cBhvr>
+                                      <p:to>
+                                        <p:strVal val="visible"/>
+                                      </p:to>
+                                    </p:set>
+                                  </p:childTnLst>
+                                </p:cTn>
+                              </p:par>
+                            </p:childTnLst>
+                          </p:cTn>
+                        </p:par>
+                      </p:childTnLst>
+                    </p:cTn>
+                  </p:par>
+                  <p:par>
+                    <p:cTn id="21" fill="hold">
+                      <p:stCondLst>
+                        <p:cond delay="indefinite"/>
+                      </p:stCondLst>
+                      <p:childTnLst>
+                        <p:par>
+                          <p:cTn id="22" fill="hold">
+                            <p:stCondLst>
+                              <p:cond delay="0"/>
+                            </p:stCondLst>
+                            <p:childTnLst>
+                              <p:par>
+                                <p:cTn id="23" presetClass="entr" nodeType="clickEffect" presetSubtype="0" presetID="1" grpId="1" fill="hold">
+                                  <p:stCondLst>
+                                    <p:cond delay="0"/>
+                                  </p:stCondLst>
+                                  <p:iterate type="el" backwards="0">
+                                    <p:tmAbs val="0"/>
+                                  </p:iterate>
+                                  <p:childTnLst>
+                                    <p:set>
+                                      <p:cBhvr>
+                                        <p:cTn id="24" fill="hold"/>
+                                        <p:tgtEl>
+                                          <p:spTgt spid="186">
+                                            <p:txEl>
+                                              <p:pRg st="4" end="4"/>
+                                            </p:txEl>
+                                          </p:spTgt>
+                                        </p:tgtEl>
+                                        <p:attrNameLst>
+                                          <p:attrName>style.visibility</p:attrName>
+                                        </p:attrNameLst>
+                                      </p:cBhvr>
+                                      <p:to>
+                                        <p:strVal val="visible"/>
+                                      </p:to>
+                                    </p:set>
+                                  </p:childTnLst>
+                                </p:cTn>
+                              </p:par>
+                            </p:childTnLst>
+                          </p:cTn>
+                        </p:par>
+                      </p:childTnLst>
+                    </p:cTn>
+                  </p:par>
+                  <p:par>
+                    <p:cTn id="25" fill="hold">
+                      <p:stCondLst>
+                        <p:cond delay="indefinite"/>
+                      </p:stCondLst>
+                      <p:childTnLst>
+                        <p:par>
+                          <p:cTn id="26" fill="hold">
+                            <p:stCondLst>
+                              <p:cond delay="0"/>
+                            </p:stCondLst>
+                            <p:childTnLst>
+                              <p:par>
+                                <p:cTn id="27" presetClass="entr" nodeType="clickEffect" presetSubtype="0" presetID="1" grpId="1" fill="hold">
+                                  <p:stCondLst>
+                                    <p:cond delay="0"/>
+                                  </p:stCondLst>
+                                  <p:iterate type="el" backwards="0">
+                                    <p:tmAbs val="0"/>
+                                  </p:iterate>
+                                  <p:childTnLst>
+                                    <p:set>
+                                      <p:cBhvr>
+                                        <p:cTn id="28" fill="hold"/>
+                                        <p:tgtEl>
+                                          <p:spTgt spid="186">
+                                            <p:txEl>
+                                              <p:pRg st="5" end="5"/>
+                                            </p:txEl>
+                                          </p:spTgt>
+                                        </p:tgtEl>
+                                        <p:attrNameLst>
+                                          <p:attrName>style.visibility</p:attrName>
+                                        </p:attrNameLst>
+                                      </p:cBhvr>
+                                      <p:to>
+                                        <p:strVal val="visible"/>
+                                      </p:to>
+                                    </p:set>
+                                  </p:childTnLst>
+                                </p:cTn>
+                              </p:par>
+                            </p:childTnLst>
+                          </p:cTn>
+                        </p:par>
+                      </p:childTnLst>
+                    </p:cTn>
+                  </p:par>
+                </p:childTnLst>
+              </p:cTn>
+              <p:prevCondLst>
+                <p:cond evt="onPrev">
+                  <p:tgtEl>
+                    <p:sldTgt/>
+                  </p:tgtEl>
+                </p:cond>
+              </p:prevCondLst>
+              <p:nextCondLst>
+                <p:cond evt="onNext">
+                  <p:tgtEl>
+                    <p:sldTgt/>
+                  </p:tgtEl>
+                </p:cond>
+              </p:nextCondLst>
+            </p:seq>
+          </p:childTnLst>
+        </p:cTn>
+      </p:par>
+    </p:tnLst>
+    <p:bldLst>
+      <p:bldP build="p" bldLvl="5" animBg="1" rev="0" advAuto="0" spid="186" grpId="1"/>
+    </p:bldLst>
+  </p:timing>
 </p:sld>
 </file>
 
@@ -9081,6 +9430,307 @@
     <a:masterClrMapping/>
   </p:clrMapOvr>
   <p:transition xmlns:p14="http://schemas.microsoft.com/office/powerpoint/2010/main" spd="med" advClick="1"/>
+  <p:timing>
+    <p:tnLst>
+      <p:par>
+        <p:cTn id="1" nodeType="tmRoot" restart="never" dur="indefinite" fill="hold">
+          <p:childTnLst>
+            <p:seq concurrent="1" prevAc="none" nextAc="seek">
+              <p:cTn id="2" nodeType="mainSeq" dur="indefinite" fill="hold">
+                <p:childTnLst>
+                  <p:par>
+                    <p:cTn id="3" fill="hold">
+                      <p:stCondLst>
+                        <p:cond delay="indefinite"/>
+                      </p:stCondLst>
+                      <p:childTnLst>
+                        <p:par>
+                          <p:cTn id="4" fill="hold">
+                            <p:stCondLst>
+                              <p:cond delay="0"/>
+                            </p:stCondLst>
+                            <p:childTnLst>
+                              <p:par>
+                                <p:cTn id="5" presetClass="entr" nodeType="clickEffect" presetSubtype="0" presetID="1" grpId="1" fill="hold">
+                                  <p:stCondLst>
+                                    <p:cond delay="0"/>
+                                  </p:stCondLst>
+                                  <p:iterate type="el" backwards="0">
+                                    <p:tmAbs val="0"/>
+                                  </p:iterate>
+                                  <p:childTnLst>
+                                    <p:set>
+                                      <p:cBhvr>
+                                        <p:cTn id="6" fill="hold"/>
+                                        <p:tgtEl>
+                                          <p:spTgt spid="197">
+                                            <p:bg/>
+                                          </p:spTgt>
+                                        </p:tgtEl>
+                                        <p:attrNameLst>
+                                          <p:attrName>style.visibility</p:attrName>
+                                        </p:attrNameLst>
+                                      </p:cBhvr>
+                                      <p:to>
+                                        <p:strVal val="visible"/>
+                                      </p:to>
+                                    </p:set>
+                                  </p:childTnLst>
+                                </p:cTn>
+                              </p:par>
+                              <p:par>
+                                <p:cTn id="7" presetClass="entr" nodeType="withEffect" presetSubtype="0" presetID="1" grpId="1" fill="hold">
+                                  <p:stCondLst>
+                                    <p:cond delay="0"/>
+                                  </p:stCondLst>
+                                  <p:iterate type="el" backwards="0">
+                                    <p:tmAbs val="0"/>
+                                  </p:iterate>
+                                  <p:childTnLst>
+                                    <p:set>
+                                      <p:cBhvr>
+                                        <p:cTn id="8" fill="hold"/>
+                                        <p:tgtEl>
+                                          <p:spTgt spid="197">
+                                            <p:txEl>
+                                              <p:pRg st="0" end="0"/>
+                                            </p:txEl>
+                                          </p:spTgt>
+                                        </p:tgtEl>
+                                        <p:attrNameLst>
+                                          <p:attrName>style.visibility</p:attrName>
+                                        </p:attrNameLst>
+                                      </p:cBhvr>
+                                      <p:to>
+                                        <p:strVal val="visible"/>
+                                      </p:to>
+                                    </p:set>
+                                  </p:childTnLst>
+                                </p:cTn>
+                              </p:par>
+                            </p:childTnLst>
+                          </p:cTn>
+                        </p:par>
+                      </p:childTnLst>
+                    </p:cTn>
+                  </p:par>
+                  <p:par>
+                    <p:cTn id="9" fill="hold">
+                      <p:stCondLst>
+                        <p:cond delay="indefinite"/>
+                      </p:stCondLst>
+                      <p:childTnLst>
+                        <p:par>
+                          <p:cTn id="10" fill="hold">
+                            <p:stCondLst>
+                              <p:cond delay="0"/>
+                            </p:stCondLst>
+                            <p:childTnLst>
+                              <p:par>
+                                <p:cTn id="11" presetClass="entr" nodeType="clickEffect" presetSubtype="0" presetID="1" grpId="1" fill="hold">
+                                  <p:stCondLst>
+                                    <p:cond delay="0"/>
+                                  </p:stCondLst>
+                                  <p:iterate type="el" backwards="0">
+                                    <p:tmAbs val="0"/>
+                                  </p:iterate>
+                                  <p:childTnLst>
+                                    <p:set>
+                                      <p:cBhvr>
+                                        <p:cTn id="12" fill="hold"/>
+                                        <p:tgtEl>
+                                          <p:spTgt spid="197">
+                                            <p:txEl>
+                                              <p:pRg st="1" end="1"/>
+                                            </p:txEl>
+                                          </p:spTgt>
+                                        </p:tgtEl>
+                                        <p:attrNameLst>
+                                          <p:attrName>style.visibility</p:attrName>
+                                        </p:attrNameLst>
+                                      </p:cBhvr>
+                                      <p:to>
+                                        <p:strVal val="visible"/>
+                                      </p:to>
+                                    </p:set>
+                                  </p:childTnLst>
+                                </p:cTn>
+                              </p:par>
+                            </p:childTnLst>
+                          </p:cTn>
+                        </p:par>
+                      </p:childTnLst>
+                    </p:cTn>
+                  </p:par>
+                  <p:par>
+                    <p:cTn id="13" fill="hold">
+                      <p:stCondLst>
+                        <p:cond delay="indefinite"/>
+                      </p:stCondLst>
+                      <p:childTnLst>
+                        <p:par>
+                          <p:cTn id="14" fill="hold">
+                            <p:stCondLst>
+                              <p:cond delay="0"/>
+                            </p:stCondLst>
+                            <p:childTnLst>
+                              <p:par>
+                                <p:cTn id="15" presetClass="entr" nodeType="clickEffect" presetSubtype="0" presetID="1" grpId="1" fill="hold">
+                                  <p:stCondLst>
+                                    <p:cond delay="0"/>
+                                  </p:stCondLst>
+                                  <p:iterate type="el" backwards="0">
+                                    <p:tmAbs val="0"/>
+                                  </p:iterate>
+                                  <p:childTnLst>
+                                    <p:set>
+                                      <p:cBhvr>
+                                        <p:cTn id="16" fill="hold"/>
+                                        <p:tgtEl>
+                                          <p:spTgt spid="197">
+                                            <p:txEl>
+                                              <p:pRg st="2" end="2"/>
+                                            </p:txEl>
+                                          </p:spTgt>
+                                        </p:tgtEl>
+                                        <p:attrNameLst>
+                                          <p:attrName>style.visibility</p:attrName>
+                                        </p:attrNameLst>
+                                      </p:cBhvr>
+                                      <p:to>
+                                        <p:strVal val="visible"/>
+                                      </p:to>
+                                    </p:set>
+                                  </p:childTnLst>
+                                </p:cTn>
+                              </p:par>
+                            </p:childTnLst>
+                          </p:cTn>
+                        </p:par>
+                      </p:childTnLst>
+                    </p:cTn>
+                  </p:par>
+                  <p:par>
+                    <p:cTn id="17" fill="hold">
+                      <p:stCondLst>
+                        <p:cond delay="indefinite"/>
+                      </p:stCondLst>
+                      <p:childTnLst>
+                        <p:par>
+                          <p:cTn id="18" fill="hold">
+                            <p:stCondLst>
+                              <p:cond delay="0"/>
+                            </p:stCondLst>
+                            <p:childTnLst>
+                              <p:par>
+                                <p:cTn id="19" presetClass="entr" nodeType="clickEffect" presetSubtype="0" presetID="1" grpId="1" fill="hold">
+                                  <p:stCondLst>
+                                    <p:cond delay="0"/>
+                                  </p:stCondLst>
+                                  <p:iterate type="el" backwards="0">
+                                    <p:tmAbs val="0"/>
+                                  </p:iterate>
+                                  <p:childTnLst>
+                                    <p:set>
+                                      <p:cBhvr>
+                                        <p:cTn id="20" fill="hold"/>
+                                        <p:tgtEl>
+                                          <p:spTgt spid="197">
+                                            <p:txEl>
+                                              <p:pRg st="3" end="3"/>
+                                            </p:txEl>
+                                          </p:spTgt>
+                                        </p:tgtEl>
+                                        <p:attrNameLst>
+                                          <p:attrName>style.visibility</p:attrName>
+                                        </p:attrNameLst>
+                                      </p:cBhvr>
+                                      <p:to>
+                                        <p:strVal val="visible"/>
+                                      </p:to>
+                                    </p:set>
+                                  </p:childTnLst>
+                                </p:cTn>
+                              </p:par>
+                            </p:childTnLst>
+                          </p:cTn>
+                        </p:par>
+                      </p:childTnLst>
+                    </p:cTn>
+                  </p:par>
+                  <p:par>
+                    <p:cTn id="21" fill="hold">
+                      <p:stCondLst>
+                        <p:cond delay="indefinite"/>
+                      </p:stCondLst>
+                      <p:childTnLst>
+                        <p:par>
+                          <p:cTn id="22" fill="hold">
+                            <p:stCondLst>
+                              <p:cond delay="0"/>
+                            </p:stCondLst>
+                            <p:childTnLst>
+                              <p:par>
+                                <p:cTn id="23" presetClass="entr" nodeType="clickEffect" presetSubtype="0" presetID="1" grpId="1" fill="hold">
+                                  <p:stCondLst>
+                                    <p:cond delay="0"/>
+                                  </p:stCondLst>
+                                  <p:iterate type="el" backwards="0">
+                                    <p:tmAbs val="0"/>
+                                  </p:iterate>
+                                  <p:childTnLst>
+                                    <p:set>
+                                      <p:cBhvr>
+                                        <p:cTn id="24" fill="hold"/>
+                                        <p:tgtEl>
+                                          <p:spTgt spid="197">
+                                            <p:txEl>
+                                              <p:pRg st="4" end="4"/>
+                                            </p:txEl>
+                                          </p:spTgt>
+                                        </p:tgtEl>
+                                        <p:attrNameLst>
+                                          <p:attrName>style.visibility</p:attrName>
+                                        </p:attrNameLst>
+                                      </p:cBhvr>
+                                      <p:to>
+                                        <p:strVal val="visible"/>
+                                      </p:to>
+                                    </p:set>
+                                  </p:childTnLst>
+                                </p:cTn>
+                              </p:par>
+                            </p:childTnLst>
+                          </p:cTn>
+                        </p:par>
+                      </p:childTnLst>
+                    </p:cTn>
+                  </p:par>
+                </p:childTnLst>
+              </p:cTn>
+              <p:prevCondLst>
+                <p:cond evt="onPrev">
+                  <p:tgtEl>
+                    <p:sldTgt/>
+                  </p:tgtEl>
+                </p:cond>
+              </p:prevCondLst>
+              <p:nextCondLst>
+                <p:cond evt="onNext">
+                  <p:tgtEl>
+                    <p:sldTgt/>
+                  </p:tgtEl>
+                </p:cond>
+              </p:nextCondLst>
+            </p:seq>
+          </p:childTnLst>
+        </p:cTn>
+      </p:par>
+    </p:tnLst>
+    <p:bldLst>
+      <p:bldP build="p" bldLvl="5" animBg="1" rev="0" advAuto="0" spid="197" grpId="1"/>
+    </p:bldLst>
+  </p:timing>
 </p:sld>
 </file>
 
@@ -9335,6 +9985,331 @@
     <a:masterClrMapping/>
   </p:clrMapOvr>
   <p:transition xmlns:p14="http://schemas.microsoft.com/office/powerpoint/2010/main" spd="med" advClick="1"/>
+  <p:timing>
+    <p:tnLst>
+      <p:par>
+        <p:cTn id="1" nodeType="tmRoot" restart="never" dur="indefinite" fill="hold">
+          <p:childTnLst>
+            <p:seq concurrent="1" prevAc="none" nextAc="seek">
+              <p:cTn id="2" nodeType="mainSeq" dur="indefinite" fill="hold">
+                <p:childTnLst>
+                  <p:par>
+                    <p:cTn id="3" fill="hold">
+                      <p:stCondLst>
+                        <p:cond delay="indefinite"/>
+                      </p:stCondLst>
+                      <p:childTnLst>
+                        <p:par>
+                          <p:cTn id="4" fill="hold">
+                            <p:stCondLst>
+                              <p:cond delay="0"/>
+                            </p:stCondLst>
+                            <p:childTnLst>
+                              <p:par>
+                                <p:cTn id="5" presetClass="entr" nodeType="clickEffect" presetSubtype="0" presetID="1" grpId="1" fill="hold">
+                                  <p:stCondLst>
+                                    <p:cond delay="0"/>
+                                  </p:stCondLst>
+                                  <p:iterate type="el" backwards="0">
+                                    <p:tmAbs val="0"/>
+                                  </p:iterate>
+                                  <p:childTnLst>
+                                    <p:set>
+                                      <p:cBhvr>
+                                        <p:cTn id="6" fill="hold"/>
+                                        <p:tgtEl>
+                                          <p:spTgt spid="204">
+                                            <p:bg/>
+                                          </p:spTgt>
+                                        </p:tgtEl>
+                                        <p:attrNameLst>
+                                          <p:attrName>style.visibility</p:attrName>
+                                        </p:attrNameLst>
+                                      </p:cBhvr>
+                                      <p:to>
+                                        <p:strVal val="visible"/>
+                                      </p:to>
+                                    </p:set>
+                                  </p:childTnLst>
+                                </p:cTn>
+                              </p:par>
+                              <p:par>
+                                <p:cTn id="7" presetClass="entr" nodeType="withEffect" presetSubtype="0" presetID="1" grpId="1" fill="hold">
+                                  <p:stCondLst>
+                                    <p:cond delay="0"/>
+                                  </p:stCondLst>
+                                  <p:iterate type="el" backwards="0">
+                                    <p:tmAbs val="0"/>
+                                  </p:iterate>
+                                  <p:childTnLst>
+                                    <p:set>
+                                      <p:cBhvr>
+                                        <p:cTn id="8" fill="hold"/>
+                                        <p:tgtEl>
+                                          <p:spTgt spid="204">
+                                            <p:txEl>
+                                              <p:pRg st="0" end="0"/>
+                                            </p:txEl>
+                                          </p:spTgt>
+                                        </p:tgtEl>
+                                        <p:attrNameLst>
+                                          <p:attrName>style.visibility</p:attrName>
+                                        </p:attrNameLst>
+                                      </p:cBhvr>
+                                      <p:to>
+                                        <p:strVal val="visible"/>
+                                      </p:to>
+                                    </p:set>
+                                  </p:childTnLst>
+                                </p:cTn>
+                              </p:par>
+                            </p:childTnLst>
+                          </p:cTn>
+                        </p:par>
+                      </p:childTnLst>
+                    </p:cTn>
+                  </p:par>
+                  <p:par>
+                    <p:cTn id="9" fill="hold">
+                      <p:stCondLst>
+                        <p:cond delay="indefinite"/>
+                      </p:stCondLst>
+                      <p:childTnLst>
+                        <p:par>
+                          <p:cTn id="10" fill="hold">
+                            <p:stCondLst>
+                              <p:cond delay="0"/>
+                            </p:stCondLst>
+                            <p:childTnLst>
+                              <p:par>
+                                <p:cTn id="11" presetClass="entr" nodeType="clickEffect" presetSubtype="0" presetID="1" grpId="1" fill="hold">
+                                  <p:stCondLst>
+                                    <p:cond delay="0"/>
+                                  </p:stCondLst>
+                                  <p:iterate type="el" backwards="0">
+                                    <p:tmAbs val="0"/>
+                                  </p:iterate>
+                                  <p:childTnLst>
+                                    <p:set>
+                                      <p:cBhvr>
+                                        <p:cTn id="12" fill="hold"/>
+                                        <p:tgtEl>
+                                          <p:spTgt spid="204">
+                                            <p:txEl>
+                                              <p:pRg st="1" end="1"/>
+                                            </p:txEl>
+                                          </p:spTgt>
+                                        </p:tgtEl>
+                                        <p:attrNameLst>
+                                          <p:attrName>style.visibility</p:attrName>
+                                        </p:attrNameLst>
+                                      </p:cBhvr>
+                                      <p:to>
+                                        <p:strVal val="visible"/>
+                                      </p:to>
+                                    </p:set>
+                                  </p:childTnLst>
+                                </p:cTn>
+                              </p:par>
+                              <p:par>
+                                <p:cTn id="13" presetClass="entr" nodeType="withEffect" presetSubtype="0" presetID="1" grpId="1" fill="hold">
+                                  <p:stCondLst>
+                                    <p:cond delay="0"/>
+                                  </p:stCondLst>
+                                  <p:iterate type="el" backwards="0">
+                                    <p:tmAbs val="0"/>
+                                  </p:iterate>
+                                  <p:childTnLst>
+                                    <p:set>
+                                      <p:cBhvr>
+                                        <p:cTn id="14" fill="hold"/>
+                                        <p:tgtEl>
+                                          <p:spTgt spid="204">
+                                            <p:txEl>
+                                              <p:pRg st="2" end="2"/>
+                                            </p:txEl>
+                                          </p:spTgt>
+                                        </p:tgtEl>
+                                        <p:attrNameLst>
+                                          <p:attrName>style.visibility</p:attrName>
+                                        </p:attrNameLst>
+                                      </p:cBhvr>
+                                      <p:to>
+                                        <p:strVal val="visible"/>
+                                      </p:to>
+                                    </p:set>
+                                  </p:childTnLst>
+                                </p:cTn>
+                              </p:par>
+                              <p:par>
+                                <p:cTn id="15" presetClass="entr" nodeType="withEffect" presetSubtype="0" presetID="1" grpId="1" fill="hold">
+                                  <p:stCondLst>
+                                    <p:cond delay="0"/>
+                                  </p:stCondLst>
+                                  <p:iterate type="el" backwards="0">
+                                    <p:tmAbs val="0"/>
+                                  </p:iterate>
+                                  <p:childTnLst>
+                                    <p:set>
+                                      <p:cBhvr>
+                                        <p:cTn id="16" fill="hold"/>
+                                        <p:tgtEl>
+                                          <p:spTgt spid="204">
+                                            <p:txEl>
+                                              <p:pRg st="3" end="3"/>
+                                            </p:txEl>
+                                          </p:spTgt>
+                                        </p:tgtEl>
+                                        <p:attrNameLst>
+                                          <p:attrName>style.visibility</p:attrName>
+                                        </p:attrNameLst>
+                                      </p:cBhvr>
+                                      <p:to>
+                                        <p:strVal val="visible"/>
+                                      </p:to>
+                                    </p:set>
+                                  </p:childTnLst>
+                                </p:cTn>
+                              </p:par>
+                              <p:par>
+                                <p:cTn id="17" presetClass="entr" nodeType="withEffect" presetSubtype="0" presetID="1" grpId="1" fill="hold">
+                                  <p:stCondLst>
+                                    <p:cond delay="0"/>
+                                  </p:stCondLst>
+                                  <p:iterate type="el" backwards="0">
+                                    <p:tmAbs val="0"/>
+                                  </p:iterate>
+                                  <p:childTnLst>
+                                    <p:set>
+                                      <p:cBhvr>
+                                        <p:cTn id="18" fill="hold"/>
+                                        <p:tgtEl>
+                                          <p:spTgt spid="204">
+                                            <p:txEl>
+                                              <p:pRg st="4" end="4"/>
+                                            </p:txEl>
+                                          </p:spTgt>
+                                        </p:tgtEl>
+                                        <p:attrNameLst>
+                                          <p:attrName>style.visibility</p:attrName>
+                                        </p:attrNameLst>
+                                      </p:cBhvr>
+                                      <p:to>
+                                        <p:strVal val="visible"/>
+                                      </p:to>
+                                    </p:set>
+                                  </p:childTnLst>
+                                </p:cTn>
+                              </p:par>
+                              <p:par>
+                                <p:cTn id="19" presetClass="entr" nodeType="withEffect" presetSubtype="0" presetID="1" grpId="1" fill="hold">
+                                  <p:stCondLst>
+                                    <p:cond delay="0"/>
+                                  </p:stCondLst>
+                                  <p:iterate type="el" backwards="0">
+                                    <p:tmAbs val="0"/>
+                                  </p:iterate>
+                                  <p:childTnLst>
+                                    <p:set>
+                                      <p:cBhvr>
+                                        <p:cTn id="20" fill="hold"/>
+                                        <p:tgtEl>
+                                          <p:spTgt spid="204">
+                                            <p:txEl>
+                                              <p:pRg st="5" end="5"/>
+                                            </p:txEl>
+                                          </p:spTgt>
+                                        </p:tgtEl>
+                                        <p:attrNameLst>
+                                          <p:attrName>style.visibility</p:attrName>
+                                        </p:attrNameLst>
+                                      </p:cBhvr>
+                                      <p:to>
+                                        <p:strVal val="visible"/>
+                                      </p:to>
+                                    </p:set>
+                                  </p:childTnLst>
+                                </p:cTn>
+                              </p:par>
+                            </p:childTnLst>
+                          </p:cTn>
+                        </p:par>
+                      </p:childTnLst>
+                    </p:cTn>
+                  </p:par>
+                  <p:par>
+                    <p:cTn id="21" fill="hold">
+                      <p:stCondLst>
+                        <p:cond delay="indefinite"/>
+                      </p:stCondLst>
+                      <p:childTnLst>
+                        <p:par>
+                          <p:cTn id="22" fill="hold">
+                            <p:stCondLst>
+                              <p:cond delay="0"/>
+                            </p:stCondLst>
+                            <p:childTnLst>
+                              <p:par>
+                                <p:cTn id="23" presetClass="entr" nodeType="clickEffect" presetSubtype="0" presetID="1" grpId="1" fill="hold">
+                                  <p:stCondLst>
+                                    <p:cond delay="0"/>
+                                  </p:stCondLst>
+                                  <p:iterate type="el" backwards="0">
+                                    <p:tmAbs val="0"/>
+                                  </p:iterate>
+                                  <p:childTnLst>
+                                    <p:set>
+                                      <p:cBhvr>
+                                        <p:cTn id="24" fill="hold"/>
+                                        <p:tgtEl>
+                                          <p:spTgt spid="204">
+                                            <p:txEl>
+                                              <p:pRg st="6" end="6"/>
+                                            </p:txEl>
+                                          </p:spTgt>
+                                        </p:tgtEl>
+                                        <p:attrNameLst>
+                                          <p:attrName>style.visibility</p:attrName>
+                                        </p:attrNameLst>
+                                      </p:cBhvr>
+                                      <p:to>
+                                        <p:strVal val="visible"/>
+                                      </p:to>
+                                    </p:set>
+                                  </p:childTnLst>
+                                </p:cTn>
+                              </p:par>
+                            </p:childTnLst>
+                          </p:cTn>
+                        </p:par>
+                      </p:childTnLst>
+                    </p:cTn>
+                  </p:par>
+                </p:childTnLst>
+              </p:cTn>
+              <p:prevCondLst>
+                <p:cond evt="onPrev">
+                  <p:tgtEl>
+                    <p:sldTgt/>
+                  </p:tgtEl>
+                </p:cond>
+              </p:prevCondLst>
+              <p:nextCondLst>
+                <p:cond evt="onNext">
+                  <p:tgtEl>
+                    <p:sldTgt/>
+                  </p:tgtEl>
+                </p:cond>
+              </p:nextCondLst>
+            </p:seq>
+          </p:childTnLst>
+        </p:cTn>
+      </p:par>
+    </p:tnLst>
+    <p:bldLst>
+      <p:bldP build="p" bldLvl="1" animBg="1" rev="0" advAuto="0" spid="204" grpId="1"/>
+    </p:bldLst>
+  </p:timing>
 </p:sld>
 </file>
 
@@ -11448,6 +12423,394 @@
     <a:masterClrMapping/>
   </p:clrMapOvr>
   <p:transition xmlns:p14="http://schemas.microsoft.com/office/powerpoint/2010/main" spd="med" advClick="1"/>
+  <p:timing>
+    <p:tnLst>
+      <p:par>
+        <p:cTn id="1" nodeType="tmRoot" restart="never" dur="indefinite" fill="hold">
+          <p:childTnLst>
+            <p:seq concurrent="1" prevAc="none" nextAc="seek">
+              <p:cTn id="2" nodeType="mainSeq" dur="indefinite" fill="hold">
+                <p:childTnLst>
+                  <p:par>
+                    <p:cTn id="3" fill="hold">
+                      <p:stCondLst>
+                        <p:cond delay="indefinite"/>
+                      </p:stCondLst>
+                      <p:childTnLst>
+                        <p:par>
+                          <p:cTn id="4" fill="hold">
+                            <p:stCondLst>
+                              <p:cond delay="0"/>
+                            </p:stCondLst>
+                            <p:childTnLst>
+                              <p:par>
+                                <p:cTn id="5" presetClass="entr" nodeType="clickEffect" presetSubtype="0" presetID="1" grpId="1" fill="hold">
+                                  <p:stCondLst>
+                                    <p:cond delay="0"/>
+                                  </p:stCondLst>
+                                  <p:iterate type="el" backwards="0">
+                                    <p:tmAbs val="0"/>
+                                  </p:iterate>
+                                  <p:childTnLst>
+                                    <p:set>
+                                      <p:cBhvr>
+                                        <p:cTn id="6" fill="hold"/>
+                                        <p:tgtEl>
+                                          <p:spTgt spid="208">
+                                            <p:bg/>
+                                          </p:spTgt>
+                                        </p:tgtEl>
+                                        <p:attrNameLst>
+                                          <p:attrName>style.visibility</p:attrName>
+                                        </p:attrNameLst>
+                                      </p:cBhvr>
+                                      <p:to>
+                                        <p:strVal val="visible"/>
+                                      </p:to>
+                                    </p:set>
+                                  </p:childTnLst>
+                                </p:cTn>
+                              </p:par>
+                              <p:par>
+                                <p:cTn id="7" presetClass="entr" nodeType="withEffect" presetSubtype="0" presetID="1" grpId="1" fill="hold">
+                                  <p:stCondLst>
+                                    <p:cond delay="0"/>
+                                  </p:stCondLst>
+                                  <p:iterate type="el" backwards="0">
+                                    <p:tmAbs val="0"/>
+                                  </p:iterate>
+                                  <p:childTnLst>
+                                    <p:set>
+                                      <p:cBhvr>
+                                        <p:cTn id="8" fill="hold"/>
+                                        <p:tgtEl>
+                                          <p:spTgt spid="208">
+                                            <p:txEl>
+                                              <p:pRg st="0" end="0"/>
+                                            </p:txEl>
+                                          </p:spTgt>
+                                        </p:tgtEl>
+                                        <p:attrNameLst>
+                                          <p:attrName>style.visibility</p:attrName>
+                                        </p:attrNameLst>
+                                      </p:cBhvr>
+                                      <p:to>
+                                        <p:strVal val="visible"/>
+                                      </p:to>
+                                    </p:set>
+                                  </p:childTnLst>
+                                </p:cTn>
+                              </p:par>
+                            </p:childTnLst>
+                          </p:cTn>
+                        </p:par>
+                        <p:par>
+                          <p:cTn id="9" fill="hold">
+                            <p:stCondLst>
+                              <p:cond delay="0"/>
+                            </p:stCondLst>
+                            <p:childTnLst>
+                              <p:par>
+                                <p:cTn id="10" presetClass="entr" nodeType="afterEffect" presetSubtype="0" presetID="1" grpId="1" fill="hold">
+                                  <p:stCondLst>
+                                    <p:cond delay="0"/>
+                                  </p:stCondLst>
+                                  <p:iterate type="el" backwards="0">
+                                    <p:tmAbs val="0"/>
+                                  </p:iterate>
+                                  <p:childTnLst>
+                                    <p:set>
+                                      <p:cBhvr>
+                                        <p:cTn id="11" fill="hold"/>
+                                        <p:tgtEl>
+                                          <p:spTgt spid="208">
+                                            <p:txEl>
+                                              <p:pRg st="1" end="1"/>
+                                            </p:txEl>
+                                          </p:spTgt>
+                                        </p:tgtEl>
+                                        <p:attrNameLst>
+                                          <p:attrName>style.visibility</p:attrName>
+                                        </p:attrNameLst>
+                                      </p:cBhvr>
+                                      <p:to>
+                                        <p:strVal val="visible"/>
+                                      </p:to>
+                                    </p:set>
+                                  </p:childTnLst>
+                                </p:cTn>
+                              </p:par>
+                            </p:childTnLst>
+                          </p:cTn>
+                        </p:par>
+                      </p:childTnLst>
+                    </p:cTn>
+                  </p:par>
+                  <p:par>
+                    <p:cTn id="12" fill="hold">
+                      <p:stCondLst>
+                        <p:cond delay="indefinite"/>
+                      </p:stCondLst>
+                      <p:childTnLst>
+                        <p:par>
+                          <p:cTn id="13" fill="hold">
+                            <p:stCondLst>
+                              <p:cond delay="0"/>
+                            </p:stCondLst>
+                            <p:childTnLst>
+                              <p:par>
+                                <p:cTn id="14" presetClass="entr" nodeType="clickEffect" presetSubtype="0" presetID="1" grpId="1" fill="hold">
+                                  <p:stCondLst>
+                                    <p:cond delay="0"/>
+                                  </p:stCondLst>
+                                  <p:iterate type="el" backwards="0">
+                                    <p:tmAbs val="0"/>
+                                  </p:iterate>
+                                  <p:childTnLst>
+                                    <p:set>
+                                      <p:cBhvr>
+                                        <p:cTn id="15" fill="hold"/>
+                                        <p:tgtEl>
+                                          <p:spTgt spid="208">
+                                            <p:txEl>
+                                              <p:pRg st="2" end="2"/>
+                                            </p:txEl>
+                                          </p:spTgt>
+                                        </p:tgtEl>
+                                        <p:attrNameLst>
+                                          <p:attrName>style.visibility</p:attrName>
+                                        </p:attrNameLst>
+                                      </p:cBhvr>
+                                      <p:to>
+                                        <p:strVal val="visible"/>
+                                      </p:to>
+                                    </p:set>
+                                  </p:childTnLst>
+                                </p:cTn>
+                              </p:par>
+                            </p:childTnLst>
+                          </p:cTn>
+                        </p:par>
+                      </p:childTnLst>
+                    </p:cTn>
+                  </p:par>
+                  <p:par>
+                    <p:cTn id="16" fill="hold">
+                      <p:stCondLst>
+                        <p:cond delay="indefinite"/>
+                      </p:stCondLst>
+                      <p:childTnLst>
+                        <p:par>
+                          <p:cTn id="17" fill="hold">
+                            <p:stCondLst>
+                              <p:cond delay="0"/>
+                            </p:stCondLst>
+                            <p:childTnLst>
+                              <p:par>
+                                <p:cTn id="18" presetClass="entr" nodeType="clickEffect" presetSubtype="0" presetID="1" grpId="1" fill="hold">
+                                  <p:stCondLst>
+                                    <p:cond delay="0"/>
+                                  </p:stCondLst>
+                                  <p:iterate type="el" backwards="0">
+                                    <p:tmAbs val="0"/>
+                                  </p:iterate>
+                                  <p:childTnLst>
+                                    <p:set>
+                                      <p:cBhvr>
+                                        <p:cTn id="19" fill="hold"/>
+                                        <p:tgtEl>
+                                          <p:spTgt spid="208">
+                                            <p:txEl>
+                                              <p:pRg st="3" end="3"/>
+                                            </p:txEl>
+                                          </p:spTgt>
+                                        </p:tgtEl>
+                                        <p:attrNameLst>
+                                          <p:attrName>style.visibility</p:attrName>
+                                        </p:attrNameLst>
+                                      </p:cBhvr>
+                                      <p:to>
+                                        <p:strVal val="visible"/>
+                                      </p:to>
+                                    </p:set>
+                                  </p:childTnLst>
+                                </p:cTn>
+                              </p:par>
+                            </p:childTnLst>
+                          </p:cTn>
+                        </p:par>
+                      </p:childTnLst>
+                    </p:cTn>
+                  </p:par>
+                  <p:par>
+                    <p:cTn id="20" fill="hold">
+                      <p:stCondLst>
+                        <p:cond delay="indefinite"/>
+                      </p:stCondLst>
+                      <p:childTnLst>
+                        <p:par>
+                          <p:cTn id="21" fill="hold">
+                            <p:stCondLst>
+                              <p:cond delay="0"/>
+                            </p:stCondLst>
+                            <p:childTnLst>
+                              <p:par>
+                                <p:cTn id="22" presetClass="entr" nodeType="clickEffect" presetSubtype="0" presetID="1" grpId="1" fill="hold">
+                                  <p:stCondLst>
+                                    <p:cond delay="0"/>
+                                  </p:stCondLst>
+                                  <p:iterate type="el" backwards="0">
+                                    <p:tmAbs val="0"/>
+                                  </p:iterate>
+                                  <p:childTnLst>
+                                    <p:set>
+                                      <p:cBhvr>
+                                        <p:cTn id="23" fill="hold"/>
+                                        <p:tgtEl>
+                                          <p:spTgt spid="208">
+                                            <p:txEl>
+                                              <p:pRg st="4" end="4"/>
+                                            </p:txEl>
+                                          </p:spTgt>
+                                        </p:tgtEl>
+                                        <p:attrNameLst>
+                                          <p:attrName>style.visibility</p:attrName>
+                                        </p:attrNameLst>
+                                      </p:cBhvr>
+                                      <p:to>
+                                        <p:strVal val="visible"/>
+                                      </p:to>
+                                    </p:set>
+                                  </p:childTnLst>
+                                </p:cTn>
+                              </p:par>
+                            </p:childTnLst>
+                          </p:cTn>
+                        </p:par>
+                      </p:childTnLst>
+                    </p:cTn>
+                  </p:par>
+                  <p:par>
+                    <p:cTn id="24" fill="hold">
+                      <p:stCondLst>
+                        <p:cond delay="indefinite"/>
+                      </p:stCondLst>
+                      <p:childTnLst>
+                        <p:par>
+                          <p:cTn id="25" fill="hold">
+                            <p:stCondLst>
+                              <p:cond delay="0"/>
+                            </p:stCondLst>
+                            <p:childTnLst>
+                              <p:par>
+                                <p:cTn id="26" presetClass="entr" nodeType="clickEffect" presetSubtype="0" presetID="1" grpId="1" fill="hold">
+                                  <p:stCondLst>
+                                    <p:cond delay="0"/>
+                                  </p:stCondLst>
+                                  <p:iterate type="el" backwards="0">
+                                    <p:tmAbs val="0"/>
+                                  </p:iterate>
+                                  <p:childTnLst>
+                                    <p:set>
+                                      <p:cBhvr>
+                                        <p:cTn id="27" fill="hold"/>
+                                        <p:tgtEl>
+                                          <p:spTgt spid="208">
+                                            <p:txEl>
+                                              <p:pRg st="5" end="5"/>
+                                            </p:txEl>
+                                          </p:spTgt>
+                                        </p:tgtEl>
+                                        <p:attrNameLst>
+                                          <p:attrName>style.visibility</p:attrName>
+                                        </p:attrNameLst>
+                                      </p:cBhvr>
+                                      <p:to>
+                                        <p:strVal val="visible"/>
+                                      </p:to>
+                                    </p:set>
+                                  </p:childTnLst>
+                                </p:cTn>
+                              </p:par>
+                            </p:childTnLst>
+                          </p:cTn>
+                        </p:par>
+                      </p:childTnLst>
+                    </p:cTn>
+                  </p:par>
+                  <p:par>
+                    <p:cTn id="28" fill="hold">
+                      <p:stCondLst>
+                        <p:cond delay="indefinite"/>
+                      </p:stCondLst>
+                      <p:childTnLst>
+                        <p:par>
+                          <p:cTn id="29" fill="hold">
+                            <p:stCondLst>
+                              <p:cond delay="0"/>
+                            </p:stCondLst>
+                            <p:childTnLst>
+                              <p:par>
+                                <p:cTn id="30" presetClass="entr" nodeType="clickEffect" presetSubtype="0" presetID="1" grpId="1" fill="hold">
+                                  <p:stCondLst>
+                                    <p:cond delay="0"/>
+                                  </p:stCondLst>
+                                  <p:iterate type="el" backwards="0">
+                                    <p:tmAbs val="0"/>
+                                  </p:iterate>
+                                  <p:childTnLst>
+                                    <p:set>
+                                      <p:cBhvr>
+                                        <p:cTn id="31" fill="hold"/>
+                                        <p:tgtEl>
+                                          <p:spTgt spid="208">
+                                            <p:txEl>
+                                              <p:pRg st="6" end="6"/>
+                                            </p:txEl>
+                                          </p:spTgt>
+                                        </p:tgtEl>
+                                        <p:attrNameLst>
+                                          <p:attrName>style.visibility</p:attrName>
+                                        </p:attrNameLst>
+                                      </p:cBhvr>
+                                      <p:to>
+                                        <p:strVal val="visible"/>
+                                      </p:to>
+                                    </p:set>
+                                  </p:childTnLst>
+                                </p:cTn>
+                              </p:par>
+                            </p:childTnLst>
+                          </p:cTn>
+                        </p:par>
+                      </p:childTnLst>
+                    </p:cTn>
+                  </p:par>
+                </p:childTnLst>
+              </p:cTn>
+              <p:prevCondLst>
+                <p:cond evt="onPrev">
+                  <p:tgtEl>
+                    <p:sldTgt/>
+                  </p:tgtEl>
+                </p:cond>
+              </p:prevCondLst>
+              <p:nextCondLst>
+                <p:cond evt="onNext">
+                  <p:tgtEl>
+                    <p:sldTgt/>
+                  </p:tgtEl>
+                </p:cond>
+              </p:nextCondLst>
+            </p:seq>
+          </p:childTnLst>
+        </p:cTn>
+      </p:par>
+    </p:tnLst>
+    <p:bldLst>
+      <p:bldP build="p" bldLvl="5" animBg="1" rev="0" advAuto="0" spid="208" grpId="1"/>
+    </p:bldLst>
+  </p:timing>
 </p:sld>
 </file>
 

--- a/slides/09-09-Infrared_Spectroscopy.pptx
+++ b/slides/09-09-Infrared_Spectroscopy.pptx
@@ -4391,7 +4391,7 @@
       </p:sp>
       <p:sp>
         <p:nvSpPr>
-          <p:cNvPr id="186" name="Using the general uncertainty principle  , evaluate the limitation on the simultaneous specification of kinetic energy and potential energy…"/>
+          <p:cNvPr id="186" name="Using the general uncertainty principle  , evaluate the limitation on the simultaneous specification of kinetic energy and potential energy"/>
           <p:cNvSpPr txBox="1"/>
           <p:nvPr>
             <p:ph type="body" idx="1"/>
@@ -4406,9 +4406,7 @@
           <a:bodyPr/>
           <a:lstStyle/>
           <a:p>
-            <a:pPr marL="500062" indent="-500062" defTabSz="665440">
-              <a:defRPr sz="4050"/>
-            </a:pPr>
+            <a:pPr/>
             <a:r>
               <a:t>Using the general uncertainty principle </a:t>
             </a:r>
@@ -4418,7 +4416,7 @@
                   <m:rPr>
                     <m:sty m:val="p"/>
                   </m:rPr>
-                  <a:rPr xmlns:a="http://schemas.openxmlformats.org/drawingml/2006/main" sz="4950" i="1">
+                  <a:rPr xmlns:a="http://schemas.openxmlformats.org/drawingml/2006/main" sz="6100" i="1">
                     <a:solidFill>
                       <a:srgbClr val="000000"/>
                     </a:solidFill>
@@ -4427,7 +4425,7 @@
                   <m:t>Δ</m:t>
                 </m:r>
                 <m:r>
-                  <a:rPr xmlns:a="http://schemas.openxmlformats.org/drawingml/2006/main" sz="4950" i="1">
+                  <a:rPr xmlns:a="http://schemas.openxmlformats.org/drawingml/2006/main" sz="6100" i="1">
                     <a:solidFill>
                       <a:srgbClr val="000000"/>
                     </a:solidFill>
@@ -4439,7 +4437,7 @@
                   <m:rPr>
                     <m:sty m:val="p"/>
                   </m:rPr>
-                  <a:rPr xmlns:a="http://schemas.openxmlformats.org/drawingml/2006/main" sz="4950" i="1">
+                  <a:rPr xmlns:a="http://schemas.openxmlformats.org/drawingml/2006/main" sz="6100" i="1">
                     <a:solidFill>
                       <a:srgbClr val="000000"/>
                     </a:solidFill>
@@ -4448,7 +4446,7 @@
                   <m:t>Δ</m:t>
                 </m:r>
                 <m:r>
-                  <a:rPr xmlns:a="http://schemas.openxmlformats.org/drawingml/2006/main" sz="4950" i="1">
+                  <a:rPr xmlns:a="http://schemas.openxmlformats.org/drawingml/2006/main" sz="6100" i="1">
                     <a:solidFill>
                       <a:srgbClr val="000000"/>
                     </a:solidFill>
@@ -4457,7 +4455,7 @@
                   <m:t>B</m:t>
                 </m:r>
                 <m:r>
-                  <a:rPr xmlns:a="http://schemas.openxmlformats.org/drawingml/2006/main" sz="4950" i="1">
+                  <a:rPr xmlns:a="http://schemas.openxmlformats.org/drawingml/2006/main" sz="6100" i="1">
                     <a:solidFill>
                       <a:srgbClr val="000000"/>
                     </a:solidFill>
@@ -4468,7 +4466,7 @@
                 <m:f>
                   <m:fPr>
                     <m:ctrlPr>
-                      <a:rPr xmlns:a="http://schemas.openxmlformats.org/drawingml/2006/main" sz="4950" i="1">
+                      <a:rPr xmlns:a="http://schemas.openxmlformats.org/drawingml/2006/main" sz="6100" i="1">
                         <a:solidFill>
                           <a:srgbClr val="000000"/>
                         </a:solidFill>
@@ -4479,7 +4477,7 @@
                   </m:fPr>
                   <m:num>
                     <m:r>
-                      <a:rPr xmlns:a="http://schemas.openxmlformats.org/drawingml/2006/main" sz="4950" i="1">
+                      <a:rPr xmlns:a="http://schemas.openxmlformats.org/drawingml/2006/main" sz="6100" i="1">
                         <a:solidFill>
                           <a:srgbClr val="000000"/>
                         </a:solidFill>
@@ -4490,7 +4488,7 @@
                   </m:num>
                   <m:den>
                     <m:r>
-                      <a:rPr xmlns:a="http://schemas.openxmlformats.org/drawingml/2006/main" sz="4950" i="1">
+                      <a:rPr xmlns:a="http://schemas.openxmlformats.org/drawingml/2006/main" sz="6100" i="1">
                         <a:solidFill>
                           <a:srgbClr val="000000"/>
                         </a:solidFill>
@@ -4503,7 +4501,7 @@
                 <m:d>
                   <m:dPr>
                     <m:ctrlPr>
-                      <a:rPr xmlns:a="http://schemas.openxmlformats.org/drawingml/2006/main" sz="4950" i="1">
+                      <a:rPr xmlns:a="http://schemas.openxmlformats.org/drawingml/2006/main" sz="6100" i="1">
                         <a:solidFill>
                           <a:srgbClr val="000000"/>
                         </a:solidFill>
@@ -4515,7 +4513,7 @@
                   </m:dPr>
                   <m:e>
                     <m:r>
-                      <a:rPr xmlns:a="http://schemas.openxmlformats.org/drawingml/2006/main" sz="4950" i="1">
+                      <a:rPr xmlns:a="http://schemas.openxmlformats.org/drawingml/2006/main" sz="6100" i="1">
                         <a:solidFill>
                           <a:srgbClr val="000000"/>
                         </a:solidFill>
@@ -4524,7 +4522,7 @@
                       <m:t>⟨</m:t>
                     </m:r>
                     <m:r>
-                      <a:rPr xmlns:a="http://schemas.openxmlformats.org/drawingml/2006/main" sz="4950" i="1">
+                      <a:rPr xmlns:a="http://schemas.openxmlformats.org/drawingml/2006/main" sz="6100" i="1">
                         <a:solidFill>
                           <a:srgbClr val="000000"/>
                         </a:solidFill>
@@ -4538,7 +4536,7 @@
                           <m:rPr>
                             <m:sty m:val="b"/>
                           </m:rPr>
-                          <a:rPr xmlns:a="http://schemas.openxmlformats.org/drawingml/2006/main" sz="4950" i="1">
+                          <a:rPr xmlns:a="http://schemas.openxmlformats.org/drawingml/2006/main" sz="6100" i="1">
                             <a:solidFill>
                               <a:srgbClr val="000000"/>
                             </a:solidFill>
@@ -4549,7 +4547,7 @@
                       </m:e>
                       <m:lim>
                         <m:r>
-                          <a:rPr xmlns:a="http://schemas.openxmlformats.org/drawingml/2006/main" sz="4950" i="1">
+                          <a:rPr xmlns:a="http://schemas.openxmlformats.org/drawingml/2006/main" sz="6100" i="1">
                             <a:solidFill>
                               <a:srgbClr val="000000"/>
                             </a:solidFill>
@@ -4560,7 +4558,7 @@
                       </m:lim>
                     </m:limUpp>
                     <m:r>
-                      <a:rPr xmlns:a="http://schemas.openxmlformats.org/drawingml/2006/main" sz="4950" i="1">
+                      <a:rPr xmlns:a="http://schemas.openxmlformats.org/drawingml/2006/main" sz="6100" i="1">
                         <a:solidFill>
                           <a:srgbClr val="000000"/>
                         </a:solidFill>
@@ -4574,7 +4572,7 @@
                           <m:rPr>
                             <m:sty m:val="b"/>
                           </m:rPr>
-                          <a:rPr xmlns:a="http://schemas.openxmlformats.org/drawingml/2006/main" sz="4950" i="1">
+                          <a:rPr xmlns:a="http://schemas.openxmlformats.org/drawingml/2006/main" sz="6100" i="1">
                             <a:solidFill>
                               <a:srgbClr val="000000"/>
                             </a:solidFill>
@@ -4585,7 +4583,7 @@
                       </m:e>
                       <m:lim>
                         <m:r>
-                          <a:rPr xmlns:a="http://schemas.openxmlformats.org/drawingml/2006/main" sz="4950" i="1">
+                          <a:rPr xmlns:a="http://schemas.openxmlformats.org/drawingml/2006/main" sz="6100" i="1">
                             <a:solidFill>
                               <a:srgbClr val="000000"/>
                             </a:solidFill>
@@ -4596,7 +4594,7 @@
                       </m:lim>
                     </m:limUpp>
                     <m:r>
-                      <a:rPr xmlns:a="http://schemas.openxmlformats.org/drawingml/2006/main" sz="4950" i="1">
+                      <a:rPr xmlns:a="http://schemas.openxmlformats.org/drawingml/2006/main" sz="6100" i="1">
                         <a:solidFill>
                           <a:srgbClr val="000000"/>
                         </a:solidFill>
@@ -4605,7 +4603,7 @@
                       <m:t>]</m:t>
                     </m:r>
                     <m:r>
-                      <a:rPr xmlns:a="http://schemas.openxmlformats.org/drawingml/2006/main" sz="4950" i="1">
+                      <a:rPr xmlns:a="http://schemas.openxmlformats.org/drawingml/2006/main" sz="6100" i="1">
                         <a:solidFill>
                           <a:srgbClr val="000000"/>
                         </a:solidFill>
@@ -4620,2039 +4618,6 @@
             <a:r>
               <a:t>, evaluate the limitation on the simultaneous specification of kinetic energy and potential energy</a:t>
             </a:r>
-          </a:p>
-          <a:p>
-            <a:pPr marL="500062" indent="-500062" defTabSz="665440">
-              <a:defRPr sz="4050"/>
-            </a:pPr>
-          </a:p>
-          <a:p>
-            <a:pPr marL="500062" indent="-500062" defTabSz="665440">
-              <a:defRPr sz="4050">
-                <a:solidFill>
-                  <a:schemeClr val="accent1">
-                    <a:satOff val="-3355"/>
-                    <a:lumOff val="26614"/>
-                  </a:schemeClr>
-                </a:solidFill>
-              </a:defRPr>
-            </a:pPr>
-            <a14:m>
-              <m:oMathPara>
-                <m:oMathParaPr>
-                  <m:jc m:val="left"/>
-                </m:oMathParaPr>
-                <m:oMath>
-                  <m:d>
-                    <m:dPr>
-                      <m:ctrlPr>
-                        <a:rPr xmlns:a="http://schemas.openxmlformats.org/drawingml/2006/main" sz="4950" i="1">
-                          <a:solidFill>
-                            <a:srgbClr val="51A7F9"/>
-                          </a:solidFill>
-                          <a:latin typeface="Cambria Math" panose="02040503050406030204" pitchFamily="18" charset="0"/>
-                        </a:rPr>
-                      </m:ctrlPr>
-                      <m:begChr m:val="["/>
-                      <m:endChr m:val="]"/>
-                    </m:dPr>
-                    <m:e>
-                      <m:limUpp>
-                        <m:e>
-                          <m:r>
-                            <m:rPr>
-                              <m:sty m:val="b"/>
-                            </m:rPr>
-                            <a:rPr xmlns:a="http://schemas.openxmlformats.org/drawingml/2006/main" sz="4950" i="1">
-                              <a:solidFill>
-                                <a:srgbClr val="51A7F9"/>
-                              </a:solidFill>
-                              <a:latin typeface="Cambria Math" panose="02040503050406030204" pitchFamily="18" charset="0"/>
-                            </a:rPr>
-                            <m:t>T</m:t>
-                          </m:r>
-                        </m:e>
-                        <m:lim>
-                          <m:r>
-                            <a:rPr xmlns:a="http://schemas.openxmlformats.org/drawingml/2006/main" sz="4950" i="1">
-                              <a:solidFill>
-                                <a:srgbClr val="51A7F9"/>
-                              </a:solidFill>
-                              <a:latin typeface="Cambria Math" panose="02040503050406030204" pitchFamily="18" charset="0"/>
-                            </a:rPr>
-                            <m:t>̂</m:t>
-                          </m:r>
-                        </m:lim>
-                      </m:limUpp>
-                      <m:r>
-                        <a:rPr xmlns:a="http://schemas.openxmlformats.org/drawingml/2006/main" sz="4950" i="1">
-                          <a:solidFill>
-                            <a:srgbClr val="51A7F9"/>
-                          </a:solidFill>
-                          <a:latin typeface="Cambria Math" panose="02040503050406030204" pitchFamily="18" charset="0"/>
-                        </a:rPr>
-                        <m:t>,</m:t>
-                      </m:r>
-                      <m:limUpp>
-                        <m:e>
-                          <m:r>
-                            <m:rPr>
-                              <m:sty m:val="b"/>
-                            </m:rPr>
-                            <a:rPr xmlns:a="http://schemas.openxmlformats.org/drawingml/2006/main" sz="4950" i="1">
-                              <a:solidFill>
-                                <a:srgbClr val="51A7F9"/>
-                              </a:solidFill>
-                              <a:latin typeface="Cambria Math" panose="02040503050406030204" pitchFamily="18" charset="0"/>
-                            </a:rPr>
-                            <m:t>V</m:t>
-                          </m:r>
-                        </m:e>
-                        <m:lim>
-                          <m:r>
-                            <a:rPr xmlns:a="http://schemas.openxmlformats.org/drawingml/2006/main" sz="4950" i="1">
-                              <a:solidFill>
-                                <a:srgbClr val="51A7F9"/>
-                              </a:solidFill>
-                              <a:latin typeface="Cambria Math" panose="02040503050406030204" pitchFamily="18" charset="0"/>
-                            </a:rPr>
-                            <m:t>̂</m:t>
-                          </m:r>
-                        </m:lim>
-                      </m:limUpp>
-                    </m:e>
-                  </m:d>
-                  <m:r>
-                    <a:rPr xmlns:a="http://schemas.openxmlformats.org/drawingml/2006/main" sz="4950" i="1">
-                      <a:solidFill>
-                        <a:srgbClr val="51A7F9"/>
-                      </a:solidFill>
-                      <a:latin typeface="Cambria Math" panose="02040503050406030204" pitchFamily="18" charset="0"/>
-                    </a:rPr>
-                    <m:t>f</m:t>
-                  </m:r>
-                  <m:r>
-                    <a:rPr xmlns:a="http://schemas.openxmlformats.org/drawingml/2006/main" sz="4950" i="1">
-                      <a:solidFill>
-                        <a:srgbClr val="51A7F9"/>
-                      </a:solidFill>
-                      <a:latin typeface="Cambria Math" panose="02040503050406030204" pitchFamily="18" charset="0"/>
-                    </a:rPr>
-                    <m:t>=</m:t>
-                  </m:r>
-                  <m:limUpp>
-                    <m:e>
-                      <m:r>
-                        <m:rPr>
-                          <m:sty m:val="b"/>
-                        </m:rPr>
-                        <a:rPr xmlns:a="http://schemas.openxmlformats.org/drawingml/2006/main" sz="4950" i="1">
-                          <a:solidFill>
-                            <a:srgbClr val="51A7F9"/>
-                          </a:solidFill>
-                          <a:latin typeface="Cambria Math" panose="02040503050406030204" pitchFamily="18" charset="0"/>
-                        </a:rPr>
-                        <m:t>T</m:t>
-                      </m:r>
-                    </m:e>
-                    <m:lim>
-                      <m:r>
-                        <a:rPr xmlns:a="http://schemas.openxmlformats.org/drawingml/2006/main" sz="4950" i="1">
-                          <a:solidFill>
-                            <a:srgbClr val="51A7F9"/>
-                          </a:solidFill>
-                          <a:latin typeface="Cambria Math" panose="02040503050406030204" pitchFamily="18" charset="0"/>
-                        </a:rPr>
-                        <m:t>̂</m:t>
-                      </m:r>
-                    </m:lim>
-                  </m:limUpp>
-                  <m:limUpp>
-                    <m:e>
-                      <m:r>
-                        <m:rPr>
-                          <m:sty m:val="b"/>
-                        </m:rPr>
-                        <a:rPr xmlns:a="http://schemas.openxmlformats.org/drawingml/2006/main" sz="4950" i="1">
-                          <a:solidFill>
-                            <a:srgbClr val="51A7F9"/>
-                          </a:solidFill>
-                          <a:latin typeface="Cambria Math" panose="02040503050406030204" pitchFamily="18" charset="0"/>
-                        </a:rPr>
-                        <m:t>V</m:t>
-                      </m:r>
-                    </m:e>
-                    <m:lim>
-                      <m:r>
-                        <a:rPr xmlns:a="http://schemas.openxmlformats.org/drawingml/2006/main" sz="4950" i="1">
-                          <a:solidFill>
-                            <a:srgbClr val="51A7F9"/>
-                          </a:solidFill>
-                          <a:latin typeface="Cambria Math" panose="02040503050406030204" pitchFamily="18" charset="0"/>
-                        </a:rPr>
-                        <m:t>̂</m:t>
-                      </m:r>
-                    </m:lim>
-                  </m:limUpp>
-                  <m:r>
-                    <a:rPr xmlns:a="http://schemas.openxmlformats.org/drawingml/2006/main" sz="4950" i="1">
-                      <a:solidFill>
-                        <a:srgbClr val="51A7F9"/>
-                      </a:solidFill>
-                      <a:latin typeface="Cambria Math" panose="02040503050406030204" pitchFamily="18" charset="0"/>
-                    </a:rPr>
-                    <m:t>f</m:t>
-                  </m:r>
-                  <m:r>
-                    <a:rPr xmlns:a="http://schemas.openxmlformats.org/drawingml/2006/main" sz="4950" i="1">
-                      <a:solidFill>
-                        <a:srgbClr val="51A7F9"/>
-                      </a:solidFill>
-                      <a:latin typeface="Cambria Math" panose="02040503050406030204" pitchFamily="18" charset="0"/>
-                    </a:rPr>
-                    <m:t>-</m:t>
-                  </m:r>
-                  <m:limUpp>
-                    <m:e>
-                      <m:r>
-                        <m:rPr>
-                          <m:sty m:val="b"/>
-                        </m:rPr>
-                        <a:rPr xmlns:a="http://schemas.openxmlformats.org/drawingml/2006/main" sz="4950" i="1">
-                          <a:solidFill>
-                            <a:srgbClr val="51A7F9"/>
-                          </a:solidFill>
-                          <a:latin typeface="Cambria Math" panose="02040503050406030204" pitchFamily="18" charset="0"/>
-                        </a:rPr>
-                        <m:t>V</m:t>
-                      </m:r>
-                    </m:e>
-                    <m:lim>
-                      <m:r>
-                        <a:rPr xmlns:a="http://schemas.openxmlformats.org/drawingml/2006/main" sz="4950" i="1">
-                          <a:solidFill>
-                            <a:srgbClr val="51A7F9"/>
-                          </a:solidFill>
-                          <a:latin typeface="Cambria Math" panose="02040503050406030204" pitchFamily="18" charset="0"/>
-                        </a:rPr>
-                        <m:t>̂</m:t>
-                      </m:r>
-                    </m:lim>
-                  </m:limUpp>
-                  <m:limUpp>
-                    <m:e>
-                      <m:r>
-                        <m:rPr>
-                          <m:sty m:val="b"/>
-                        </m:rPr>
-                        <a:rPr xmlns:a="http://schemas.openxmlformats.org/drawingml/2006/main" sz="4950" i="1">
-                          <a:solidFill>
-                            <a:srgbClr val="51A7F9"/>
-                          </a:solidFill>
-                          <a:latin typeface="Cambria Math" panose="02040503050406030204" pitchFamily="18" charset="0"/>
-                        </a:rPr>
-                        <m:t>T</m:t>
-                      </m:r>
-                    </m:e>
-                    <m:lim>
-                      <m:r>
-                        <a:rPr xmlns:a="http://schemas.openxmlformats.org/drawingml/2006/main" sz="4950" i="1">
-                          <a:solidFill>
-                            <a:srgbClr val="51A7F9"/>
-                          </a:solidFill>
-                          <a:latin typeface="Cambria Math" panose="02040503050406030204" pitchFamily="18" charset="0"/>
-                        </a:rPr>
-                        <m:t>̂</m:t>
-                      </m:r>
-                    </m:lim>
-                  </m:limUpp>
-                  <m:r>
-                    <a:rPr xmlns:a="http://schemas.openxmlformats.org/drawingml/2006/main" sz="4950" i="1">
-                      <a:solidFill>
-                        <a:srgbClr val="51A7F9"/>
-                      </a:solidFill>
-                      <a:latin typeface="Cambria Math" panose="02040503050406030204" pitchFamily="18" charset="0"/>
-                    </a:rPr>
-                    <m:t>f</m:t>
-                  </m:r>
-                  <m:r>
-                    <a:rPr xmlns:a="http://schemas.openxmlformats.org/drawingml/2006/main" sz="4950" i="1">
-                      <a:solidFill>
-                        <a:srgbClr val="51A7F9"/>
-                      </a:solidFill>
-                      <a:latin typeface="Cambria Math" panose="02040503050406030204" pitchFamily="18" charset="0"/>
-                    </a:rPr>
-                    <m:t>=</m:t>
-                  </m:r>
-                  <m:r>
-                    <a:rPr xmlns:a="http://schemas.openxmlformats.org/drawingml/2006/main" sz="4950" i="1">
-                      <a:solidFill>
-                        <a:srgbClr val="51A7F9"/>
-                      </a:solidFill>
-                      <a:latin typeface="Cambria Math" panose="02040503050406030204" pitchFamily="18" charset="0"/>
-                    </a:rPr>
-                    <m:t>-</m:t>
-                  </m:r>
-                  <m:f>
-                    <m:fPr>
-                      <m:ctrlPr>
-                        <a:rPr xmlns:a="http://schemas.openxmlformats.org/drawingml/2006/main" sz="4950" i="1">
-                          <a:solidFill>
-                            <a:srgbClr val="51A7F9"/>
-                          </a:solidFill>
-                          <a:latin typeface="Cambria Math" panose="02040503050406030204" pitchFamily="18" charset="0"/>
-                        </a:rPr>
-                      </m:ctrlPr>
-                      <m:type m:val="bar"/>
-                    </m:fPr>
-                    <m:num>
-                      <m:sSup>
-                        <m:e>
-                          <m:r>
-                            <m:rPr>
-                              <m:sty m:val="p"/>
-                            </m:rPr>
-                            <a:rPr xmlns:a="http://schemas.openxmlformats.org/drawingml/2006/main" sz="4950" i="1">
-                              <a:solidFill>
-                                <a:srgbClr val="51A7F9"/>
-                              </a:solidFill>
-                              <a:latin typeface="Cambria Math" panose="02040503050406030204" pitchFamily="18" charset="0"/>
-                            </a:rPr>
-                            <m:t>ℏ</m:t>
-                          </m:r>
-                        </m:e>
-                        <m:sup>
-                          <m:r>
-                            <a:rPr xmlns:a="http://schemas.openxmlformats.org/drawingml/2006/main" sz="4950" i="1">
-                              <a:solidFill>
-                                <a:srgbClr val="51A7F9"/>
-                              </a:solidFill>
-                              <a:latin typeface="Cambria Math" panose="02040503050406030204" pitchFamily="18" charset="0"/>
-                            </a:rPr>
-                            <m:t>2</m:t>
-                          </m:r>
-                        </m:sup>
-                      </m:sSup>
-                    </m:num>
-                    <m:den>
-                      <m:r>
-                        <a:rPr xmlns:a="http://schemas.openxmlformats.org/drawingml/2006/main" sz="4950" i="1">
-                          <a:solidFill>
-                            <a:srgbClr val="51A7F9"/>
-                          </a:solidFill>
-                          <a:latin typeface="Cambria Math" panose="02040503050406030204" pitchFamily="18" charset="0"/>
-                        </a:rPr>
-                        <m:t>2</m:t>
-                      </m:r>
-                      <m:r>
-                        <a:rPr xmlns:a="http://schemas.openxmlformats.org/drawingml/2006/main" sz="4950" i="1">
-                          <a:solidFill>
-                            <a:srgbClr val="51A7F9"/>
-                          </a:solidFill>
-                          <a:latin typeface="Cambria Math" panose="02040503050406030204" pitchFamily="18" charset="0"/>
-                        </a:rPr>
-                        <m:t>m</m:t>
-                      </m:r>
-                    </m:den>
-                  </m:f>
-                  <m:f>
-                    <m:fPr>
-                      <m:ctrlPr>
-                        <a:rPr xmlns:a="http://schemas.openxmlformats.org/drawingml/2006/main" sz="4950" i="1">
-                          <a:solidFill>
-                            <a:srgbClr val="51A7F9"/>
-                          </a:solidFill>
-                          <a:latin typeface="Cambria Math" panose="02040503050406030204" pitchFamily="18" charset="0"/>
-                        </a:rPr>
-                      </m:ctrlPr>
-                      <m:type m:val="bar"/>
-                    </m:fPr>
-                    <m:num>
-                      <m:sSup>
-                        <m:e>
-                          <m:r>
-                            <a:rPr xmlns:a="http://schemas.openxmlformats.org/drawingml/2006/main" sz="4950" i="1">
-                              <a:solidFill>
-                                <a:srgbClr val="51A7F9"/>
-                              </a:solidFill>
-                              <a:latin typeface="Cambria Math" panose="02040503050406030204" pitchFamily="18" charset="0"/>
-                            </a:rPr>
-                            <m:t>d</m:t>
-                          </m:r>
-                        </m:e>
-                        <m:sup>
-                          <m:r>
-                            <a:rPr xmlns:a="http://schemas.openxmlformats.org/drawingml/2006/main" sz="4950" i="1">
-                              <a:solidFill>
-                                <a:srgbClr val="51A7F9"/>
-                              </a:solidFill>
-                              <a:latin typeface="Cambria Math" panose="02040503050406030204" pitchFamily="18" charset="0"/>
-                            </a:rPr>
-                            <m:t>2</m:t>
-                          </m:r>
-                        </m:sup>
-                      </m:sSup>
-                      <m:r>
-                        <a:rPr xmlns:a="http://schemas.openxmlformats.org/drawingml/2006/main" sz="4950" i="1">
-                          <a:solidFill>
-                            <a:srgbClr val="51A7F9"/>
-                          </a:solidFill>
-                          <a:latin typeface="Cambria Math" panose="02040503050406030204" pitchFamily="18" charset="0"/>
-                        </a:rPr>
-                        <m:t>V</m:t>
-                      </m:r>
-                      <m:r>
-                        <a:rPr xmlns:a="http://schemas.openxmlformats.org/drawingml/2006/main" sz="4950" i="1">
-                          <a:solidFill>
-                            <a:srgbClr val="51A7F9"/>
-                          </a:solidFill>
-                          <a:latin typeface="Cambria Math" panose="02040503050406030204" pitchFamily="18" charset="0"/>
-                        </a:rPr>
-                        <m:t>f</m:t>
-                      </m:r>
-                    </m:num>
-                    <m:den>
-                      <m:r>
-                        <a:rPr xmlns:a="http://schemas.openxmlformats.org/drawingml/2006/main" sz="4950" i="1">
-                          <a:solidFill>
-                            <a:srgbClr val="51A7F9"/>
-                          </a:solidFill>
-                          <a:latin typeface="Cambria Math" panose="02040503050406030204" pitchFamily="18" charset="0"/>
-                        </a:rPr>
-                        <m:t>d</m:t>
-                      </m:r>
-                      <m:r>
-                        <a:rPr xmlns:a="http://schemas.openxmlformats.org/drawingml/2006/main" sz="4950" i="1">
-                          <a:solidFill>
-                            <a:srgbClr val="51A7F9"/>
-                          </a:solidFill>
-                          <a:latin typeface="Cambria Math" panose="02040503050406030204" pitchFamily="18" charset="0"/>
-                        </a:rPr>
-                        <m:t>x</m:t>
-                      </m:r>
-                    </m:den>
-                  </m:f>
-                  <m:r>
-                    <a:rPr xmlns:a="http://schemas.openxmlformats.org/drawingml/2006/main" sz="4950" i="1">
-                      <a:solidFill>
-                        <a:srgbClr val="51A7F9"/>
-                      </a:solidFill>
-                      <a:latin typeface="Cambria Math" panose="02040503050406030204" pitchFamily="18" charset="0"/>
-                    </a:rPr>
-                    <m:t>+</m:t>
-                  </m:r>
-                  <m:r>
-                    <a:rPr xmlns:a="http://schemas.openxmlformats.org/drawingml/2006/main" sz="4950" i="1">
-                      <a:solidFill>
-                        <a:srgbClr val="51A7F9"/>
-                      </a:solidFill>
-                      <a:latin typeface="Cambria Math" panose="02040503050406030204" pitchFamily="18" charset="0"/>
-                    </a:rPr>
-                    <m:t>V</m:t>
-                  </m:r>
-                  <m:f>
-                    <m:fPr>
-                      <m:ctrlPr>
-                        <a:rPr xmlns:a="http://schemas.openxmlformats.org/drawingml/2006/main" sz="4950" i="1">
-                          <a:solidFill>
-                            <a:srgbClr val="51A7F9"/>
-                          </a:solidFill>
-                          <a:latin typeface="Cambria Math" panose="02040503050406030204" pitchFamily="18" charset="0"/>
-                        </a:rPr>
-                      </m:ctrlPr>
-                      <m:type m:val="bar"/>
-                    </m:fPr>
-                    <m:num>
-                      <m:sSup>
-                        <m:e>
-                          <m:r>
-                            <m:rPr>
-                              <m:sty m:val="p"/>
-                            </m:rPr>
-                            <a:rPr xmlns:a="http://schemas.openxmlformats.org/drawingml/2006/main" sz="4950" i="1">
-                              <a:solidFill>
-                                <a:srgbClr val="51A7F9"/>
-                              </a:solidFill>
-                              <a:latin typeface="Cambria Math" panose="02040503050406030204" pitchFamily="18" charset="0"/>
-                            </a:rPr>
-                            <m:t>ℏ</m:t>
-                          </m:r>
-                        </m:e>
-                        <m:sup>
-                          <m:r>
-                            <a:rPr xmlns:a="http://schemas.openxmlformats.org/drawingml/2006/main" sz="4950" i="1">
-                              <a:solidFill>
-                                <a:srgbClr val="51A7F9"/>
-                              </a:solidFill>
-                              <a:latin typeface="Cambria Math" panose="02040503050406030204" pitchFamily="18" charset="0"/>
-                            </a:rPr>
-                            <m:t>2</m:t>
-                          </m:r>
-                        </m:sup>
-                      </m:sSup>
-                    </m:num>
-                    <m:den>
-                      <m:r>
-                        <a:rPr xmlns:a="http://schemas.openxmlformats.org/drawingml/2006/main" sz="4950" i="1">
-                          <a:solidFill>
-                            <a:srgbClr val="51A7F9"/>
-                          </a:solidFill>
-                          <a:latin typeface="Cambria Math" panose="02040503050406030204" pitchFamily="18" charset="0"/>
-                        </a:rPr>
-                        <m:t>2</m:t>
-                      </m:r>
-                      <m:r>
-                        <a:rPr xmlns:a="http://schemas.openxmlformats.org/drawingml/2006/main" sz="4950" i="1">
-                          <a:solidFill>
-                            <a:srgbClr val="51A7F9"/>
-                          </a:solidFill>
-                          <a:latin typeface="Cambria Math" panose="02040503050406030204" pitchFamily="18" charset="0"/>
-                        </a:rPr>
-                        <m:t>m</m:t>
-                      </m:r>
-                    </m:den>
-                  </m:f>
-                  <m:f>
-                    <m:fPr>
-                      <m:ctrlPr>
-                        <a:rPr xmlns:a="http://schemas.openxmlformats.org/drawingml/2006/main" sz="4950" i="1">
-                          <a:solidFill>
-                            <a:srgbClr val="51A7F9"/>
-                          </a:solidFill>
-                          <a:latin typeface="Cambria Math" panose="02040503050406030204" pitchFamily="18" charset="0"/>
-                        </a:rPr>
-                      </m:ctrlPr>
-                      <m:type m:val="bar"/>
-                    </m:fPr>
-                    <m:num>
-                      <m:r>
-                        <a:rPr xmlns:a="http://schemas.openxmlformats.org/drawingml/2006/main" sz="4950" i="1">
-                          <a:solidFill>
-                            <a:srgbClr val="51A7F9"/>
-                          </a:solidFill>
-                          <a:latin typeface="Cambria Math" panose="02040503050406030204" pitchFamily="18" charset="0"/>
-                        </a:rPr>
-                        <m:t>d</m:t>
-                      </m:r>
-                      <m:r>
-                        <a:rPr xmlns:a="http://schemas.openxmlformats.org/drawingml/2006/main" sz="4950" i="1">
-                          <a:solidFill>
-                            <a:srgbClr val="51A7F9"/>
-                          </a:solidFill>
-                          <a:latin typeface="Cambria Math" panose="02040503050406030204" pitchFamily="18" charset="0"/>
-                        </a:rPr>
-                        <m:t>f</m:t>
-                      </m:r>
-                    </m:num>
-                    <m:den>
-                      <m:r>
-                        <a:rPr xmlns:a="http://schemas.openxmlformats.org/drawingml/2006/main" sz="4950" i="1">
-                          <a:solidFill>
-                            <a:srgbClr val="51A7F9"/>
-                          </a:solidFill>
-                          <a:latin typeface="Cambria Math" panose="02040503050406030204" pitchFamily="18" charset="0"/>
-                        </a:rPr>
-                        <m:t>d</m:t>
-                      </m:r>
-                      <m:r>
-                        <a:rPr xmlns:a="http://schemas.openxmlformats.org/drawingml/2006/main" sz="4950" i="1">
-                          <a:solidFill>
-                            <a:srgbClr val="51A7F9"/>
-                          </a:solidFill>
-                          <a:latin typeface="Cambria Math" panose="02040503050406030204" pitchFamily="18" charset="0"/>
-                        </a:rPr>
-                        <m:t>x</m:t>
-                      </m:r>
-                    </m:den>
-                  </m:f>
-                </m:oMath>
-              </m:oMathPara>
-            </a14:m>
-          </a:p>
-          <a:p>
-            <a:pPr marL="500062" indent="-500062" defTabSz="665440">
-              <a:defRPr sz="4050">
-                <a:solidFill>
-                  <a:schemeClr val="accent1">
-                    <a:satOff val="-3355"/>
-                    <a:lumOff val="26614"/>
-                  </a:schemeClr>
-                </a:solidFill>
-              </a:defRPr>
-            </a:pPr>
-            <a14:m>
-              <m:oMathPara>
-                <m:oMathParaPr>
-                  <m:jc m:val="left"/>
-                </m:oMathParaPr>
-                <m:oMath>
-                  <m:f>
-                    <m:fPr>
-                      <m:ctrlPr>
-                        <a:rPr xmlns:a="http://schemas.openxmlformats.org/drawingml/2006/main" sz="4950" i="1">
-                          <a:solidFill>
-                            <a:srgbClr val="51A7F9"/>
-                          </a:solidFill>
-                          <a:latin typeface="Cambria Math" panose="02040503050406030204" pitchFamily="18" charset="0"/>
-                        </a:rPr>
-                      </m:ctrlPr>
-                      <m:type m:val="bar"/>
-                    </m:fPr>
-                    <m:num>
-                      <m:sSup>
-                        <m:e>
-                          <m:r>
-                            <a:rPr xmlns:a="http://schemas.openxmlformats.org/drawingml/2006/main" sz="4950" i="1">
-                              <a:solidFill>
-                                <a:srgbClr val="51A7F9"/>
-                              </a:solidFill>
-                              <a:latin typeface="Cambria Math" panose="02040503050406030204" pitchFamily="18" charset="0"/>
-                            </a:rPr>
-                            <m:t>d</m:t>
-                          </m:r>
-                        </m:e>
-                        <m:sup>
-                          <m:r>
-                            <a:rPr xmlns:a="http://schemas.openxmlformats.org/drawingml/2006/main" sz="4950" i="1">
-                              <a:solidFill>
-                                <a:srgbClr val="51A7F9"/>
-                              </a:solidFill>
-                              <a:latin typeface="Cambria Math" panose="02040503050406030204" pitchFamily="18" charset="0"/>
-                            </a:rPr>
-                            <m:t>2</m:t>
-                          </m:r>
-                        </m:sup>
-                      </m:sSup>
-                      <m:r>
-                        <a:rPr xmlns:a="http://schemas.openxmlformats.org/drawingml/2006/main" sz="4950" i="1">
-                          <a:solidFill>
-                            <a:srgbClr val="51A7F9"/>
-                          </a:solidFill>
-                          <a:latin typeface="Cambria Math" panose="02040503050406030204" pitchFamily="18" charset="0"/>
-                        </a:rPr>
-                        <m:t>V</m:t>
-                      </m:r>
-                      <m:r>
-                        <a:rPr xmlns:a="http://schemas.openxmlformats.org/drawingml/2006/main" sz="4950" i="1">
-                          <a:solidFill>
-                            <a:srgbClr val="51A7F9"/>
-                          </a:solidFill>
-                          <a:latin typeface="Cambria Math" panose="02040503050406030204" pitchFamily="18" charset="0"/>
-                        </a:rPr>
-                        <m:t>f</m:t>
-                      </m:r>
-                    </m:num>
-                    <m:den>
-                      <m:r>
-                        <a:rPr xmlns:a="http://schemas.openxmlformats.org/drawingml/2006/main" sz="4950" i="1">
-                          <a:solidFill>
-                            <a:srgbClr val="51A7F9"/>
-                          </a:solidFill>
-                          <a:latin typeface="Cambria Math" panose="02040503050406030204" pitchFamily="18" charset="0"/>
-                        </a:rPr>
-                        <m:t>d</m:t>
-                      </m:r>
-                      <m:sSup>
-                        <m:e>
-                          <m:r>
-                            <a:rPr xmlns:a="http://schemas.openxmlformats.org/drawingml/2006/main" sz="4950" i="1">
-                              <a:solidFill>
-                                <a:srgbClr val="51A7F9"/>
-                              </a:solidFill>
-                              <a:latin typeface="Cambria Math" panose="02040503050406030204" pitchFamily="18" charset="0"/>
-                            </a:rPr>
-                            <m:t>x</m:t>
-                          </m:r>
-                        </m:e>
-                        <m:sup>
-                          <m:r>
-                            <a:rPr xmlns:a="http://schemas.openxmlformats.org/drawingml/2006/main" sz="4950" i="1">
-                              <a:solidFill>
-                                <a:srgbClr val="51A7F9"/>
-                              </a:solidFill>
-                              <a:latin typeface="Cambria Math" panose="02040503050406030204" pitchFamily="18" charset="0"/>
-                            </a:rPr>
-                            <m:t>2</m:t>
-                          </m:r>
-                        </m:sup>
-                      </m:sSup>
-                    </m:den>
-                  </m:f>
-                  <m:r>
-                    <a:rPr xmlns:a="http://schemas.openxmlformats.org/drawingml/2006/main" sz="4950" i="1">
-                      <a:solidFill>
-                        <a:srgbClr val="51A7F9"/>
-                      </a:solidFill>
-                      <a:latin typeface="Cambria Math" panose="02040503050406030204" pitchFamily="18" charset="0"/>
-                    </a:rPr>
-                    <m:t>=</m:t>
-                  </m:r>
-                  <m:f>
-                    <m:fPr>
-                      <m:ctrlPr>
-                        <a:rPr xmlns:a="http://schemas.openxmlformats.org/drawingml/2006/main" sz="4950" i="1">
-                          <a:solidFill>
-                            <a:srgbClr val="51A7F9"/>
-                          </a:solidFill>
-                          <a:latin typeface="Cambria Math" panose="02040503050406030204" pitchFamily="18" charset="0"/>
-                        </a:rPr>
-                      </m:ctrlPr>
-                      <m:type m:val="bar"/>
-                    </m:fPr>
-                    <m:num>
-                      <m:r>
-                        <a:rPr xmlns:a="http://schemas.openxmlformats.org/drawingml/2006/main" sz="4950" i="1">
-                          <a:solidFill>
-                            <a:srgbClr val="51A7F9"/>
-                          </a:solidFill>
-                          <a:latin typeface="Cambria Math" panose="02040503050406030204" pitchFamily="18" charset="0"/>
-                        </a:rPr>
-                        <m:t>d</m:t>
-                      </m:r>
-                    </m:num>
-                    <m:den>
-                      <m:r>
-                        <a:rPr xmlns:a="http://schemas.openxmlformats.org/drawingml/2006/main" sz="4950" i="1">
-                          <a:solidFill>
-                            <a:srgbClr val="51A7F9"/>
-                          </a:solidFill>
-                          <a:latin typeface="Cambria Math" panose="02040503050406030204" pitchFamily="18" charset="0"/>
-                        </a:rPr>
-                        <m:t>d</m:t>
-                      </m:r>
-                      <m:r>
-                        <a:rPr xmlns:a="http://schemas.openxmlformats.org/drawingml/2006/main" sz="4950" i="1">
-                          <a:solidFill>
-                            <a:srgbClr val="51A7F9"/>
-                          </a:solidFill>
-                          <a:latin typeface="Cambria Math" panose="02040503050406030204" pitchFamily="18" charset="0"/>
-                        </a:rPr>
-                        <m:t>x</m:t>
-                      </m:r>
-                    </m:den>
-                  </m:f>
-                  <m:d>
-                    <m:dPr>
-                      <m:ctrlPr>
-                        <a:rPr xmlns:a="http://schemas.openxmlformats.org/drawingml/2006/main" sz="4950" i="1">
-                          <a:solidFill>
-                            <a:srgbClr val="51A7F9"/>
-                          </a:solidFill>
-                          <a:latin typeface="Cambria Math" panose="02040503050406030204" pitchFamily="18" charset="0"/>
-                        </a:rPr>
-                      </m:ctrlPr>
-                      <m:begChr m:val="["/>
-                      <m:endChr m:val="]"/>
-                    </m:dPr>
-                    <m:e>
-                      <m:r>
-                        <a:rPr xmlns:a="http://schemas.openxmlformats.org/drawingml/2006/main" sz="4950" i="1">
-                          <a:solidFill>
-                            <a:srgbClr val="51A7F9"/>
-                          </a:solidFill>
-                          <a:latin typeface="Cambria Math" panose="02040503050406030204" pitchFamily="18" charset="0"/>
-                        </a:rPr>
-                        <m:t>f</m:t>
-                      </m:r>
-                      <m:f>
-                        <m:fPr>
-                          <m:ctrlPr>
-                            <a:rPr xmlns:a="http://schemas.openxmlformats.org/drawingml/2006/main" sz="4950" i="1">
-                              <a:solidFill>
-                                <a:srgbClr val="51A7F9"/>
-                              </a:solidFill>
-                              <a:latin typeface="Cambria Math" panose="02040503050406030204" pitchFamily="18" charset="0"/>
-                            </a:rPr>
-                          </m:ctrlPr>
-                          <m:type m:val="bar"/>
-                        </m:fPr>
-                        <m:num>
-                          <m:r>
-                            <a:rPr xmlns:a="http://schemas.openxmlformats.org/drawingml/2006/main" sz="4950" i="1">
-                              <a:solidFill>
-                                <a:srgbClr val="51A7F9"/>
-                              </a:solidFill>
-                              <a:latin typeface="Cambria Math" panose="02040503050406030204" pitchFamily="18" charset="0"/>
-                            </a:rPr>
-                            <m:t>d</m:t>
-                          </m:r>
-                          <m:r>
-                            <a:rPr xmlns:a="http://schemas.openxmlformats.org/drawingml/2006/main" sz="4950" i="1">
-                              <a:solidFill>
-                                <a:srgbClr val="51A7F9"/>
-                              </a:solidFill>
-                              <a:latin typeface="Cambria Math" panose="02040503050406030204" pitchFamily="18" charset="0"/>
-                            </a:rPr>
-                            <m:t>V</m:t>
-                          </m:r>
-                        </m:num>
-                        <m:den>
-                          <m:r>
-                            <a:rPr xmlns:a="http://schemas.openxmlformats.org/drawingml/2006/main" sz="4950" i="1">
-                              <a:solidFill>
-                                <a:srgbClr val="51A7F9"/>
-                              </a:solidFill>
-                              <a:latin typeface="Cambria Math" panose="02040503050406030204" pitchFamily="18" charset="0"/>
-                            </a:rPr>
-                            <m:t>d</m:t>
-                          </m:r>
-                          <m:r>
-                            <a:rPr xmlns:a="http://schemas.openxmlformats.org/drawingml/2006/main" sz="4950" i="1">
-                              <a:solidFill>
-                                <a:srgbClr val="51A7F9"/>
-                              </a:solidFill>
-                              <a:latin typeface="Cambria Math" panose="02040503050406030204" pitchFamily="18" charset="0"/>
-                            </a:rPr>
-                            <m:t>x</m:t>
-                          </m:r>
-                        </m:den>
-                      </m:f>
-                      <m:r>
-                        <a:rPr xmlns:a="http://schemas.openxmlformats.org/drawingml/2006/main" sz="4950" i="1">
-                          <a:solidFill>
-                            <a:srgbClr val="51A7F9"/>
-                          </a:solidFill>
-                          <a:latin typeface="Cambria Math" panose="02040503050406030204" pitchFamily="18" charset="0"/>
-                        </a:rPr>
-                        <m:t>+</m:t>
-                      </m:r>
-                      <m:r>
-                        <a:rPr xmlns:a="http://schemas.openxmlformats.org/drawingml/2006/main" sz="4950" i="1">
-                          <a:solidFill>
-                            <a:srgbClr val="51A7F9"/>
-                          </a:solidFill>
-                          <a:latin typeface="Cambria Math" panose="02040503050406030204" pitchFamily="18" charset="0"/>
-                        </a:rPr>
-                        <m:t>V</m:t>
-                      </m:r>
-                      <m:f>
-                        <m:fPr>
-                          <m:ctrlPr>
-                            <a:rPr xmlns:a="http://schemas.openxmlformats.org/drawingml/2006/main" sz="4950" i="1">
-                              <a:solidFill>
-                                <a:srgbClr val="51A7F9"/>
-                              </a:solidFill>
-                              <a:latin typeface="Cambria Math" panose="02040503050406030204" pitchFamily="18" charset="0"/>
-                            </a:rPr>
-                          </m:ctrlPr>
-                          <m:type m:val="bar"/>
-                        </m:fPr>
-                        <m:num>
-                          <m:r>
-                            <a:rPr xmlns:a="http://schemas.openxmlformats.org/drawingml/2006/main" sz="4950" i="1">
-                              <a:solidFill>
-                                <a:srgbClr val="51A7F9"/>
-                              </a:solidFill>
-                              <a:latin typeface="Cambria Math" panose="02040503050406030204" pitchFamily="18" charset="0"/>
-                            </a:rPr>
-                            <m:t>d</m:t>
-                          </m:r>
-                          <m:r>
-                            <a:rPr xmlns:a="http://schemas.openxmlformats.org/drawingml/2006/main" sz="4950" i="1">
-                              <a:solidFill>
-                                <a:srgbClr val="51A7F9"/>
-                              </a:solidFill>
-                              <a:latin typeface="Cambria Math" panose="02040503050406030204" pitchFamily="18" charset="0"/>
-                            </a:rPr>
-                            <m:t>f</m:t>
-                          </m:r>
-                        </m:num>
-                        <m:den>
-                          <m:r>
-                            <a:rPr xmlns:a="http://schemas.openxmlformats.org/drawingml/2006/main" sz="4950" i="1">
-                              <a:solidFill>
-                                <a:srgbClr val="51A7F9"/>
-                              </a:solidFill>
-                              <a:latin typeface="Cambria Math" panose="02040503050406030204" pitchFamily="18" charset="0"/>
-                            </a:rPr>
-                            <m:t>d</m:t>
-                          </m:r>
-                          <m:r>
-                            <a:rPr xmlns:a="http://schemas.openxmlformats.org/drawingml/2006/main" sz="4950" i="1">
-                              <a:solidFill>
-                                <a:srgbClr val="51A7F9"/>
-                              </a:solidFill>
-                              <a:latin typeface="Cambria Math" panose="02040503050406030204" pitchFamily="18" charset="0"/>
-                            </a:rPr>
-                            <m:t>x</m:t>
-                          </m:r>
-                        </m:den>
-                      </m:f>
-                    </m:e>
-                  </m:d>
-                  <m:r>
-                    <a:rPr xmlns:a="http://schemas.openxmlformats.org/drawingml/2006/main" sz="4950" i="1">
-                      <a:solidFill>
-                        <a:srgbClr val="51A7F9"/>
-                      </a:solidFill>
-                      <a:latin typeface="Cambria Math" panose="02040503050406030204" pitchFamily="18" charset="0"/>
-                    </a:rPr>
-                    <m:t>=</m:t>
-                  </m:r>
-                  <m:r>
-                    <a:rPr xmlns:a="http://schemas.openxmlformats.org/drawingml/2006/main" sz="4950" i="1">
-                      <a:solidFill>
-                        <a:srgbClr val="51A7F9"/>
-                      </a:solidFill>
-                      <a:latin typeface="Cambria Math" panose="02040503050406030204" pitchFamily="18" charset="0"/>
-                    </a:rPr>
-                    <m:t>f</m:t>
-                  </m:r>
-                  <m:f>
-                    <m:fPr>
-                      <m:ctrlPr>
-                        <a:rPr xmlns:a="http://schemas.openxmlformats.org/drawingml/2006/main" sz="4950" i="1">
-                          <a:solidFill>
-                            <a:srgbClr val="51A7F9"/>
-                          </a:solidFill>
-                          <a:latin typeface="Cambria Math" panose="02040503050406030204" pitchFamily="18" charset="0"/>
-                        </a:rPr>
-                      </m:ctrlPr>
-                      <m:type m:val="bar"/>
-                    </m:fPr>
-                    <m:num>
-                      <m:sSup>
-                        <m:e>
-                          <m:r>
-                            <a:rPr xmlns:a="http://schemas.openxmlformats.org/drawingml/2006/main" sz="4950" i="1">
-                              <a:solidFill>
-                                <a:srgbClr val="51A7F9"/>
-                              </a:solidFill>
-                              <a:latin typeface="Cambria Math" panose="02040503050406030204" pitchFamily="18" charset="0"/>
-                            </a:rPr>
-                            <m:t>d</m:t>
-                          </m:r>
-                        </m:e>
-                        <m:sup>
-                          <m:r>
-                            <a:rPr xmlns:a="http://schemas.openxmlformats.org/drawingml/2006/main" sz="4950" i="1">
-                              <a:solidFill>
-                                <a:srgbClr val="51A7F9"/>
-                              </a:solidFill>
-                              <a:latin typeface="Cambria Math" panose="02040503050406030204" pitchFamily="18" charset="0"/>
-                            </a:rPr>
-                            <m:t>2</m:t>
-                          </m:r>
-                        </m:sup>
-                      </m:sSup>
-                      <m:r>
-                        <a:rPr xmlns:a="http://schemas.openxmlformats.org/drawingml/2006/main" sz="4950" i="1">
-                          <a:solidFill>
-                            <a:srgbClr val="51A7F9"/>
-                          </a:solidFill>
-                          <a:latin typeface="Cambria Math" panose="02040503050406030204" pitchFamily="18" charset="0"/>
-                        </a:rPr>
-                        <m:t>V</m:t>
-                      </m:r>
-                    </m:num>
-                    <m:den>
-                      <m:r>
-                        <a:rPr xmlns:a="http://schemas.openxmlformats.org/drawingml/2006/main" sz="4950" i="1">
-                          <a:solidFill>
-                            <a:srgbClr val="51A7F9"/>
-                          </a:solidFill>
-                          <a:latin typeface="Cambria Math" panose="02040503050406030204" pitchFamily="18" charset="0"/>
-                        </a:rPr>
-                        <m:t>d</m:t>
-                      </m:r>
-                      <m:sSup>
-                        <m:e>
-                          <m:r>
-                            <a:rPr xmlns:a="http://schemas.openxmlformats.org/drawingml/2006/main" sz="4950" i="1">
-                              <a:solidFill>
-                                <a:srgbClr val="51A7F9"/>
-                              </a:solidFill>
-                              <a:latin typeface="Cambria Math" panose="02040503050406030204" pitchFamily="18" charset="0"/>
-                            </a:rPr>
-                            <m:t>x</m:t>
-                          </m:r>
-                        </m:e>
-                        <m:sup>
-                          <m:r>
-                            <a:rPr xmlns:a="http://schemas.openxmlformats.org/drawingml/2006/main" sz="4950" i="1">
-                              <a:solidFill>
-                                <a:srgbClr val="51A7F9"/>
-                              </a:solidFill>
-                              <a:latin typeface="Cambria Math" panose="02040503050406030204" pitchFamily="18" charset="0"/>
-                            </a:rPr>
-                            <m:t>2</m:t>
-                          </m:r>
-                        </m:sup>
-                      </m:sSup>
-                    </m:den>
-                  </m:f>
-                  <m:r>
-                    <a:rPr xmlns:a="http://schemas.openxmlformats.org/drawingml/2006/main" sz="4950" i="1">
-                      <a:solidFill>
-                        <a:srgbClr val="51A7F9"/>
-                      </a:solidFill>
-                      <a:latin typeface="Cambria Math" panose="02040503050406030204" pitchFamily="18" charset="0"/>
-                    </a:rPr>
-                    <m:t>+</m:t>
-                  </m:r>
-                  <m:r>
-                    <a:rPr xmlns:a="http://schemas.openxmlformats.org/drawingml/2006/main" sz="4950" i="1">
-                      <a:solidFill>
-                        <a:srgbClr val="51A7F9"/>
-                      </a:solidFill>
-                      <a:latin typeface="Cambria Math" panose="02040503050406030204" pitchFamily="18" charset="0"/>
-                    </a:rPr>
-                    <m:t>2</m:t>
-                  </m:r>
-                  <m:f>
-                    <m:fPr>
-                      <m:ctrlPr>
-                        <a:rPr xmlns:a="http://schemas.openxmlformats.org/drawingml/2006/main" sz="4950" i="1">
-                          <a:solidFill>
-                            <a:srgbClr val="51A7F9"/>
-                          </a:solidFill>
-                          <a:latin typeface="Cambria Math" panose="02040503050406030204" pitchFamily="18" charset="0"/>
-                        </a:rPr>
-                      </m:ctrlPr>
-                      <m:type m:val="bar"/>
-                    </m:fPr>
-                    <m:num>
-                      <m:r>
-                        <a:rPr xmlns:a="http://schemas.openxmlformats.org/drawingml/2006/main" sz="4950" i="1">
-                          <a:solidFill>
-                            <a:srgbClr val="51A7F9"/>
-                          </a:solidFill>
-                          <a:latin typeface="Cambria Math" panose="02040503050406030204" pitchFamily="18" charset="0"/>
-                        </a:rPr>
-                        <m:t>d</m:t>
-                      </m:r>
-                      <m:r>
-                        <a:rPr xmlns:a="http://schemas.openxmlformats.org/drawingml/2006/main" sz="4950" i="1">
-                          <a:solidFill>
-                            <a:srgbClr val="51A7F9"/>
-                          </a:solidFill>
-                          <a:latin typeface="Cambria Math" panose="02040503050406030204" pitchFamily="18" charset="0"/>
-                        </a:rPr>
-                        <m:t>f</m:t>
-                      </m:r>
-                    </m:num>
-                    <m:den>
-                      <m:r>
-                        <a:rPr xmlns:a="http://schemas.openxmlformats.org/drawingml/2006/main" sz="4950" i="1">
-                          <a:solidFill>
-                            <a:srgbClr val="51A7F9"/>
-                          </a:solidFill>
-                          <a:latin typeface="Cambria Math" panose="02040503050406030204" pitchFamily="18" charset="0"/>
-                        </a:rPr>
-                        <m:t>d</m:t>
-                      </m:r>
-                      <m:r>
-                        <a:rPr xmlns:a="http://schemas.openxmlformats.org/drawingml/2006/main" sz="4950" i="1">
-                          <a:solidFill>
-                            <a:srgbClr val="51A7F9"/>
-                          </a:solidFill>
-                          <a:latin typeface="Cambria Math" panose="02040503050406030204" pitchFamily="18" charset="0"/>
-                        </a:rPr>
-                        <m:t>x</m:t>
-                      </m:r>
-                    </m:den>
-                  </m:f>
-                  <m:f>
-                    <m:fPr>
-                      <m:ctrlPr>
-                        <a:rPr xmlns:a="http://schemas.openxmlformats.org/drawingml/2006/main" sz="4950" i="1">
-                          <a:solidFill>
-                            <a:srgbClr val="51A7F9"/>
-                          </a:solidFill>
-                          <a:latin typeface="Cambria Math" panose="02040503050406030204" pitchFamily="18" charset="0"/>
-                        </a:rPr>
-                      </m:ctrlPr>
-                      <m:type m:val="bar"/>
-                    </m:fPr>
-                    <m:num>
-                      <m:r>
-                        <a:rPr xmlns:a="http://schemas.openxmlformats.org/drawingml/2006/main" sz="4950" i="1">
-                          <a:solidFill>
-                            <a:srgbClr val="51A7F9"/>
-                          </a:solidFill>
-                          <a:latin typeface="Cambria Math" panose="02040503050406030204" pitchFamily="18" charset="0"/>
-                        </a:rPr>
-                        <m:t>d</m:t>
-                      </m:r>
-                      <m:r>
-                        <a:rPr xmlns:a="http://schemas.openxmlformats.org/drawingml/2006/main" sz="4950" i="1">
-                          <a:solidFill>
-                            <a:srgbClr val="51A7F9"/>
-                          </a:solidFill>
-                          <a:latin typeface="Cambria Math" panose="02040503050406030204" pitchFamily="18" charset="0"/>
-                        </a:rPr>
-                        <m:t>V</m:t>
-                      </m:r>
-                    </m:num>
-                    <m:den>
-                      <m:r>
-                        <a:rPr xmlns:a="http://schemas.openxmlformats.org/drawingml/2006/main" sz="4950" i="1">
-                          <a:solidFill>
-                            <a:srgbClr val="51A7F9"/>
-                          </a:solidFill>
-                          <a:latin typeface="Cambria Math" panose="02040503050406030204" pitchFamily="18" charset="0"/>
-                        </a:rPr>
-                        <m:t>d</m:t>
-                      </m:r>
-                      <m:r>
-                        <a:rPr xmlns:a="http://schemas.openxmlformats.org/drawingml/2006/main" sz="4950" i="1">
-                          <a:solidFill>
-                            <a:srgbClr val="51A7F9"/>
-                          </a:solidFill>
-                          <a:latin typeface="Cambria Math" panose="02040503050406030204" pitchFamily="18" charset="0"/>
-                        </a:rPr>
-                        <m:t>x</m:t>
-                      </m:r>
-                    </m:den>
-                  </m:f>
-                  <m:r>
-                    <a:rPr xmlns:a="http://schemas.openxmlformats.org/drawingml/2006/main" sz="4950" i="1">
-                      <a:solidFill>
-                        <a:srgbClr val="51A7F9"/>
-                      </a:solidFill>
-                      <a:latin typeface="Cambria Math" panose="02040503050406030204" pitchFamily="18" charset="0"/>
-                    </a:rPr>
-                    <m:t>+</m:t>
-                  </m:r>
-                  <m:r>
-                    <a:rPr xmlns:a="http://schemas.openxmlformats.org/drawingml/2006/main" sz="4950" i="1">
-                      <a:solidFill>
-                        <a:srgbClr val="51A7F9"/>
-                      </a:solidFill>
-                      <a:latin typeface="Cambria Math" panose="02040503050406030204" pitchFamily="18" charset="0"/>
-                    </a:rPr>
-                    <m:t>V</m:t>
-                  </m:r>
-                  <m:f>
-                    <m:fPr>
-                      <m:ctrlPr>
-                        <a:rPr xmlns:a="http://schemas.openxmlformats.org/drawingml/2006/main" sz="4950" i="1">
-                          <a:solidFill>
-                            <a:srgbClr val="51A7F9"/>
-                          </a:solidFill>
-                          <a:latin typeface="Cambria Math" panose="02040503050406030204" pitchFamily="18" charset="0"/>
-                        </a:rPr>
-                      </m:ctrlPr>
-                      <m:type m:val="bar"/>
-                    </m:fPr>
-                    <m:num>
-                      <m:sSup>
-                        <m:e>
-                          <m:r>
-                            <a:rPr xmlns:a="http://schemas.openxmlformats.org/drawingml/2006/main" sz="4950" i="1">
-                              <a:solidFill>
-                                <a:srgbClr val="51A7F9"/>
-                              </a:solidFill>
-                              <a:latin typeface="Cambria Math" panose="02040503050406030204" pitchFamily="18" charset="0"/>
-                            </a:rPr>
-                            <m:t>d</m:t>
-                          </m:r>
-                        </m:e>
-                        <m:sup>
-                          <m:r>
-                            <a:rPr xmlns:a="http://schemas.openxmlformats.org/drawingml/2006/main" sz="4950" i="1">
-                              <a:solidFill>
-                                <a:srgbClr val="51A7F9"/>
-                              </a:solidFill>
-                              <a:latin typeface="Cambria Math" panose="02040503050406030204" pitchFamily="18" charset="0"/>
-                            </a:rPr>
-                            <m:t>2</m:t>
-                          </m:r>
-                        </m:sup>
-                      </m:sSup>
-                      <m:r>
-                        <a:rPr xmlns:a="http://schemas.openxmlformats.org/drawingml/2006/main" sz="4950" i="1">
-                          <a:solidFill>
-                            <a:srgbClr val="51A7F9"/>
-                          </a:solidFill>
-                          <a:latin typeface="Cambria Math" panose="02040503050406030204" pitchFamily="18" charset="0"/>
-                        </a:rPr>
-                        <m:t>f</m:t>
-                      </m:r>
-                    </m:num>
-                    <m:den>
-                      <m:r>
-                        <a:rPr xmlns:a="http://schemas.openxmlformats.org/drawingml/2006/main" sz="4950" i="1">
-                          <a:solidFill>
-                            <a:srgbClr val="51A7F9"/>
-                          </a:solidFill>
-                          <a:latin typeface="Cambria Math" panose="02040503050406030204" pitchFamily="18" charset="0"/>
-                        </a:rPr>
-                        <m:t>d</m:t>
-                      </m:r>
-                      <m:sSup>
-                        <m:e>
-                          <m:r>
-                            <a:rPr xmlns:a="http://schemas.openxmlformats.org/drawingml/2006/main" sz="4950" i="1">
-                              <a:solidFill>
-                                <a:srgbClr val="51A7F9"/>
-                              </a:solidFill>
-                              <a:latin typeface="Cambria Math" panose="02040503050406030204" pitchFamily="18" charset="0"/>
-                            </a:rPr>
-                            <m:t>x</m:t>
-                          </m:r>
-                        </m:e>
-                        <m:sup>
-                          <m:r>
-                            <a:rPr xmlns:a="http://schemas.openxmlformats.org/drawingml/2006/main" sz="4950" i="1">
-                              <a:solidFill>
-                                <a:srgbClr val="51A7F9"/>
-                              </a:solidFill>
-                              <a:latin typeface="Cambria Math" panose="02040503050406030204" pitchFamily="18" charset="0"/>
-                            </a:rPr>
-                            <m:t>2</m:t>
-                          </m:r>
-                        </m:sup>
-                      </m:sSup>
-                    </m:den>
-                  </m:f>
-                </m:oMath>
-              </m:oMathPara>
-            </a14:m>
-          </a:p>
-          <a:p>
-            <a:pPr marL="500062" indent="-500062" defTabSz="665440">
-              <a:defRPr sz="4050">
-                <a:solidFill>
-                  <a:schemeClr val="accent1">
-                    <a:satOff val="-3355"/>
-                    <a:lumOff val="26614"/>
-                  </a:schemeClr>
-                </a:solidFill>
-              </a:defRPr>
-            </a:pPr>
-            <a14:m>
-              <m:oMathPara>
-                <m:oMathParaPr>
-                  <m:jc m:val="left"/>
-                </m:oMathParaPr>
-                <m:oMath>
-                  <m:d>
-                    <m:dPr>
-                      <m:ctrlPr>
-                        <a:rPr xmlns:a="http://schemas.openxmlformats.org/drawingml/2006/main" sz="4950" i="1">
-                          <a:solidFill>
-                            <a:srgbClr val="51A7F9"/>
-                          </a:solidFill>
-                          <a:latin typeface="Cambria Math" panose="02040503050406030204" pitchFamily="18" charset="0"/>
-                        </a:rPr>
-                      </m:ctrlPr>
-                      <m:begChr m:val="["/>
-                      <m:endChr m:val="]"/>
-                    </m:dPr>
-                    <m:e>
-                      <m:limUpp>
-                        <m:e>
-                          <m:r>
-                            <m:rPr>
-                              <m:sty m:val="b"/>
-                            </m:rPr>
-                            <a:rPr xmlns:a="http://schemas.openxmlformats.org/drawingml/2006/main" sz="4950" i="1">
-                              <a:solidFill>
-                                <a:srgbClr val="51A7F9"/>
-                              </a:solidFill>
-                              <a:latin typeface="Cambria Math" panose="02040503050406030204" pitchFamily="18" charset="0"/>
-                            </a:rPr>
-                            <m:t>T</m:t>
-                          </m:r>
-                        </m:e>
-                        <m:lim>
-                          <m:r>
-                            <a:rPr xmlns:a="http://schemas.openxmlformats.org/drawingml/2006/main" sz="4950" i="1">
-                              <a:solidFill>
-                                <a:srgbClr val="51A7F9"/>
-                              </a:solidFill>
-                              <a:latin typeface="Cambria Math" panose="02040503050406030204" pitchFamily="18" charset="0"/>
-                            </a:rPr>
-                            <m:t>̂</m:t>
-                          </m:r>
-                        </m:lim>
-                      </m:limUpp>
-                      <m:r>
-                        <a:rPr xmlns:a="http://schemas.openxmlformats.org/drawingml/2006/main" sz="4950" i="1">
-                          <a:solidFill>
-                            <a:srgbClr val="51A7F9"/>
-                          </a:solidFill>
-                          <a:latin typeface="Cambria Math" panose="02040503050406030204" pitchFamily="18" charset="0"/>
-                        </a:rPr>
-                        <m:t>,</m:t>
-                      </m:r>
-                      <m:limUpp>
-                        <m:e>
-                          <m:r>
-                            <m:rPr>
-                              <m:sty m:val="b"/>
-                            </m:rPr>
-                            <a:rPr xmlns:a="http://schemas.openxmlformats.org/drawingml/2006/main" sz="4950" i="1">
-                              <a:solidFill>
-                                <a:srgbClr val="51A7F9"/>
-                              </a:solidFill>
-                              <a:latin typeface="Cambria Math" panose="02040503050406030204" pitchFamily="18" charset="0"/>
-                            </a:rPr>
-                            <m:t>V</m:t>
-                          </m:r>
-                        </m:e>
-                        <m:lim>
-                          <m:r>
-                            <a:rPr xmlns:a="http://schemas.openxmlformats.org/drawingml/2006/main" sz="4950" i="1">
-                              <a:solidFill>
-                                <a:srgbClr val="51A7F9"/>
-                              </a:solidFill>
-                              <a:latin typeface="Cambria Math" panose="02040503050406030204" pitchFamily="18" charset="0"/>
-                            </a:rPr>
-                            <m:t>̂</m:t>
-                          </m:r>
-                        </m:lim>
-                      </m:limUpp>
-                    </m:e>
-                  </m:d>
-                  <m:r>
-                    <a:rPr xmlns:a="http://schemas.openxmlformats.org/drawingml/2006/main" sz="4950" i="1">
-                      <a:solidFill>
-                        <a:srgbClr val="51A7F9"/>
-                      </a:solidFill>
-                      <a:latin typeface="Cambria Math" panose="02040503050406030204" pitchFamily="18" charset="0"/>
-                    </a:rPr>
-                    <m:t>f</m:t>
-                  </m:r>
-                  <m:r>
-                    <a:rPr xmlns:a="http://schemas.openxmlformats.org/drawingml/2006/main" sz="4950" i="1">
-                      <a:solidFill>
-                        <a:srgbClr val="51A7F9"/>
-                      </a:solidFill>
-                      <a:latin typeface="Cambria Math" panose="02040503050406030204" pitchFamily="18" charset="0"/>
-                    </a:rPr>
-                    <m:t>=</m:t>
-                  </m:r>
-                  <m:r>
-                    <a:rPr xmlns:a="http://schemas.openxmlformats.org/drawingml/2006/main" sz="4950" i="1">
-                      <a:solidFill>
-                        <a:srgbClr val="51A7F9"/>
-                      </a:solidFill>
-                      <a:latin typeface="Cambria Math" panose="02040503050406030204" pitchFamily="18" charset="0"/>
-                    </a:rPr>
-                    <m:t>-</m:t>
-                  </m:r>
-                  <m:f>
-                    <m:fPr>
-                      <m:ctrlPr>
-                        <a:rPr xmlns:a="http://schemas.openxmlformats.org/drawingml/2006/main" sz="4950" i="1">
-                          <a:solidFill>
-                            <a:srgbClr val="51A7F9"/>
-                          </a:solidFill>
-                          <a:latin typeface="Cambria Math" panose="02040503050406030204" pitchFamily="18" charset="0"/>
-                        </a:rPr>
-                      </m:ctrlPr>
-                      <m:type m:val="bar"/>
-                    </m:fPr>
-                    <m:num>
-                      <m:sSup>
-                        <m:e>
-                          <m:r>
-                            <m:rPr>
-                              <m:sty m:val="p"/>
-                            </m:rPr>
-                            <a:rPr xmlns:a="http://schemas.openxmlformats.org/drawingml/2006/main" sz="4950" i="1">
-                              <a:solidFill>
-                                <a:srgbClr val="51A7F9"/>
-                              </a:solidFill>
-                              <a:latin typeface="Cambria Math" panose="02040503050406030204" pitchFamily="18" charset="0"/>
-                            </a:rPr>
-                            <m:t>ℏ</m:t>
-                          </m:r>
-                        </m:e>
-                        <m:sup>
-                          <m:r>
-                            <a:rPr xmlns:a="http://schemas.openxmlformats.org/drawingml/2006/main" sz="4950" i="1">
-                              <a:solidFill>
-                                <a:srgbClr val="51A7F9"/>
-                              </a:solidFill>
-                              <a:latin typeface="Cambria Math" panose="02040503050406030204" pitchFamily="18" charset="0"/>
-                            </a:rPr>
-                            <m:t>2</m:t>
-                          </m:r>
-                        </m:sup>
-                      </m:sSup>
-                    </m:num>
-                    <m:den>
-                      <m:r>
-                        <a:rPr xmlns:a="http://schemas.openxmlformats.org/drawingml/2006/main" sz="4950" i="1">
-                          <a:solidFill>
-                            <a:srgbClr val="51A7F9"/>
-                          </a:solidFill>
-                          <a:latin typeface="Cambria Math" panose="02040503050406030204" pitchFamily="18" charset="0"/>
-                        </a:rPr>
-                        <m:t>2</m:t>
-                      </m:r>
-                      <m:r>
-                        <a:rPr xmlns:a="http://schemas.openxmlformats.org/drawingml/2006/main" sz="4950" i="1">
-                          <a:solidFill>
-                            <a:srgbClr val="51A7F9"/>
-                          </a:solidFill>
-                          <a:latin typeface="Cambria Math" panose="02040503050406030204" pitchFamily="18" charset="0"/>
-                        </a:rPr>
-                        <m:t>m</m:t>
-                      </m:r>
-                    </m:den>
-                  </m:f>
-                  <m:d>
-                    <m:dPr>
-                      <m:ctrlPr>
-                        <a:rPr xmlns:a="http://schemas.openxmlformats.org/drawingml/2006/main" sz="4950" i="1">
-                          <a:solidFill>
-                            <a:srgbClr val="51A7F9"/>
-                          </a:solidFill>
-                          <a:latin typeface="Cambria Math" panose="02040503050406030204" pitchFamily="18" charset="0"/>
-                        </a:rPr>
-                      </m:ctrlPr>
-                      <m:begChr m:val="["/>
-                      <m:endChr m:val="]"/>
-                    </m:dPr>
-                    <m:e>
-                      <m:r>
-                        <a:rPr xmlns:a="http://schemas.openxmlformats.org/drawingml/2006/main" sz="4950" i="1">
-                          <a:solidFill>
-                            <a:srgbClr val="51A7F9"/>
-                          </a:solidFill>
-                          <a:latin typeface="Cambria Math" panose="02040503050406030204" pitchFamily="18" charset="0"/>
-                        </a:rPr>
-                        <m:t>f</m:t>
-                      </m:r>
-                      <m:f>
-                        <m:fPr>
-                          <m:ctrlPr>
-                            <a:rPr xmlns:a="http://schemas.openxmlformats.org/drawingml/2006/main" sz="4950" i="1">
-                              <a:solidFill>
-                                <a:srgbClr val="51A7F9"/>
-                              </a:solidFill>
-                              <a:latin typeface="Cambria Math" panose="02040503050406030204" pitchFamily="18" charset="0"/>
-                            </a:rPr>
-                          </m:ctrlPr>
-                          <m:type m:val="bar"/>
-                        </m:fPr>
-                        <m:num>
-                          <m:sSup>
-                            <m:e>
-                              <m:r>
-                                <a:rPr xmlns:a="http://schemas.openxmlformats.org/drawingml/2006/main" sz="4950" i="1">
-                                  <a:solidFill>
-                                    <a:srgbClr val="51A7F9"/>
-                                  </a:solidFill>
-                                  <a:latin typeface="Cambria Math" panose="02040503050406030204" pitchFamily="18" charset="0"/>
-                                </a:rPr>
-                                <m:t>d</m:t>
-                              </m:r>
-                            </m:e>
-                            <m:sup>
-                              <m:r>
-                                <a:rPr xmlns:a="http://schemas.openxmlformats.org/drawingml/2006/main" sz="4950" i="1">
-                                  <a:solidFill>
-                                    <a:srgbClr val="51A7F9"/>
-                                  </a:solidFill>
-                                  <a:latin typeface="Cambria Math" panose="02040503050406030204" pitchFamily="18" charset="0"/>
-                                </a:rPr>
-                                <m:t>2</m:t>
-                              </m:r>
-                            </m:sup>
-                          </m:sSup>
-                          <m:r>
-                            <a:rPr xmlns:a="http://schemas.openxmlformats.org/drawingml/2006/main" sz="4950" i="1">
-                              <a:solidFill>
-                                <a:srgbClr val="51A7F9"/>
-                              </a:solidFill>
-                              <a:latin typeface="Cambria Math" panose="02040503050406030204" pitchFamily="18" charset="0"/>
-                            </a:rPr>
-                            <m:t>V</m:t>
-                          </m:r>
-                        </m:num>
-                        <m:den>
-                          <m:r>
-                            <a:rPr xmlns:a="http://schemas.openxmlformats.org/drawingml/2006/main" sz="4950" i="1">
-                              <a:solidFill>
-                                <a:srgbClr val="51A7F9"/>
-                              </a:solidFill>
-                              <a:latin typeface="Cambria Math" panose="02040503050406030204" pitchFamily="18" charset="0"/>
-                            </a:rPr>
-                            <m:t>d</m:t>
-                          </m:r>
-                          <m:sSup>
-                            <m:e>
-                              <m:r>
-                                <a:rPr xmlns:a="http://schemas.openxmlformats.org/drawingml/2006/main" sz="4950" i="1">
-                                  <a:solidFill>
-                                    <a:srgbClr val="51A7F9"/>
-                                  </a:solidFill>
-                                  <a:latin typeface="Cambria Math" panose="02040503050406030204" pitchFamily="18" charset="0"/>
-                                </a:rPr>
-                                <m:t>x</m:t>
-                              </m:r>
-                            </m:e>
-                            <m:sup>
-                              <m:r>
-                                <a:rPr xmlns:a="http://schemas.openxmlformats.org/drawingml/2006/main" sz="4950" i="1">
-                                  <a:solidFill>
-                                    <a:srgbClr val="51A7F9"/>
-                                  </a:solidFill>
-                                  <a:latin typeface="Cambria Math" panose="02040503050406030204" pitchFamily="18" charset="0"/>
-                                </a:rPr>
-                                <m:t>2</m:t>
-                              </m:r>
-                            </m:sup>
-                          </m:sSup>
-                        </m:den>
-                      </m:f>
-                      <m:r>
-                        <a:rPr xmlns:a="http://schemas.openxmlformats.org/drawingml/2006/main" sz="4950" i="1">
-                          <a:solidFill>
-                            <a:srgbClr val="51A7F9"/>
-                          </a:solidFill>
-                          <a:latin typeface="Cambria Math" panose="02040503050406030204" pitchFamily="18" charset="0"/>
-                        </a:rPr>
-                        <m:t>+</m:t>
-                      </m:r>
-                      <m:r>
-                        <a:rPr xmlns:a="http://schemas.openxmlformats.org/drawingml/2006/main" sz="4950" i="1">
-                          <a:solidFill>
-                            <a:srgbClr val="51A7F9"/>
-                          </a:solidFill>
-                          <a:latin typeface="Cambria Math" panose="02040503050406030204" pitchFamily="18" charset="0"/>
-                        </a:rPr>
-                        <m:t>2</m:t>
-                      </m:r>
-                      <m:f>
-                        <m:fPr>
-                          <m:ctrlPr>
-                            <a:rPr xmlns:a="http://schemas.openxmlformats.org/drawingml/2006/main" sz="4950" i="1">
-                              <a:solidFill>
-                                <a:srgbClr val="51A7F9"/>
-                              </a:solidFill>
-                              <a:latin typeface="Cambria Math" panose="02040503050406030204" pitchFamily="18" charset="0"/>
-                            </a:rPr>
-                          </m:ctrlPr>
-                          <m:type m:val="bar"/>
-                        </m:fPr>
-                        <m:num>
-                          <m:r>
-                            <a:rPr xmlns:a="http://schemas.openxmlformats.org/drawingml/2006/main" sz="4950" i="1">
-                              <a:solidFill>
-                                <a:srgbClr val="51A7F9"/>
-                              </a:solidFill>
-                              <a:latin typeface="Cambria Math" panose="02040503050406030204" pitchFamily="18" charset="0"/>
-                            </a:rPr>
-                            <m:t>d</m:t>
-                          </m:r>
-                          <m:r>
-                            <a:rPr xmlns:a="http://schemas.openxmlformats.org/drawingml/2006/main" sz="4950" i="1">
-                              <a:solidFill>
-                                <a:srgbClr val="51A7F9"/>
-                              </a:solidFill>
-                              <a:latin typeface="Cambria Math" panose="02040503050406030204" pitchFamily="18" charset="0"/>
-                            </a:rPr>
-                            <m:t>f</m:t>
-                          </m:r>
-                        </m:num>
-                        <m:den>
-                          <m:r>
-                            <a:rPr xmlns:a="http://schemas.openxmlformats.org/drawingml/2006/main" sz="4950" i="1">
-                              <a:solidFill>
-                                <a:srgbClr val="51A7F9"/>
-                              </a:solidFill>
-                              <a:latin typeface="Cambria Math" panose="02040503050406030204" pitchFamily="18" charset="0"/>
-                            </a:rPr>
-                            <m:t>d</m:t>
-                          </m:r>
-                          <m:r>
-                            <a:rPr xmlns:a="http://schemas.openxmlformats.org/drawingml/2006/main" sz="4950" i="1">
-                              <a:solidFill>
-                                <a:srgbClr val="51A7F9"/>
-                              </a:solidFill>
-                              <a:latin typeface="Cambria Math" panose="02040503050406030204" pitchFamily="18" charset="0"/>
-                            </a:rPr>
-                            <m:t>x</m:t>
-                          </m:r>
-                        </m:den>
-                      </m:f>
-                      <m:f>
-                        <m:fPr>
-                          <m:ctrlPr>
-                            <a:rPr xmlns:a="http://schemas.openxmlformats.org/drawingml/2006/main" sz="4950" i="1">
-                              <a:solidFill>
-                                <a:srgbClr val="51A7F9"/>
-                              </a:solidFill>
-                              <a:latin typeface="Cambria Math" panose="02040503050406030204" pitchFamily="18" charset="0"/>
-                            </a:rPr>
-                          </m:ctrlPr>
-                          <m:type m:val="bar"/>
-                        </m:fPr>
-                        <m:num>
-                          <m:r>
-                            <a:rPr xmlns:a="http://schemas.openxmlformats.org/drawingml/2006/main" sz="4950" i="1">
-                              <a:solidFill>
-                                <a:srgbClr val="51A7F9"/>
-                              </a:solidFill>
-                              <a:latin typeface="Cambria Math" panose="02040503050406030204" pitchFamily="18" charset="0"/>
-                            </a:rPr>
-                            <m:t>d</m:t>
-                          </m:r>
-                          <m:r>
-                            <a:rPr xmlns:a="http://schemas.openxmlformats.org/drawingml/2006/main" sz="4950" i="1">
-                              <a:solidFill>
-                                <a:srgbClr val="51A7F9"/>
-                              </a:solidFill>
-                              <a:latin typeface="Cambria Math" panose="02040503050406030204" pitchFamily="18" charset="0"/>
-                            </a:rPr>
-                            <m:t>V</m:t>
-                          </m:r>
-                        </m:num>
-                        <m:den>
-                          <m:r>
-                            <a:rPr xmlns:a="http://schemas.openxmlformats.org/drawingml/2006/main" sz="4950" i="1">
-                              <a:solidFill>
-                                <a:srgbClr val="51A7F9"/>
-                              </a:solidFill>
-                              <a:latin typeface="Cambria Math" panose="02040503050406030204" pitchFamily="18" charset="0"/>
-                            </a:rPr>
-                            <m:t>d</m:t>
-                          </m:r>
-                          <m:r>
-                            <a:rPr xmlns:a="http://schemas.openxmlformats.org/drawingml/2006/main" sz="4950" i="1">
-                              <a:solidFill>
-                                <a:srgbClr val="51A7F9"/>
-                              </a:solidFill>
-                              <a:latin typeface="Cambria Math" panose="02040503050406030204" pitchFamily="18" charset="0"/>
-                            </a:rPr>
-                            <m:t>x</m:t>
-                          </m:r>
-                        </m:den>
-                      </m:f>
-                    </m:e>
-                  </m:d>
-                  <m:r>
-                    <a:rPr xmlns:a="http://schemas.openxmlformats.org/drawingml/2006/main" sz="4950" i="1">
-                      <a:solidFill>
-                        <a:srgbClr val="51A7F9"/>
-                      </a:solidFill>
-                      <a:latin typeface="Cambria Math" panose="02040503050406030204" pitchFamily="18" charset="0"/>
-                    </a:rPr>
-                    <m:t>=</m:t>
-                  </m:r>
-                  <m:r>
-                    <a:rPr xmlns:a="http://schemas.openxmlformats.org/drawingml/2006/main" sz="4950" i="1">
-                      <a:solidFill>
-                        <a:srgbClr val="51A7F9"/>
-                      </a:solidFill>
-                      <a:latin typeface="Cambria Math" panose="02040503050406030204" pitchFamily="18" charset="0"/>
-                    </a:rPr>
-                    <m:t>i</m:t>
-                  </m:r>
-                  <m:limUpp>
-                    <m:e>
-                      <m:r>
-                        <m:rPr>
-                          <m:sty m:val="b"/>
-                        </m:rPr>
-                        <a:rPr xmlns:a="http://schemas.openxmlformats.org/drawingml/2006/main" sz="4950" i="1">
-                          <a:solidFill>
-                            <a:srgbClr val="51A7F9"/>
-                          </a:solidFill>
-                          <a:latin typeface="Cambria Math" panose="02040503050406030204" pitchFamily="18" charset="0"/>
-                        </a:rPr>
-                        <m:t>C</m:t>
-                      </m:r>
-                    </m:e>
-                    <m:lim>
-                      <m:r>
-                        <a:rPr xmlns:a="http://schemas.openxmlformats.org/drawingml/2006/main" sz="4950" i="1">
-                          <a:solidFill>
-                            <a:srgbClr val="51A7F9"/>
-                          </a:solidFill>
-                          <a:latin typeface="Cambria Math" panose="02040503050406030204" pitchFamily="18" charset="0"/>
-                        </a:rPr>
-                        <m:t>̂</m:t>
-                      </m:r>
-                    </m:lim>
-                  </m:limUpp>
-                  <m:r>
-                    <a:rPr xmlns:a="http://schemas.openxmlformats.org/drawingml/2006/main" sz="4950" i="1">
-                      <a:solidFill>
-                        <a:srgbClr val="51A7F9"/>
-                      </a:solidFill>
-                      <a:latin typeface="Cambria Math" panose="02040503050406030204" pitchFamily="18" charset="0"/>
-                    </a:rPr>
-                    <m:t>f</m:t>
-                  </m:r>
-                </m:oMath>
-              </m:oMathPara>
-            </a14:m>
-          </a:p>
-          <a:p>
-            <a:pPr marL="500062" indent="-500062" defTabSz="665440">
-              <a:defRPr sz="4050">
-                <a:solidFill>
-                  <a:schemeClr val="accent1">
-                    <a:satOff val="-3355"/>
-                    <a:lumOff val="26614"/>
-                  </a:schemeClr>
-                </a:solidFill>
-              </a:defRPr>
-            </a:pPr>
-            <a:r>
-              <a:t>Therefore, </a:t>
-            </a:r>
-            <a14:m>
-              <m:oMath>
-                <m:r>
-                  <m:rPr>
-                    <m:sty m:val="p"/>
-                  </m:rPr>
-                  <a:rPr xmlns:a="http://schemas.openxmlformats.org/drawingml/2006/main" sz="4950" i="1">
-                    <a:solidFill>
-                      <a:srgbClr val="51A7F9"/>
-                    </a:solidFill>
-                    <a:latin typeface="Cambria Math" panose="02040503050406030204" pitchFamily="18" charset="0"/>
-                  </a:rPr>
-                  <m:t>Δ</m:t>
-                </m:r>
-                <m:r>
-                  <a:rPr xmlns:a="http://schemas.openxmlformats.org/drawingml/2006/main" sz="4950" i="1">
-                    <a:solidFill>
-                      <a:srgbClr val="51A7F9"/>
-                    </a:solidFill>
-                    <a:latin typeface="Cambria Math" panose="02040503050406030204" pitchFamily="18" charset="0"/>
-                  </a:rPr>
-                  <m:t>T</m:t>
-                </m:r>
-                <m:r>
-                  <m:rPr>
-                    <m:sty m:val="p"/>
-                  </m:rPr>
-                  <a:rPr xmlns:a="http://schemas.openxmlformats.org/drawingml/2006/main" sz="4950" i="1">
-                    <a:solidFill>
-                      <a:srgbClr val="51A7F9"/>
-                    </a:solidFill>
-                    <a:latin typeface="Cambria Math" panose="02040503050406030204" pitchFamily="18" charset="0"/>
-                  </a:rPr>
-                  <m:t>Δ</m:t>
-                </m:r>
-                <m:r>
-                  <a:rPr xmlns:a="http://schemas.openxmlformats.org/drawingml/2006/main" sz="4950" i="1">
-                    <a:solidFill>
-                      <a:srgbClr val="51A7F9"/>
-                    </a:solidFill>
-                    <a:latin typeface="Cambria Math" panose="02040503050406030204" pitchFamily="18" charset="0"/>
-                  </a:rPr>
-                  <m:t>V</m:t>
-                </m:r>
-                <m:r>
-                  <a:rPr xmlns:a="http://schemas.openxmlformats.org/drawingml/2006/main" sz="4950" i="1">
-                    <a:solidFill>
-                      <a:srgbClr val="51A7F9"/>
-                    </a:solidFill>
-                    <a:latin typeface="Cambria Math" panose="02040503050406030204" pitchFamily="18" charset="0"/>
-                  </a:rPr>
-                  <m:t>≥</m:t>
-                </m:r>
-                <m:f>
-                  <m:fPr>
-                    <m:ctrlPr>
-                      <a:rPr xmlns:a="http://schemas.openxmlformats.org/drawingml/2006/main" sz="4950" i="1">
-                        <a:solidFill>
-                          <a:srgbClr val="51A7F9"/>
-                        </a:solidFill>
-                        <a:latin typeface="Cambria Math" panose="02040503050406030204" pitchFamily="18" charset="0"/>
-                      </a:rPr>
-                    </m:ctrlPr>
-                    <m:type m:val="bar"/>
-                  </m:fPr>
-                  <m:num>
-                    <m:sSup>
-                      <m:e>
-                        <m:r>
-                          <m:rPr>
-                            <m:sty m:val="p"/>
-                          </m:rPr>
-                          <a:rPr xmlns:a="http://schemas.openxmlformats.org/drawingml/2006/main" sz="4950" i="1">
-                            <a:solidFill>
-                              <a:srgbClr val="51A7F9"/>
-                            </a:solidFill>
-                            <a:latin typeface="Cambria Math" panose="02040503050406030204" pitchFamily="18" charset="0"/>
-                          </a:rPr>
-                          <m:t>ℏ</m:t>
-                        </m:r>
-                      </m:e>
-                      <m:sup>
-                        <m:r>
-                          <a:rPr xmlns:a="http://schemas.openxmlformats.org/drawingml/2006/main" sz="4950" i="1">
-                            <a:solidFill>
-                              <a:srgbClr val="51A7F9"/>
-                            </a:solidFill>
-                            <a:latin typeface="Cambria Math" panose="02040503050406030204" pitchFamily="18" charset="0"/>
-                          </a:rPr>
-                          <m:t>2</m:t>
-                        </m:r>
-                      </m:sup>
-                    </m:sSup>
-                  </m:num>
-                  <m:den>
-                    <m:r>
-                      <a:rPr xmlns:a="http://schemas.openxmlformats.org/drawingml/2006/main" sz="4950" i="1">
-                        <a:solidFill>
-                          <a:srgbClr val="51A7F9"/>
-                        </a:solidFill>
-                        <a:latin typeface="Cambria Math" panose="02040503050406030204" pitchFamily="18" charset="0"/>
-                      </a:rPr>
-                      <m:t>4</m:t>
-                    </m:r>
-                    <m:r>
-                      <a:rPr xmlns:a="http://schemas.openxmlformats.org/drawingml/2006/main" sz="4950" i="1">
-                        <a:solidFill>
-                          <a:srgbClr val="51A7F9"/>
-                        </a:solidFill>
-                        <a:latin typeface="Cambria Math" panose="02040503050406030204" pitchFamily="18" charset="0"/>
-                      </a:rPr>
-                      <m:t>m</m:t>
-                    </m:r>
-                  </m:den>
-                </m:f>
-                <m:d>
-                  <m:dPr>
-                    <m:ctrlPr>
-                      <a:rPr xmlns:a="http://schemas.openxmlformats.org/drawingml/2006/main" sz="4950" i="1">
-                        <a:solidFill>
-                          <a:srgbClr val="51A7F9"/>
-                        </a:solidFill>
-                        <a:latin typeface="Cambria Math" panose="02040503050406030204" pitchFamily="18" charset="0"/>
-                      </a:rPr>
-                    </m:ctrlPr>
-                    <m:begChr m:val="|"/>
-                    <m:endChr m:val="|"/>
-                  </m:dPr>
-                  <m:e>
-                    <m:r>
-                      <a:rPr xmlns:a="http://schemas.openxmlformats.org/drawingml/2006/main" sz="4950" i="1">
-                        <a:solidFill>
-                          <a:srgbClr val="51A7F9"/>
-                        </a:solidFill>
-                        <a:latin typeface="Cambria Math" panose="02040503050406030204" pitchFamily="18" charset="0"/>
-                      </a:rPr>
-                      <m:t>⟨</m:t>
-                    </m:r>
-                    <m:f>
-                      <m:fPr>
-                        <m:ctrlPr>
-                          <a:rPr xmlns:a="http://schemas.openxmlformats.org/drawingml/2006/main" sz="4950" i="1">
-                            <a:solidFill>
-                              <a:srgbClr val="51A7F9"/>
-                            </a:solidFill>
-                            <a:latin typeface="Cambria Math" panose="02040503050406030204" pitchFamily="18" charset="0"/>
-                          </a:rPr>
-                        </m:ctrlPr>
-                        <m:type m:val="bar"/>
-                      </m:fPr>
-                      <m:num>
-                        <m:sSup>
-                          <m:e>
-                            <m:r>
-                              <a:rPr xmlns:a="http://schemas.openxmlformats.org/drawingml/2006/main" sz="4950" i="1">
-                                <a:solidFill>
-                                  <a:srgbClr val="51A7F9"/>
-                                </a:solidFill>
-                                <a:latin typeface="Cambria Math" panose="02040503050406030204" pitchFamily="18" charset="0"/>
-                              </a:rPr>
-                              <m:t>d</m:t>
-                            </m:r>
-                          </m:e>
-                          <m:sup>
-                            <m:r>
-                              <a:rPr xmlns:a="http://schemas.openxmlformats.org/drawingml/2006/main" sz="4950" i="1">
-                                <a:solidFill>
-                                  <a:srgbClr val="51A7F9"/>
-                                </a:solidFill>
-                                <a:latin typeface="Cambria Math" panose="02040503050406030204" pitchFamily="18" charset="0"/>
-                              </a:rPr>
-                              <m:t>2</m:t>
-                            </m:r>
-                          </m:sup>
-                        </m:sSup>
-                        <m:r>
-                          <a:rPr xmlns:a="http://schemas.openxmlformats.org/drawingml/2006/main" sz="4950" i="1">
-                            <a:solidFill>
-                              <a:srgbClr val="51A7F9"/>
-                            </a:solidFill>
-                            <a:latin typeface="Cambria Math" panose="02040503050406030204" pitchFamily="18" charset="0"/>
-                          </a:rPr>
-                          <m:t>V</m:t>
-                        </m:r>
-                      </m:num>
-                      <m:den>
-                        <m:r>
-                          <a:rPr xmlns:a="http://schemas.openxmlformats.org/drawingml/2006/main" sz="4950" i="1">
-                            <a:solidFill>
-                              <a:srgbClr val="51A7F9"/>
-                            </a:solidFill>
-                            <a:latin typeface="Cambria Math" panose="02040503050406030204" pitchFamily="18" charset="0"/>
-                          </a:rPr>
-                          <m:t>d</m:t>
-                        </m:r>
-                        <m:sSup>
-                          <m:e>
-                            <m:r>
-                              <a:rPr xmlns:a="http://schemas.openxmlformats.org/drawingml/2006/main" sz="4950" i="1">
-                                <a:solidFill>
-                                  <a:srgbClr val="51A7F9"/>
-                                </a:solidFill>
-                                <a:latin typeface="Cambria Math" panose="02040503050406030204" pitchFamily="18" charset="0"/>
-                              </a:rPr>
-                              <m:t>x</m:t>
-                            </m:r>
-                          </m:e>
-                          <m:sup>
-                            <m:r>
-                              <a:rPr xmlns:a="http://schemas.openxmlformats.org/drawingml/2006/main" sz="4950" i="1">
-                                <a:solidFill>
-                                  <a:srgbClr val="51A7F9"/>
-                                </a:solidFill>
-                                <a:latin typeface="Cambria Math" panose="02040503050406030204" pitchFamily="18" charset="0"/>
-                              </a:rPr>
-                              <m:t>2</m:t>
-                            </m:r>
-                          </m:sup>
-                        </m:sSup>
-                      </m:den>
-                    </m:f>
-                    <m:r>
-                      <a:rPr xmlns:a="http://schemas.openxmlformats.org/drawingml/2006/main" sz="4950" i="1">
-                        <a:solidFill>
-                          <a:srgbClr val="51A7F9"/>
-                        </a:solidFill>
-                        <a:latin typeface="Cambria Math" panose="02040503050406030204" pitchFamily="18" charset="0"/>
-                      </a:rPr>
-                      <m:t>+</m:t>
-                    </m:r>
-                    <m:r>
-                      <a:rPr xmlns:a="http://schemas.openxmlformats.org/drawingml/2006/main" sz="4950" i="1">
-                        <a:solidFill>
-                          <a:srgbClr val="51A7F9"/>
-                        </a:solidFill>
-                        <a:latin typeface="Cambria Math" panose="02040503050406030204" pitchFamily="18" charset="0"/>
-                      </a:rPr>
-                      <m:t>2</m:t>
-                    </m:r>
-                    <m:f>
-                      <m:fPr>
-                        <m:ctrlPr>
-                          <a:rPr xmlns:a="http://schemas.openxmlformats.org/drawingml/2006/main" sz="4950" i="1">
-                            <a:solidFill>
-                              <a:srgbClr val="51A7F9"/>
-                            </a:solidFill>
-                            <a:latin typeface="Cambria Math" panose="02040503050406030204" pitchFamily="18" charset="0"/>
-                          </a:rPr>
-                        </m:ctrlPr>
-                        <m:type m:val="bar"/>
-                      </m:fPr>
-                      <m:num>
-                        <m:r>
-                          <a:rPr xmlns:a="http://schemas.openxmlformats.org/drawingml/2006/main" sz="4950" i="1">
-                            <a:solidFill>
-                              <a:srgbClr val="51A7F9"/>
-                            </a:solidFill>
-                            <a:latin typeface="Cambria Math" panose="02040503050406030204" pitchFamily="18" charset="0"/>
-                          </a:rPr>
-                          <m:t>d</m:t>
-                        </m:r>
-                        <m:r>
-                          <a:rPr xmlns:a="http://schemas.openxmlformats.org/drawingml/2006/main" sz="4950" i="1">
-                            <a:solidFill>
-                              <a:srgbClr val="51A7F9"/>
-                            </a:solidFill>
-                            <a:latin typeface="Cambria Math" panose="02040503050406030204" pitchFamily="18" charset="0"/>
-                          </a:rPr>
-                          <m:t>V</m:t>
-                        </m:r>
-                      </m:num>
-                      <m:den>
-                        <m:r>
-                          <a:rPr xmlns:a="http://schemas.openxmlformats.org/drawingml/2006/main" sz="4950" i="1">
-                            <a:solidFill>
-                              <a:srgbClr val="51A7F9"/>
-                            </a:solidFill>
-                            <a:latin typeface="Cambria Math" panose="02040503050406030204" pitchFamily="18" charset="0"/>
-                          </a:rPr>
-                          <m:t>d</m:t>
-                        </m:r>
-                        <m:r>
-                          <a:rPr xmlns:a="http://schemas.openxmlformats.org/drawingml/2006/main" sz="4950" i="1">
-                            <a:solidFill>
-                              <a:srgbClr val="51A7F9"/>
-                            </a:solidFill>
-                            <a:latin typeface="Cambria Math" panose="02040503050406030204" pitchFamily="18" charset="0"/>
-                          </a:rPr>
-                          <m:t>x</m:t>
-                        </m:r>
-                      </m:den>
-                    </m:f>
-                    <m:f>
-                      <m:fPr>
-                        <m:ctrlPr>
-                          <a:rPr xmlns:a="http://schemas.openxmlformats.org/drawingml/2006/main" sz="4950" i="1">
-                            <a:solidFill>
-                              <a:srgbClr val="51A7F9"/>
-                            </a:solidFill>
-                            <a:latin typeface="Cambria Math" panose="02040503050406030204" pitchFamily="18" charset="0"/>
-                          </a:rPr>
-                        </m:ctrlPr>
-                        <m:type m:val="bar"/>
-                      </m:fPr>
-                      <m:num>
-                        <m:r>
-                          <a:rPr xmlns:a="http://schemas.openxmlformats.org/drawingml/2006/main" sz="4950" i="1">
-                            <a:solidFill>
-                              <a:srgbClr val="51A7F9"/>
-                            </a:solidFill>
-                            <a:latin typeface="Cambria Math" panose="02040503050406030204" pitchFamily="18" charset="0"/>
-                          </a:rPr>
-                          <m:t>d</m:t>
-                        </m:r>
-                      </m:num>
-                      <m:den>
-                        <m:r>
-                          <a:rPr xmlns:a="http://schemas.openxmlformats.org/drawingml/2006/main" sz="4950" i="1">
-                            <a:solidFill>
-                              <a:srgbClr val="51A7F9"/>
-                            </a:solidFill>
-                            <a:latin typeface="Cambria Math" panose="02040503050406030204" pitchFamily="18" charset="0"/>
-                          </a:rPr>
-                          <m:t>d</m:t>
-                        </m:r>
-                        <m:r>
-                          <a:rPr xmlns:a="http://schemas.openxmlformats.org/drawingml/2006/main" sz="4950" i="1">
-                            <a:solidFill>
-                              <a:srgbClr val="51A7F9"/>
-                            </a:solidFill>
-                            <a:latin typeface="Cambria Math" panose="02040503050406030204" pitchFamily="18" charset="0"/>
-                          </a:rPr>
-                          <m:t>x</m:t>
-                        </m:r>
-                      </m:den>
-                    </m:f>
-                    <m:r>
-                      <a:rPr xmlns:a="http://schemas.openxmlformats.org/drawingml/2006/main" sz="4950" i="1">
-                        <a:solidFill>
-                          <a:srgbClr val="51A7F9"/>
-                        </a:solidFill>
-                        <a:latin typeface="Cambria Math" panose="02040503050406030204" pitchFamily="18" charset="0"/>
-                      </a:rPr>
-                      <m:t>⟩</m:t>
-                    </m:r>
-                  </m:e>
-                </m:d>
-              </m:oMath>
-            </a14:m>
-            <a:endParaRPr sz="5000">
-              <a:solidFill>
-                <a:srgbClr val="51A7F9"/>
-              </a:solidFill>
-            </a:endParaRPr>
           </a:p>
         </p:txBody>
       </p:sp>
@@ -6757,246 +4722,6 @@
                                           <p:spTgt spid="186">
                                             <p:txEl>
                                               <p:pRg st="0" end="0"/>
-                                            </p:txEl>
-                                          </p:spTgt>
-                                        </p:tgtEl>
-                                        <p:attrNameLst>
-                                          <p:attrName>style.visibility</p:attrName>
-                                        </p:attrNameLst>
-                                      </p:cBhvr>
-                                      <p:to>
-                                        <p:strVal val="visible"/>
-                                      </p:to>
-                                    </p:set>
-                                  </p:childTnLst>
-                                </p:cTn>
-                              </p:par>
-                            </p:childTnLst>
-                          </p:cTn>
-                        </p:par>
-                      </p:childTnLst>
-                    </p:cTn>
-                  </p:par>
-                  <p:par>
-                    <p:cTn id="9" fill="hold">
-                      <p:stCondLst>
-                        <p:cond delay="indefinite"/>
-                      </p:stCondLst>
-                      <p:childTnLst>
-                        <p:par>
-                          <p:cTn id="10" fill="hold">
-                            <p:stCondLst>
-                              <p:cond delay="0"/>
-                            </p:stCondLst>
-                            <p:childTnLst>
-                              <p:par>
-                                <p:cTn id="11" presetClass="entr" nodeType="clickEffect" presetSubtype="0" presetID="1" grpId="1" fill="hold">
-                                  <p:stCondLst>
-                                    <p:cond delay="0"/>
-                                  </p:stCondLst>
-                                  <p:iterate type="el" backwards="0">
-                                    <p:tmAbs val="0"/>
-                                  </p:iterate>
-                                  <p:childTnLst>
-                                    <p:set>
-                                      <p:cBhvr>
-                                        <p:cTn id="12" fill="hold"/>
-                                        <p:tgtEl>
-                                          <p:spTgt spid="186">
-                                            <p:txEl>
-                                              <p:pRg st="1" end="1"/>
-                                            </p:txEl>
-                                          </p:spTgt>
-                                        </p:tgtEl>
-                                        <p:attrNameLst>
-                                          <p:attrName>style.visibility</p:attrName>
-                                        </p:attrNameLst>
-                                      </p:cBhvr>
-                                      <p:to>
-                                        <p:strVal val="visible"/>
-                                      </p:to>
-                                    </p:set>
-                                  </p:childTnLst>
-                                </p:cTn>
-                              </p:par>
-                            </p:childTnLst>
-                          </p:cTn>
-                        </p:par>
-                      </p:childTnLst>
-                    </p:cTn>
-                  </p:par>
-                  <p:par>
-                    <p:cTn id="13" fill="hold">
-                      <p:stCondLst>
-                        <p:cond delay="indefinite"/>
-                      </p:stCondLst>
-                      <p:childTnLst>
-                        <p:par>
-                          <p:cTn id="14" fill="hold">
-                            <p:stCondLst>
-                              <p:cond delay="0"/>
-                            </p:stCondLst>
-                            <p:childTnLst>
-                              <p:par>
-                                <p:cTn id="15" presetClass="entr" nodeType="clickEffect" presetSubtype="0" presetID="1" grpId="1" fill="hold">
-                                  <p:stCondLst>
-                                    <p:cond delay="0"/>
-                                  </p:stCondLst>
-                                  <p:iterate type="el" backwards="0">
-                                    <p:tmAbs val="0"/>
-                                  </p:iterate>
-                                  <p:childTnLst>
-                                    <p:set>
-                                      <p:cBhvr>
-                                        <p:cTn id="16" fill="hold"/>
-                                        <p:tgtEl>
-                                          <p:spTgt spid="186">
-                                            <p:txEl>
-                                              <p:pRg st="2" end="2"/>
-                                            </p:txEl>
-                                          </p:spTgt>
-                                        </p:tgtEl>
-                                        <p:attrNameLst>
-                                          <p:attrName>style.visibility</p:attrName>
-                                        </p:attrNameLst>
-                                      </p:cBhvr>
-                                      <p:to>
-                                        <p:strVal val="visible"/>
-                                      </p:to>
-                                    </p:set>
-                                  </p:childTnLst>
-                                </p:cTn>
-                              </p:par>
-                            </p:childTnLst>
-                          </p:cTn>
-                        </p:par>
-                      </p:childTnLst>
-                    </p:cTn>
-                  </p:par>
-                  <p:par>
-                    <p:cTn id="17" fill="hold">
-                      <p:stCondLst>
-                        <p:cond delay="indefinite"/>
-                      </p:stCondLst>
-                      <p:childTnLst>
-                        <p:par>
-                          <p:cTn id="18" fill="hold">
-                            <p:stCondLst>
-                              <p:cond delay="0"/>
-                            </p:stCondLst>
-                            <p:childTnLst>
-                              <p:par>
-                                <p:cTn id="19" presetClass="entr" nodeType="clickEffect" presetSubtype="0" presetID="1" grpId="1" fill="hold">
-                                  <p:stCondLst>
-                                    <p:cond delay="0"/>
-                                  </p:stCondLst>
-                                  <p:iterate type="el" backwards="0">
-                                    <p:tmAbs val="0"/>
-                                  </p:iterate>
-                                  <p:childTnLst>
-                                    <p:set>
-                                      <p:cBhvr>
-                                        <p:cTn id="20" fill="hold"/>
-                                        <p:tgtEl>
-                                          <p:spTgt spid="186">
-                                            <p:txEl>
-                                              <p:pRg st="3" end="3"/>
-                                            </p:txEl>
-                                          </p:spTgt>
-                                        </p:tgtEl>
-                                        <p:attrNameLst>
-                                          <p:attrName>style.visibility</p:attrName>
-                                        </p:attrNameLst>
-                                      </p:cBhvr>
-                                      <p:to>
-                                        <p:strVal val="visible"/>
-                                      </p:to>
-                                    </p:set>
-                                  </p:childTnLst>
-                                </p:cTn>
-                              </p:par>
-                            </p:childTnLst>
-                          </p:cTn>
-                        </p:par>
-                      </p:childTnLst>
-                    </p:cTn>
-                  </p:par>
-                  <p:par>
-                    <p:cTn id="21" fill="hold">
-                      <p:stCondLst>
-                        <p:cond delay="indefinite"/>
-                      </p:stCondLst>
-                      <p:childTnLst>
-                        <p:par>
-                          <p:cTn id="22" fill="hold">
-                            <p:stCondLst>
-                              <p:cond delay="0"/>
-                            </p:stCondLst>
-                            <p:childTnLst>
-                              <p:par>
-                                <p:cTn id="23" presetClass="entr" nodeType="clickEffect" presetSubtype="0" presetID="1" grpId="1" fill="hold">
-                                  <p:stCondLst>
-                                    <p:cond delay="0"/>
-                                  </p:stCondLst>
-                                  <p:iterate type="el" backwards="0">
-                                    <p:tmAbs val="0"/>
-                                  </p:iterate>
-                                  <p:childTnLst>
-                                    <p:set>
-                                      <p:cBhvr>
-                                        <p:cTn id="24" fill="hold"/>
-                                        <p:tgtEl>
-                                          <p:spTgt spid="186">
-                                            <p:txEl>
-                                              <p:pRg st="4" end="4"/>
-                                            </p:txEl>
-                                          </p:spTgt>
-                                        </p:tgtEl>
-                                        <p:attrNameLst>
-                                          <p:attrName>style.visibility</p:attrName>
-                                        </p:attrNameLst>
-                                      </p:cBhvr>
-                                      <p:to>
-                                        <p:strVal val="visible"/>
-                                      </p:to>
-                                    </p:set>
-                                  </p:childTnLst>
-                                </p:cTn>
-                              </p:par>
-                            </p:childTnLst>
-                          </p:cTn>
-                        </p:par>
-                      </p:childTnLst>
-                    </p:cTn>
-                  </p:par>
-                  <p:par>
-                    <p:cTn id="25" fill="hold">
-                      <p:stCondLst>
-                        <p:cond delay="indefinite"/>
-                      </p:stCondLst>
-                      <p:childTnLst>
-                        <p:par>
-                          <p:cTn id="26" fill="hold">
-                            <p:stCondLst>
-                              <p:cond delay="0"/>
-                            </p:stCondLst>
-                            <p:childTnLst>
-                              <p:par>
-                                <p:cTn id="27" presetClass="entr" nodeType="clickEffect" presetSubtype="0" presetID="1" grpId="1" fill="hold">
-                                  <p:stCondLst>
-                                    <p:cond delay="0"/>
-                                  </p:stCondLst>
-                                  <p:iterate type="el" backwards="0">
-                                    <p:tmAbs val="0"/>
-                                  </p:iterate>
-                                  <p:childTnLst>
-                                    <p:set>
-                                      <p:cBhvr>
-                                        <p:cTn id="28" fill="hold"/>
-                                        <p:tgtEl>
-                                          <p:spTgt spid="186">
-                                            <p:txEl>
-                                              <p:pRg st="5" end="5"/>
                                             </p:txEl>
                                           </p:spTgt>
                                         </p:tgtEl>
@@ -8522,875 +6247,6 @@
               <a:t>. Evaluate the separation of energy levels and predict the wavelength of light needed to induce a transition between neighboring levels.</a:t>
             </a:r>
           </a:p>
-          <a:p>
-            <a:pPr/>
-          </a:p>
-          <a:p>
-            <a:pPr>
-              <a:defRPr>
-                <a:solidFill>
-                  <a:schemeClr val="accent1">
-                    <a:satOff val="-3355"/>
-                    <a:lumOff val="26614"/>
-                  </a:schemeClr>
-                </a:solidFill>
-              </a:defRPr>
-            </a:pPr>
-            <a14:m>
-              <m:oMathPara>
-                <m:oMathParaPr>
-                  <m:jc m:val="left"/>
-                </m:oMathParaPr>
-                <m:oMath>
-                  <m:r>
-                    <a:rPr xmlns:a="http://schemas.openxmlformats.org/drawingml/2006/main" sz="6100" i="1">
-                      <a:solidFill>
-                        <a:srgbClr val="51A7F9"/>
-                      </a:solidFill>
-                      <a:latin typeface="Cambria Math" panose="02040503050406030204" pitchFamily="18" charset="0"/>
-                    </a:rPr>
-                    <m:t>m</m:t>
-                  </m:r>
-                  <m:r>
-                    <a:rPr xmlns:a="http://schemas.openxmlformats.org/drawingml/2006/main" sz="6100" i="1">
-                      <a:solidFill>
-                        <a:srgbClr val="51A7F9"/>
-                      </a:solidFill>
-                      <a:latin typeface="Cambria Math" panose="02040503050406030204" pitchFamily="18" charset="0"/>
-                    </a:rPr>
-                    <m:t>=</m:t>
-                  </m:r>
-                  <m:r>
-                    <a:rPr xmlns:a="http://schemas.openxmlformats.org/drawingml/2006/main" sz="6100" i="1">
-                      <a:solidFill>
-                        <a:srgbClr val="51A7F9"/>
-                      </a:solidFill>
-                      <a:latin typeface="Cambria Math" panose="02040503050406030204" pitchFamily="18" charset="0"/>
-                    </a:rPr>
-                    <m:t>1.008</m:t>
-                  </m:r>
-                  <m:r>
-                    <a:rPr xmlns:a="http://schemas.openxmlformats.org/drawingml/2006/main" sz="6100" i="1">
-                      <a:solidFill>
-                        <a:srgbClr val="51A7F9"/>
-                      </a:solidFill>
-                      <a:latin typeface="Cambria Math" panose="02040503050406030204" pitchFamily="18" charset="0"/>
-                    </a:rPr>
-                    <m:t>×</m:t>
-                  </m:r>
-                  <m:sSup>
-                    <m:e>
-                      <m:r>
-                        <a:rPr xmlns:a="http://schemas.openxmlformats.org/drawingml/2006/main" sz="6100" i="1">
-                          <a:solidFill>
-                            <a:srgbClr val="51A7F9"/>
-                          </a:solidFill>
-                          <a:latin typeface="Cambria Math" panose="02040503050406030204" pitchFamily="18" charset="0"/>
-                        </a:rPr>
-                        <m:t>10</m:t>
-                      </m:r>
-                    </m:e>
-                    <m:sup>
-                      <m:r>
-                        <a:rPr xmlns:a="http://schemas.openxmlformats.org/drawingml/2006/main" sz="6100" i="1">
-                          <a:solidFill>
-                            <a:srgbClr val="51A7F9"/>
-                          </a:solidFill>
-                          <a:latin typeface="Cambria Math" panose="02040503050406030204" pitchFamily="18" charset="0"/>
-                        </a:rPr>
-                        <m:t>-</m:t>
-                      </m:r>
-                      <m:r>
-                        <a:rPr xmlns:a="http://schemas.openxmlformats.org/drawingml/2006/main" sz="6100" i="1">
-                          <a:solidFill>
-                            <a:srgbClr val="51A7F9"/>
-                          </a:solidFill>
-                          <a:latin typeface="Cambria Math" panose="02040503050406030204" pitchFamily="18" charset="0"/>
-                        </a:rPr>
-                        <m:t>3</m:t>
-                      </m:r>
-                    </m:sup>
-                  </m:sSup>
-                  <m:sSup>
-                    <m:e>
-                      <m:r>
-                        <m:rPr>
-                          <m:nor/>
-                        </m:rPr>
-                        <a:rPr xmlns:a="http://schemas.openxmlformats.org/drawingml/2006/main" sz="6100" i="1">
-                          <a:solidFill>
-                            <a:srgbClr val="51A7F9"/>
-                          </a:solidFill>
-                          <a:latin typeface="Cambria Math" panose="02040503050406030204" pitchFamily="18" charset="0"/>
-                        </a:rPr>
-                        <m:t>kg mol</m:t>
-                      </m:r>
-                    </m:e>
-                    <m:sup>
-                      <m:r>
-                        <a:rPr xmlns:a="http://schemas.openxmlformats.org/drawingml/2006/main" sz="6100" i="1">
-                          <a:solidFill>
-                            <a:srgbClr val="51A7F9"/>
-                          </a:solidFill>
-                          <a:latin typeface="Cambria Math" panose="02040503050406030204" pitchFamily="18" charset="0"/>
-                        </a:rPr>
-                        <m:t>-</m:t>
-                      </m:r>
-                      <m:r>
-                        <a:rPr xmlns:a="http://schemas.openxmlformats.org/drawingml/2006/main" sz="6100" i="1">
-                          <a:solidFill>
-                            <a:srgbClr val="51A7F9"/>
-                          </a:solidFill>
-                          <a:latin typeface="Cambria Math" panose="02040503050406030204" pitchFamily="18" charset="0"/>
-                        </a:rPr>
-                        <m:t>1</m:t>
-                      </m:r>
-                    </m:sup>
-                  </m:sSup>
-                  <m:r>
-                    <a:rPr xmlns:a="http://schemas.openxmlformats.org/drawingml/2006/main" sz="6100" i="1">
-                      <a:solidFill>
-                        <a:srgbClr val="51A7F9"/>
-                      </a:solidFill>
-                      <a:latin typeface="Cambria Math" panose="02040503050406030204" pitchFamily="18" charset="0"/>
-                    </a:rPr>
-                    <m:t>/</m:t>
-                  </m:r>
-                  <m:r>
-                    <a:rPr xmlns:a="http://schemas.openxmlformats.org/drawingml/2006/main" sz="6100" i="1">
-                      <a:solidFill>
-                        <a:srgbClr val="51A7F9"/>
-                      </a:solidFill>
-                      <a:latin typeface="Cambria Math" panose="02040503050406030204" pitchFamily="18" charset="0"/>
-                    </a:rPr>
-                    <m:t>6.022</m:t>
-                  </m:r>
-                  <m:r>
-                    <a:rPr xmlns:a="http://schemas.openxmlformats.org/drawingml/2006/main" sz="6100" i="1">
-                      <a:solidFill>
-                        <a:srgbClr val="51A7F9"/>
-                      </a:solidFill>
-                      <a:latin typeface="Cambria Math" panose="02040503050406030204" pitchFamily="18" charset="0"/>
-                    </a:rPr>
-                    <m:t>×</m:t>
-                  </m:r>
-                  <m:sSup>
-                    <m:e>
-                      <m:r>
-                        <a:rPr xmlns:a="http://schemas.openxmlformats.org/drawingml/2006/main" sz="6100" i="1">
-                          <a:solidFill>
-                            <a:srgbClr val="51A7F9"/>
-                          </a:solidFill>
-                          <a:latin typeface="Cambria Math" panose="02040503050406030204" pitchFamily="18" charset="0"/>
-                        </a:rPr>
-                        <m:t>10</m:t>
-                      </m:r>
-                    </m:e>
-                    <m:sup>
-                      <m:r>
-                        <a:rPr xmlns:a="http://schemas.openxmlformats.org/drawingml/2006/main" sz="6100" i="1">
-                          <a:solidFill>
-                            <a:srgbClr val="51A7F9"/>
-                          </a:solidFill>
-                          <a:latin typeface="Cambria Math" panose="02040503050406030204" pitchFamily="18" charset="0"/>
-                        </a:rPr>
-                        <m:t>23</m:t>
-                      </m:r>
-                    </m:sup>
-                  </m:sSup>
-                  <m:r>
-                    <m:rPr>
-                      <m:nor/>
-                    </m:rPr>
-                    <a:rPr xmlns:a="http://schemas.openxmlformats.org/drawingml/2006/main" sz="6100" i="1">
-                      <a:solidFill>
-                        <a:srgbClr val="51A7F9"/>
-                      </a:solidFill>
-                      <a:latin typeface="Cambria Math" panose="02040503050406030204" pitchFamily="18" charset="0"/>
-                    </a:rPr>
-                    <m:t>particles/mol</m:t>
-                  </m:r>
-                  <m:r>
-                    <a:rPr xmlns:a="http://schemas.openxmlformats.org/drawingml/2006/main" sz="6100" i="1">
-                      <a:solidFill>
-                        <a:srgbClr val="51A7F9"/>
-                      </a:solidFill>
-                      <a:latin typeface="Cambria Math" panose="02040503050406030204" pitchFamily="18" charset="0"/>
-                    </a:rPr>
-                    <m:t>=</m:t>
-                  </m:r>
-                  <m:r>
-                    <a:rPr xmlns:a="http://schemas.openxmlformats.org/drawingml/2006/main" sz="6100" i="1">
-                      <a:solidFill>
-                        <a:srgbClr val="51A7F9"/>
-                      </a:solidFill>
-                      <a:latin typeface="Cambria Math" panose="02040503050406030204" pitchFamily="18" charset="0"/>
-                    </a:rPr>
-                    <m:t>1.674</m:t>
-                  </m:r>
-                  <m:r>
-                    <a:rPr xmlns:a="http://schemas.openxmlformats.org/drawingml/2006/main" sz="6100" i="1">
-                      <a:solidFill>
-                        <a:srgbClr val="51A7F9"/>
-                      </a:solidFill>
-                      <a:latin typeface="Cambria Math" panose="02040503050406030204" pitchFamily="18" charset="0"/>
-                    </a:rPr>
-                    <m:t>×</m:t>
-                  </m:r>
-                  <m:sSup>
-                    <m:e>
-                      <m:r>
-                        <a:rPr xmlns:a="http://schemas.openxmlformats.org/drawingml/2006/main" sz="6100" i="1">
-                          <a:solidFill>
-                            <a:srgbClr val="51A7F9"/>
-                          </a:solidFill>
-                          <a:latin typeface="Cambria Math" panose="02040503050406030204" pitchFamily="18" charset="0"/>
-                        </a:rPr>
-                        <m:t>10</m:t>
-                      </m:r>
-                    </m:e>
-                    <m:sup>
-                      <m:r>
-                        <a:rPr xmlns:a="http://schemas.openxmlformats.org/drawingml/2006/main" sz="6100" i="1">
-                          <a:solidFill>
-                            <a:srgbClr val="51A7F9"/>
-                          </a:solidFill>
-                          <a:latin typeface="Cambria Math" panose="02040503050406030204" pitchFamily="18" charset="0"/>
-                        </a:rPr>
-                        <m:t>-</m:t>
-                      </m:r>
-                      <m:r>
-                        <a:rPr xmlns:a="http://schemas.openxmlformats.org/drawingml/2006/main" sz="6100" i="1">
-                          <a:solidFill>
-                            <a:srgbClr val="51A7F9"/>
-                          </a:solidFill>
-                          <a:latin typeface="Cambria Math" panose="02040503050406030204" pitchFamily="18" charset="0"/>
-                        </a:rPr>
-                        <m:t>27</m:t>
-                      </m:r>
-                    </m:sup>
-                  </m:sSup>
-                  <m:r>
-                    <m:rPr>
-                      <m:nor/>
-                    </m:rPr>
-                    <a:rPr xmlns:a="http://schemas.openxmlformats.org/drawingml/2006/main" sz="6100" i="1">
-                      <a:solidFill>
-                        <a:srgbClr val="51A7F9"/>
-                      </a:solidFill>
-                      <a:latin typeface="Cambria Math" panose="02040503050406030204" pitchFamily="18" charset="0"/>
-                    </a:rPr>
-                    <m:t>kg</m:t>
-                  </m:r>
-                </m:oMath>
-              </m:oMathPara>
-            </a14:m>
-          </a:p>
-          <a:p>
-            <a:pPr>
-              <a:defRPr>
-                <a:solidFill>
-                  <a:schemeClr val="accent1">
-                    <a:satOff val="-3355"/>
-                    <a:lumOff val="26614"/>
-                  </a:schemeClr>
-                </a:solidFill>
-              </a:defRPr>
-            </a:pPr>
-            <a14:m>
-              <m:oMathPara>
-                <m:oMathParaPr>
-                  <m:jc m:val="left"/>
-                </m:oMathParaPr>
-                <m:oMath>
-                  <m:r>
-                    <a:rPr xmlns:a="http://schemas.openxmlformats.org/drawingml/2006/main" sz="6100" i="1">
-                      <a:solidFill>
-                        <a:srgbClr val="51A7F9"/>
-                      </a:solidFill>
-                      <a:latin typeface="Cambria Math" panose="02040503050406030204" pitchFamily="18" charset="0"/>
-                    </a:rPr>
-                    <m:t>ω</m:t>
-                  </m:r>
-                  <m:r>
-                    <a:rPr xmlns:a="http://schemas.openxmlformats.org/drawingml/2006/main" sz="6100" i="1">
-                      <a:solidFill>
-                        <a:srgbClr val="51A7F9"/>
-                      </a:solidFill>
-                      <a:latin typeface="Cambria Math" panose="02040503050406030204" pitchFamily="18" charset="0"/>
-                    </a:rPr>
-                    <m:t>=</m:t>
-                  </m:r>
-                  <m:rad>
-                    <m:radPr>
-                      <m:ctrlPr>
-                        <a:rPr xmlns:a="http://schemas.openxmlformats.org/drawingml/2006/main" sz="6100" i="1">
-                          <a:solidFill>
-                            <a:srgbClr val="51A7F9"/>
-                          </a:solidFill>
-                          <a:latin typeface="Cambria Math" panose="02040503050406030204" pitchFamily="18" charset="0"/>
-                        </a:rPr>
-                      </m:ctrlPr>
-                      <m:degHide m:val="on"/>
-                    </m:radPr>
-                    <m:deg/>
-                    <m:e>
-                      <m:f>
-                        <m:fPr>
-                          <m:ctrlPr>
-                            <a:rPr xmlns:a="http://schemas.openxmlformats.org/drawingml/2006/main" sz="6100" i="1">
-                              <a:solidFill>
-                                <a:srgbClr val="51A7F9"/>
-                              </a:solidFill>
-                              <a:latin typeface="Cambria Math" panose="02040503050406030204" pitchFamily="18" charset="0"/>
-                            </a:rPr>
-                          </m:ctrlPr>
-                          <m:type m:val="bar"/>
-                        </m:fPr>
-                        <m:num>
-                          <m:sSub>
-                            <m:e>
-                              <m:r>
-                                <a:rPr xmlns:a="http://schemas.openxmlformats.org/drawingml/2006/main" sz="6100" i="1">
-                                  <a:solidFill>
-                                    <a:srgbClr val="51A7F9"/>
-                                  </a:solidFill>
-                                  <a:latin typeface="Cambria Math" panose="02040503050406030204" pitchFamily="18" charset="0"/>
-                                </a:rPr>
-                                <m:t>k</m:t>
-                              </m:r>
-                            </m:e>
-                            <m:sub>
-                              <m:r>
-                                <a:rPr xmlns:a="http://schemas.openxmlformats.org/drawingml/2006/main" sz="6100" i="1">
-                                  <a:solidFill>
-                                    <a:srgbClr val="51A7F9"/>
-                                  </a:solidFill>
-                                  <a:latin typeface="Cambria Math" panose="02040503050406030204" pitchFamily="18" charset="0"/>
-                                </a:rPr>
-                                <m:t>f</m:t>
-                              </m:r>
-                            </m:sub>
-                          </m:sSub>
-                        </m:num>
-                        <m:den>
-                          <m:r>
-                            <a:rPr xmlns:a="http://schemas.openxmlformats.org/drawingml/2006/main" sz="6100" i="1">
-                              <a:solidFill>
-                                <a:srgbClr val="51A7F9"/>
-                              </a:solidFill>
-                              <a:latin typeface="Cambria Math" panose="02040503050406030204" pitchFamily="18" charset="0"/>
-                            </a:rPr>
-                            <m:t>m</m:t>
-                          </m:r>
-                        </m:den>
-                      </m:f>
-                    </m:e>
-                  </m:rad>
-                  <m:r>
-                    <a:rPr xmlns:a="http://schemas.openxmlformats.org/drawingml/2006/main" sz="6100" i="1">
-                      <a:solidFill>
-                        <a:srgbClr val="51A7F9"/>
-                      </a:solidFill>
-                      <a:latin typeface="Cambria Math" panose="02040503050406030204" pitchFamily="18" charset="0"/>
-                    </a:rPr>
-                    <m:t>=</m:t>
-                  </m:r>
-                  <m:rad>
-                    <m:radPr>
-                      <m:ctrlPr>
-                        <a:rPr xmlns:a="http://schemas.openxmlformats.org/drawingml/2006/main" sz="6100" i="1">
-                          <a:solidFill>
-                            <a:srgbClr val="51A7F9"/>
-                          </a:solidFill>
-                          <a:latin typeface="Cambria Math" panose="02040503050406030204" pitchFamily="18" charset="0"/>
-                        </a:rPr>
-                      </m:ctrlPr>
-                      <m:degHide m:val="on"/>
-                    </m:radPr>
-                    <m:deg/>
-                    <m:e>
-                      <m:f>
-                        <m:fPr>
-                          <m:ctrlPr>
-                            <a:rPr xmlns:a="http://schemas.openxmlformats.org/drawingml/2006/main" sz="6100" i="1">
-                              <a:solidFill>
-                                <a:srgbClr val="51A7F9"/>
-                              </a:solidFill>
-                              <a:latin typeface="Cambria Math" panose="02040503050406030204" pitchFamily="18" charset="0"/>
-                            </a:rPr>
-                          </m:ctrlPr>
-                          <m:type m:val="bar"/>
-                        </m:fPr>
-                        <m:num>
-                          <m:r>
-                            <a:rPr xmlns:a="http://schemas.openxmlformats.org/drawingml/2006/main" sz="6100" i="1">
-                              <a:solidFill>
-                                <a:srgbClr val="51A7F9"/>
-                              </a:solidFill>
-                              <a:latin typeface="Cambria Math" panose="02040503050406030204" pitchFamily="18" charset="0"/>
-                            </a:rPr>
-                            <m:t>313.8</m:t>
-                          </m:r>
-                          <m:sSup>
-                            <m:e>
-                              <m:r>
-                                <m:rPr>
-                                  <m:nor/>
-                                </m:rPr>
-                                <a:rPr xmlns:a="http://schemas.openxmlformats.org/drawingml/2006/main" sz="6100" i="1">
-                                  <a:solidFill>
-                                    <a:srgbClr val="51A7F9"/>
-                                  </a:solidFill>
-                                  <a:latin typeface="Cambria Math" panose="02040503050406030204" pitchFamily="18" charset="0"/>
-                                </a:rPr>
-                                <m:t>N m</m:t>
-                              </m:r>
-                            </m:e>
-                            <m:sup>
-                              <m:r>
-                                <a:rPr xmlns:a="http://schemas.openxmlformats.org/drawingml/2006/main" sz="6100" i="1">
-                                  <a:solidFill>
-                                    <a:srgbClr val="51A7F9"/>
-                                  </a:solidFill>
-                                  <a:latin typeface="Cambria Math" panose="02040503050406030204" pitchFamily="18" charset="0"/>
-                                </a:rPr>
-                                <m:t>-</m:t>
-                              </m:r>
-                              <m:r>
-                                <a:rPr xmlns:a="http://schemas.openxmlformats.org/drawingml/2006/main" sz="6100" i="1">
-                                  <a:solidFill>
-                                    <a:srgbClr val="51A7F9"/>
-                                  </a:solidFill>
-                                  <a:latin typeface="Cambria Math" panose="02040503050406030204" pitchFamily="18" charset="0"/>
-                                </a:rPr>
-                                <m:t>1</m:t>
-                              </m:r>
-                            </m:sup>
-                          </m:sSup>
-                        </m:num>
-                        <m:den>
-                          <m:r>
-                            <a:rPr xmlns:a="http://schemas.openxmlformats.org/drawingml/2006/main" sz="6100" i="1">
-                              <a:solidFill>
-                                <a:srgbClr val="51A7F9"/>
-                              </a:solidFill>
-                              <a:latin typeface="Cambria Math" panose="02040503050406030204" pitchFamily="18" charset="0"/>
-                            </a:rPr>
-                            <m:t>1.674</m:t>
-                          </m:r>
-                          <m:r>
-                            <a:rPr xmlns:a="http://schemas.openxmlformats.org/drawingml/2006/main" sz="6100" i="1">
-                              <a:solidFill>
-                                <a:srgbClr val="51A7F9"/>
-                              </a:solidFill>
-                              <a:latin typeface="Cambria Math" panose="02040503050406030204" pitchFamily="18" charset="0"/>
-                            </a:rPr>
-                            <m:t>×</m:t>
-                          </m:r>
-                          <m:sSup>
-                            <m:e>
-                              <m:r>
-                                <a:rPr xmlns:a="http://schemas.openxmlformats.org/drawingml/2006/main" sz="6100" i="1">
-                                  <a:solidFill>
-                                    <a:srgbClr val="51A7F9"/>
-                                  </a:solidFill>
-                                  <a:latin typeface="Cambria Math" panose="02040503050406030204" pitchFamily="18" charset="0"/>
-                                </a:rPr>
-                                <m:t>10</m:t>
-                              </m:r>
-                            </m:e>
-                            <m:sup>
-                              <m:r>
-                                <a:rPr xmlns:a="http://schemas.openxmlformats.org/drawingml/2006/main" sz="6100" i="1">
-                                  <a:solidFill>
-                                    <a:srgbClr val="51A7F9"/>
-                                  </a:solidFill>
-                                  <a:latin typeface="Cambria Math" panose="02040503050406030204" pitchFamily="18" charset="0"/>
-                                </a:rPr>
-                                <m:t>-</m:t>
-                              </m:r>
-                              <m:r>
-                                <a:rPr xmlns:a="http://schemas.openxmlformats.org/drawingml/2006/main" sz="6100" i="1">
-                                  <a:solidFill>
-                                    <a:srgbClr val="51A7F9"/>
-                                  </a:solidFill>
-                                  <a:latin typeface="Cambria Math" panose="02040503050406030204" pitchFamily="18" charset="0"/>
-                                </a:rPr>
-                                <m:t>27</m:t>
-                              </m:r>
-                            </m:sup>
-                          </m:sSup>
-                          <m:r>
-                            <m:rPr>
-                              <m:nor/>
-                            </m:rPr>
-                            <a:rPr xmlns:a="http://schemas.openxmlformats.org/drawingml/2006/main" sz="6100" i="1">
-                              <a:solidFill>
-                                <a:srgbClr val="51A7F9"/>
-                              </a:solidFill>
-                              <a:latin typeface="Cambria Math" panose="02040503050406030204" pitchFamily="18" charset="0"/>
-                            </a:rPr>
-                            <m:t>kg</m:t>
-                          </m:r>
-                        </m:den>
-                      </m:f>
-                    </m:e>
-                  </m:rad>
-                  <m:r>
-                    <a:rPr xmlns:a="http://schemas.openxmlformats.org/drawingml/2006/main" sz="6100" i="1">
-                      <a:solidFill>
-                        <a:srgbClr val="51A7F9"/>
-                      </a:solidFill>
-                      <a:latin typeface="Cambria Math" panose="02040503050406030204" pitchFamily="18" charset="0"/>
-                    </a:rPr>
-                    <m:t>=</m:t>
-                  </m:r>
-                  <m:r>
-                    <a:rPr xmlns:a="http://schemas.openxmlformats.org/drawingml/2006/main" sz="6100" i="1">
-                      <a:solidFill>
-                        <a:srgbClr val="51A7F9"/>
-                      </a:solidFill>
-                      <a:latin typeface="Cambria Math" panose="02040503050406030204" pitchFamily="18" charset="0"/>
-                    </a:rPr>
-                    <m:t>4.33</m:t>
-                  </m:r>
-                  <m:r>
-                    <a:rPr xmlns:a="http://schemas.openxmlformats.org/drawingml/2006/main" sz="6100" i="1">
-                      <a:solidFill>
-                        <a:srgbClr val="51A7F9"/>
-                      </a:solidFill>
-                      <a:latin typeface="Cambria Math" panose="02040503050406030204" pitchFamily="18" charset="0"/>
-                    </a:rPr>
-                    <m:t>×</m:t>
-                  </m:r>
-                  <m:sSup>
-                    <m:e>
-                      <m:r>
-                        <a:rPr xmlns:a="http://schemas.openxmlformats.org/drawingml/2006/main" sz="6100" i="1">
-                          <a:solidFill>
-                            <a:srgbClr val="51A7F9"/>
-                          </a:solidFill>
-                          <a:latin typeface="Cambria Math" panose="02040503050406030204" pitchFamily="18" charset="0"/>
-                        </a:rPr>
-                        <m:t>10</m:t>
-                      </m:r>
-                    </m:e>
-                    <m:sup>
-                      <m:r>
-                        <a:rPr xmlns:a="http://schemas.openxmlformats.org/drawingml/2006/main" sz="6100" i="1">
-                          <a:solidFill>
-                            <a:srgbClr val="51A7F9"/>
-                          </a:solidFill>
-                          <a:latin typeface="Cambria Math" panose="02040503050406030204" pitchFamily="18" charset="0"/>
-                        </a:rPr>
-                        <m:t>14</m:t>
-                      </m:r>
-                    </m:sup>
-                  </m:sSup>
-                  <m:sSup>
-                    <m:e>
-                      <m:r>
-                        <m:rPr>
-                          <m:nor/>
-                        </m:rPr>
-                        <a:rPr xmlns:a="http://schemas.openxmlformats.org/drawingml/2006/main" sz="6100" i="1">
-                          <a:solidFill>
-                            <a:srgbClr val="51A7F9"/>
-                          </a:solidFill>
-                          <a:latin typeface="Cambria Math" panose="02040503050406030204" pitchFamily="18" charset="0"/>
-                        </a:rPr>
-                        <m:t>s</m:t>
-                      </m:r>
-                    </m:e>
-                    <m:sup>
-                      <m:r>
-                        <a:rPr xmlns:a="http://schemas.openxmlformats.org/drawingml/2006/main" sz="6100" i="1">
-                          <a:solidFill>
-                            <a:srgbClr val="51A7F9"/>
-                          </a:solidFill>
-                          <a:latin typeface="Cambria Math" panose="02040503050406030204" pitchFamily="18" charset="0"/>
-                        </a:rPr>
-                        <m:t>-</m:t>
-                      </m:r>
-                      <m:r>
-                        <a:rPr xmlns:a="http://schemas.openxmlformats.org/drawingml/2006/main" sz="6100" i="1">
-                          <a:solidFill>
-                            <a:srgbClr val="51A7F9"/>
-                          </a:solidFill>
-                          <a:latin typeface="Cambria Math" panose="02040503050406030204" pitchFamily="18" charset="0"/>
-                        </a:rPr>
-                        <m:t>1</m:t>
-                      </m:r>
-                    </m:sup>
-                  </m:sSup>
-                </m:oMath>
-              </m:oMathPara>
-            </a14:m>
-          </a:p>
-          <a:p>
-            <a:pPr>
-              <a:defRPr>
-                <a:solidFill>
-                  <a:schemeClr val="accent1">
-                    <a:satOff val="-3355"/>
-                    <a:lumOff val="26614"/>
-                  </a:schemeClr>
-                </a:solidFill>
-              </a:defRPr>
-            </a:pPr>
-            <a14:m>
-              <m:oMathPara>
-                <m:oMathParaPr>
-                  <m:jc m:val="left"/>
-                </m:oMathParaPr>
-                <m:oMath>
-                  <m:r>
-                    <a:rPr xmlns:a="http://schemas.openxmlformats.org/drawingml/2006/main" sz="6100" i="1">
-                      <a:solidFill>
-                        <a:srgbClr val="51A7F9"/>
-                      </a:solidFill>
-                      <a:latin typeface="Cambria Math" panose="02040503050406030204" pitchFamily="18" charset="0"/>
-                    </a:rPr>
-                    <m:t>λ</m:t>
-                  </m:r>
-                  <m:r>
-                    <a:rPr xmlns:a="http://schemas.openxmlformats.org/drawingml/2006/main" sz="6100" i="1">
-                      <a:solidFill>
-                        <a:srgbClr val="51A7F9"/>
-                      </a:solidFill>
-                      <a:latin typeface="Cambria Math" panose="02040503050406030204" pitchFamily="18" charset="0"/>
-                    </a:rPr>
-                    <m:t>=</m:t>
-                  </m:r>
-                  <m:f>
-                    <m:fPr>
-                      <m:ctrlPr>
-                        <a:rPr xmlns:a="http://schemas.openxmlformats.org/drawingml/2006/main" sz="6100" i="1">
-                          <a:solidFill>
-                            <a:srgbClr val="51A7F9"/>
-                          </a:solidFill>
-                          <a:latin typeface="Cambria Math" panose="02040503050406030204" pitchFamily="18" charset="0"/>
-                        </a:rPr>
-                      </m:ctrlPr>
-                      <m:type m:val="bar"/>
-                    </m:fPr>
-                    <m:num>
-                      <m:r>
-                        <a:rPr xmlns:a="http://schemas.openxmlformats.org/drawingml/2006/main" sz="6100" i="1">
-                          <a:solidFill>
-                            <a:srgbClr val="51A7F9"/>
-                          </a:solidFill>
-                          <a:latin typeface="Cambria Math" panose="02040503050406030204" pitchFamily="18" charset="0"/>
-                        </a:rPr>
-                        <m:t>h</m:t>
-                      </m:r>
-                      <m:r>
-                        <a:rPr xmlns:a="http://schemas.openxmlformats.org/drawingml/2006/main" sz="6100" i="1">
-                          <a:solidFill>
-                            <a:srgbClr val="51A7F9"/>
-                          </a:solidFill>
-                          <a:latin typeface="Cambria Math" panose="02040503050406030204" pitchFamily="18" charset="0"/>
-                        </a:rPr>
-                        <m:t>c</m:t>
-                      </m:r>
-                    </m:num>
-                    <m:den>
-                      <m:r>
-                        <m:rPr>
-                          <m:sty m:val="p"/>
-                        </m:rPr>
-                        <a:rPr xmlns:a="http://schemas.openxmlformats.org/drawingml/2006/main" sz="6100" i="1">
-                          <a:solidFill>
-                            <a:srgbClr val="51A7F9"/>
-                          </a:solidFill>
-                          <a:latin typeface="Cambria Math" panose="02040503050406030204" pitchFamily="18" charset="0"/>
-                        </a:rPr>
-                        <m:t>Δ</m:t>
-                      </m:r>
-                      <m:r>
-                        <a:rPr xmlns:a="http://schemas.openxmlformats.org/drawingml/2006/main" sz="6100" i="1">
-                          <a:solidFill>
-                            <a:srgbClr val="51A7F9"/>
-                          </a:solidFill>
-                          <a:latin typeface="Cambria Math" panose="02040503050406030204" pitchFamily="18" charset="0"/>
-                        </a:rPr>
-                        <m:t>E</m:t>
-                      </m:r>
-                    </m:den>
-                  </m:f>
-                  <m:r>
-                    <a:rPr xmlns:a="http://schemas.openxmlformats.org/drawingml/2006/main" sz="6100" i="1">
-                      <a:solidFill>
-                        <a:srgbClr val="51A7F9"/>
-                      </a:solidFill>
-                      <a:latin typeface="Cambria Math" panose="02040503050406030204" pitchFamily="18" charset="0"/>
-                    </a:rPr>
-                    <m:t>=</m:t>
-                  </m:r>
-                  <m:f>
-                    <m:fPr>
-                      <m:ctrlPr>
-                        <a:rPr xmlns:a="http://schemas.openxmlformats.org/drawingml/2006/main" sz="6100" i="1">
-                          <a:solidFill>
-                            <a:srgbClr val="51A7F9"/>
-                          </a:solidFill>
-                          <a:latin typeface="Cambria Math" panose="02040503050406030204" pitchFamily="18" charset="0"/>
-                        </a:rPr>
-                      </m:ctrlPr>
-                      <m:type m:val="bar"/>
-                    </m:fPr>
-                    <m:num>
-                      <m:r>
-                        <a:rPr xmlns:a="http://schemas.openxmlformats.org/drawingml/2006/main" sz="6100" i="1">
-                          <a:solidFill>
-                            <a:srgbClr val="51A7F9"/>
-                          </a:solidFill>
-                          <a:latin typeface="Cambria Math" panose="02040503050406030204" pitchFamily="18" charset="0"/>
-                        </a:rPr>
-                        <m:t>h</m:t>
-                      </m:r>
-                      <m:r>
-                        <a:rPr xmlns:a="http://schemas.openxmlformats.org/drawingml/2006/main" sz="6100" i="1">
-                          <a:solidFill>
-                            <a:srgbClr val="51A7F9"/>
-                          </a:solidFill>
-                          <a:latin typeface="Cambria Math" panose="02040503050406030204" pitchFamily="18" charset="0"/>
-                        </a:rPr>
-                        <m:t>c</m:t>
-                      </m:r>
-                    </m:num>
-                    <m:den>
-                      <m:r>
-                        <m:rPr>
-                          <m:sty m:val="p"/>
-                        </m:rPr>
-                        <a:rPr xmlns:a="http://schemas.openxmlformats.org/drawingml/2006/main" sz="6100" i="1">
-                          <a:solidFill>
-                            <a:srgbClr val="51A7F9"/>
-                          </a:solidFill>
-                          <a:latin typeface="Cambria Math" panose="02040503050406030204" pitchFamily="18" charset="0"/>
-                        </a:rPr>
-                        <m:t>ℏ</m:t>
-                      </m:r>
-                      <m:r>
-                        <a:rPr xmlns:a="http://schemas.openxmlformats.org/drawingml/2006/main" sz="6100" i="1">
-                          <a:solidFill>
-                            <a:srgbClr val="51A7F9"/>
-                          </a:solidFill>
-                          <a:latin typeface="Cambria Math" panose="02040503050406030204" pitchFamily="18" charset="0"/>
-                        </a:rPr>
-                        <m:t>ω</m:t>
-                      </m:r>
-                    </m:den>
-                  </m:f>
-                  <m:r>
-                    <a:rPr xmlns:a="http://schemas.openxmlformats.org/drawingml/2006/main" sz="6100" i="1">
-                      <a:solidFill>
-                        <a:srgbClr val="51A7F9"/>
-                      </a:solidFill>
-                      <a:latin typeface="Cambria Math" panose="02040503050406030204" pitchFamily="18" charset="0"/>
-                    </a:rPr>
-                    <m:t>=</m:t>
-                  </m:r>
-                  <m:f>
-                    <m:fPr>
-                      <m:ctrlPr>
-                        <a:rPr xmlns:a="http://schemas.openxmlformats.org/drawingml/2006/main" sz="6100" i="1">
-                          <a:solidFill>
-                            <a:srgbClr val="51A7F9"/>
-                          </a:solidFill>
-                          <a:latin typeface="Cambria Math" panose="02040503050406030204" pitchFamily="18" charset="0"/>
-                        </a:rPr>
-                      </m:ctrlPr>
-                      <m:type m:val="bar"/>
-                    </m:fPr>
-                    <m:num>
-                      <m:r>
-                        <a:rPr xmlns:a="http://schemas.openxmlformats.org/drawingml/2006/main" sz="6100" i="1">
-                          <a:solidFill>
-                            <a:srgbClr val="51A7F9"/>
-                          </a:solidFill>
-                          <a:latin typeface="Cambria Math" panose="02040503050406030204" pitchFamily="18" charset="0"/>
-                        </a:rPr>
-                        <m:t>2</m:t>
-                      </m:r>
-                      <m:r>
-                        <a:rPr xmlns:a="http://schemas.openxmlformats.org/drawingml/2006/main" sz="6100" i="1">
-                          <a:solidFill>
-                            <a:srgbClr val="51A7F9"/>
-                          </a:solidFill>
-                          <a:latin typeface="Cambria Math" panose="02040503050406030204" pitchFamily="18" charset="0"/>
-                        </a:rPr>
-                        <m:t>π</m:t>
-                      </m:r>
-                      <m:r>
-                        <a:rPr xmlns:a="http://schemas.openxmlformats.org/drawingml/2006/main" sz="6100" i="1">
-                          <a:solidFill>
-                            <a:srgbClr val="51A7F9"/>
-                          </a:solidFill>
-                          <a:latin typeface="Cambria Math" panose="02040503050406030204" pitchFamily="18" charset="0"/>
-                        </a:rPr>
-                        <m:t>c</m:t>
-                      </m:r>
-                    </m:num>
-                    <m:den>
-                      <m:r>
-                        <a:rPr xmlns:a="http://schemas.openxmlformats.org/drawingml/2006/main" sz="6100" i="1">
-                          <a:solidFill>
-                            <a:srgbClr val="51A7F9"/>
-                          </a:solidFill>
-                          <a:latin typeface="Cambria Math" panose="02040503050406030204" pitchFamily="18" charset="0"/>
-                        </a:rPr>
-                        <m:t>ω</m:t>
-                      </m:r>
-                    </m:den>
-                  </m:f>
-                  <m:r>
-                    <a:rPr xmlns:a="http://schemas.openxmlformats.org/drawingml/2006/main" sz="6100" i="1">
-                      <a:solidFill>
-                        <a:srgbClr val="51A7F9"/>
-                      </a:solidFill>
-                      <a:latin typeface="Cambria Math" panose="02040503050406030204" pitchFamily="18" charset="0"/>
-                    </a:rPr>
-                    <m:t>=</m:t>
-                  </m:r>
-                  <m:r>
-                    <a:rPr xmlns:a="http://schemas.openxmlformats.org/drawingml/2006/main" sz="6100" i="1">
-                      <a:solidFill>
-                        <a:srgbClr val="51A7F9"/>
-                      </a:solidFill>
-                      <a:latin typeface="Cambria Math" panose="02040503050406030204" pitchFamily="18" charset="0"/>
-                    </a:rPr>
-                    <m:t>4.35</m:t>
-                  </m:r>
-                  <m:r>
-                    <a:rPr xmlns:a="http://schemas.openxmlformats.org/drawingml/2006/main" sz="6100" i="1">
-                      <a:solidFill>
-                        <a:srgbClr val="51A7F9"/>
-                      </a:solidFill>
-                      <a:latin typeface="Cambria Math" panose="02040503050406030204" pitchFamily="18" charset="0"/>
-                    </a:rPr>
-                    <m:t>μ</m:t>
-                  </m:r>
-                  <m:r>
-                    <a:rPr xmlns:a="http://schemas.openxmlformats.org/drawingml/2006/main" sz="6100" i="1">
-                      <a:solidFill>
-                        <a:srgbClr val="51A7F9"/>
-                      </a:solidFill>
-                      <a:latin typeface="Cambria Math" panose="02040503050406030204" pitchFamily="18" charset="0"/>
-                    </a:rPr>
-                    <m:t>m</m:t>
-                  </m:r>
-                </m:oMath>
-              </m:oMathPara>
-            </a14:m>
-            <a:endParaRPr>
-              <a:solidFill>
-                <a:srgbClr val="51A7F9"/>
-              </a:solidFill>
-            </a:endParaRPr>
-          </a:p>
         </p:txBody>
       </p:sp>
       <p:sp>
@@ -9514,198 +6370,6 @@
                       </p:childTnLst>
                     </p:cTn>
                   </p:par>
-                  <p:par>
-                    <p:cTn id="9" fill="hold">
-                      <p:stCondLst>
-                        <p:cond delay="indefinite"/>
-                      </p:stCondLst>
-                      <p:childTnLst>
-                        <p:par>
-                          <p:cTn id="10" fill="hold">
-                            <p:stCondLst>
-                              <p:cond delay="0"/>
-                            </p:stCondLst>
-                            <p:childTnLst>
-                              <p:par>
-                                <p:cTn id="11" presetClass="entr" nodeType="clickEffect" presetSubtype="0" presetID="1" grpId="1" fill="hold">
-                                  <p:stCondLst>
-                                    <p:cond delay="0"/>
-                                  </p:stCondLst>
-                                  <p:iterate type="el" backwards="0">
-                                    <p:tmAbs val="0"/>
-                                  </p:iterate>
-                                  <p:childTnLst>
-                                    <p:set>
-                                      <p:cBhvr>
-                                        <p:cTn id="12" fill="hold"/>
-                                        <p:tgtEl>
-                                          <p:spTgt spid="197">
-                                            <p:txEl>
-                                              <p:pRg st="1" end="1"/>
-                                            </p:txEl>
-                                          </p:spTgt>
-                                        </p:tgtEl>
-                                        <p:attrNameLst>
-                                          <p:attrName>style.visibility</p:attrName>
-                                        </p:attrNameLst>
-                                      </p:cBhvr>
-                                      <p:to>
-                                        <p:strVal val="visible"/>
-                                      </p:to>
-                                    </p:set>
-                                  </p:childTnLst>
-                                </p:cTn>
-                              </p:par>
-                            </p:childTnLst>
-                          </p:cTn>
-                        </p:par>
-                      </p:childTnLst>
-                    </p:cTn>
-                  </p:par>
-                  <p:par>
-                    <p:cTn id="13" fill="hold">
-                      <p:stCondLst>
-                        <p:cond delay="indefinite"/>
-                      </p:stCondLst>
-                      <p:childTnLst>
-                        <p:par>
-                          <p:cTn id="14" fill="hold">
-                            <p:stCondLst>
-                              <p:cond delay="0"/>
-                            </p:stCondLst>
-                            <p:childTnLst>
-                              <p:par>
-                                <p:cTn id="15" presetClass="entr" nodeType="clickEffect" presetSubtype="0" presetID="1" grpId="1" fill="hold">
-                                  <p:stCondLst>
-                                    <p:cond delay="0"/>
-                                  </p:stCondLst>
-                                  <p:iterate type="el" backwards="0">
-                                    <p:tmAbs val="0"/>
-                                  </p:iterate>
-                                  <p:childTnLst>
-                                    <p:set>
-                                      <p:cBhvr>
-                                        <p:cTn id="16" fill="hold"/>
-                                        <p:tgtEl>
-                                          <p:spTgt spid="197">
-                                            <p:txEl>
-                                              <p:pRg st="2" end="2"/>
-                                            </p:txEl>
-                                          </p:spTgt>
-                                        </p:tgtEl>
-                                        <p:attrNameLst>
-                                          <p:attrName>style.visibility</p:attrName>
-                                        </p:attrNameLst>
-                                      </p:cBhvr>
-                                      <p:to>
-                                        <p:strVal val="visible"/>
-                                      </p:to>
-                                    </p:set>
-                                  </p:childTnLst>
-                                </p:cTn>
-                              </p:par>
-                            </p:childTnLst>
-                          </p:cTn>
-                        </p:par>
-                      </p:childTnLst>
-                    </p:cTn>
-                  </p:par>
-                  <p:par>
-                    <p:cTn id="17" fill="hold">
-                      <p:stCondLst>
-                        <p:cond delay="indefinite"/>
-                      </p:stCondLst>
-                      <p:childTnLst>
-                        <p:par>
-                          <p:cTn id="18" fill="hold">
-                            <p:stCondLst>
-                              <p:cond delay="0"/>
-                            </p:stCondLst>
-                            <p:childTnLst>
-                              <p:par>
-                                <p:cTn id="19" presetClass="entr" nodeType="clickEffect" presetSubtype="0" presetID="1" grpId="1" fill="hold">
-                                  <p:stCondLst>
-                                    <p:cond delay="0"/>
-                                  </p:stCondLst>
-                                  <p:iterate type="el" backwards="0">
-                                    <p:tmAbs val="0"/>
-                                  </p:iterate>
-                                  <p:childTnLst>
-                                    <p:set>
-                                      <p:cBhvr>
-                                        <p:cTn id="20" fill="hold"/>
-                                        <p:tgtEl>
-                                          <p:spTgt spid="197">
-                                            <p:txEl>
-                                              <p:pRg st="3" end="3"/>
-                                            </p:txEl>
-                                          </p:spTgt>
-                                        </p:tgtEl>
-                                        <p:attrNameLst>
-                                          <p:attrName>style.visibility</p:attrName>
-                                        </p:attrNameLst>
-                                      </p:cBhvr>
-                                      <p:to>
-                                        <p:strVal val="visible"/>
-                                      </p:to>
-                                    </p:set>
-                                  </p:childTnLst>
-                                </p:cTn>
-                              </p:par>
-                            </p:childTnLst>
-                          </p:cTn>
-                        </p:par>
-                      </p:childTnLst>
-                    </p:cTn>
-                  </p:par>
-                  <p:par>
-                    <p:cTn id="21" fill="hold">
-                      <p:stCondLst>
-                        <p:cond delay="indefinite"/>
-                      </p:stCondLst>
-                      <p:childTnLst>
-                        <p:par>
-                          <p:cTn id="22" fill="hold">
-                            <p:stCondLst>
-                              <p:cond delay="0"/>
-                            </p:stCondLst>
-                            <p:childTnLst>
-                              <p:par>
-                                <p:cTn id="23" presetClass="entr" nodeType="clickEffect" presetSubtype="0" presetID="1" grpId="1" fill="hold">
-                                  <p:stCondLst>
-                                    <p:cond delay="0"/>
-                                  </p:stCondLst>
-                                  <p:iterate type="el" backwards="0">
-                                    <p:tmAbs val="0"/>
-                                  </p:iterate>
-                                  <p:childTnLst>
-                                    <p:set>
-                                      <p:cBhvr>
-                                        <p:cTn id="24" fill="hold"/>
-                                        <p:tgtEl>
-                                          <p:spTgt spid="197">
-                                            <p:txEl>
-                                              <p:pRg st="4" end="4"/>
-                                            </p:txEl>
-                                          </p:spTgt>
-                                        </p:tgtEl>
-                                        <p:attrNameLst>
-                                          <p:attrName>style.visibility</p:attrName>
-                                        </p:attrNameLst>
-                                      </p:cBhvr>
-                                      <p:to>
-                                        <p:strVal val="visible"/>
-                                      </p:to>
-                                    </p:set>
-                                  </p:childTnLst>
-                                </p:cTn>
-                              </p:par>
-                            </p:childTnLst>
-                          </p:cTn>
-                        </p:par>
-                      </p:childTnLst>
-                    </p:cTn>
-                  </p:par>
                 </p:childTnLst>
               </p:cTn>
               <p:prevCondLst>
@@ -9929,21 +6593,6 @@
             <a:r>
               <a:rPr baseline="-5999"/>
               <a:t>2</a:t>
-            </a:r>
-          </a:p>
-          <a:p>
-            <a:pPr>
-              <a:defRPr>
-                <a:solidFill>
-                  <a:schemeClr val="accent1">
-                    <a:satOff val="-3355"/>
-                    <a:lumOff val="26614"/>
-                  </a:schemeClr>
-                </a:solidFill>
-              </a:defRPr>
-            </a:pPr>
-            <a:r>
-              <a:t>HBr and CO</a:t>
             </a:r>
           </a:p>
         </p:txBody>
@@ -10237,54 +6886,6 @@
                       </p:childTnLst>
                     </p:cTn>
                   </p:par>
-                  <p:par>
-                    <p:cTn id="21" fill="hold">
-                      <p:stCondLst>
-                        <p:cond delay="indefinite"/>
-                      </p:stCondLst>
-                      <p:childTnLst>
-                        <p:par>
-                          <p:cTn id="22" fill="hold">
-                            <p:stCondLst>
-                              <p:cond delay="0"/>
-                            </p:stCondLst>
-                            <p:childTnLst>
-                              <p:par>
-                                <p:cTn id="23" presetClass="entr" nodeType="clickEffect" presetSubtype="0" presetID="1" grpId="1" fill="hold">
-                                  <p:stCondLst>
-                                    <p:cond delay="0"/>
-                                  </p:stCondLst>
-                                  <p:iterate type="el" backwards="0">
-                                    <p:tmAbs val="0"/>
-                                  </p:iterate>
-                                  <p:childTnLst>
-                                    <p:set>
-                                      <p:cBhvr>
-                                        <p:cTn id="24" fill="hold"/>
-                                        <p:tgtEl>
-                                          <p:spTgt spid="204">
-                                            <p:txEl>
-                                              <p:pRg st="6" end="6"/>
-                                            </p:txEl>
-                                          </p:spTgt>
-                                        </p:tgtEl>
-                                        <p:attrNameLst>
-                                          <p:attrName>style.visibility</p:attrName>
-                                        </p:attrNameLst>
-                                      </p:cBhvr>
-                                      <p:to>
-                                        <p:strVal val="visible"/>
-                                      </p:to>
-                                    </p:set>
-                                  </p:childTnLst>
-                                </p:cTn>
-                              </p:par>
-                            </p:childTnLst>
-                          </p:cTn>
-                        </p:par>
-                      </p:childTnLst>
-                    </p:cTn>
-                  </p:par>
                 </p:childTnLst>
               </p:cTn>
               <p:prevCondLst>
@@ -10375,11 +6976,10 @@
           <a:bodyPr/>
           <a:lstStyle/>
           <a:p>
-            <a:pPr lvl="1" marL="711446" indent="-413631" defTabSz="550425">
+            <a:pPr lvl="1">
               <a:spcBef>
-                <a:spcPts val="3900"/>
+                <a:spcPts val="5900"/>
               </a:spcBef>
-              <a:defRPr sz="3350"/>
             </a:pPr>
             <a:r>
               <a:t>In the HO model, </a:t>
@@ -10390,7 +6990,7 @@
                   <m:rPr>
                     <m:sty m:val="p"/>
                   </m:rPr>
-                  <a:rPr xmlns:a="http://schemas.openxmlformats.org/drawingml/2006/main" sz="4100" i="1">
+                  <a:rPr xmlns:a="http://schemas.openxmlformats.org/drawingml/2006/main" sz="6100" i="1">
                     <a:solidFill>
                       <a:srgbClr val="000000"/>
                     </a:solidFill>
@@ -10399,7 +6999,7 @@
                   <m:t>Δ</m:t>
                 </m:r>
                 <m:r>
-                  <a:rPr xmlns:a="http://schemas.openxmlformats.org/drawingml/2006/main" sz="4100" i="1">
+                  <a:rPr xmlns:a="http://schemas.openxmlformats.org/drawingml/2006/main" sz="6100" i="1">
                     <a:solidFill>
                       <a:srgbClr val="000000"/>
                     </a:solidFill>
@@ -10408,7 +7008,7 @@
                   <m:t>E</m:t>
                 </m:r>
                 <m:r>
-                  <a:rPr xmlns:a="http://schemas.openxmlformats.org/drawingml/2006/main" sz="4100" i="1">
+                  <a:rPr xmlns:a="http://schemas.openxmlformats.org/drawingml/2006/main" sz="6100" i="1">
                     <a:solidFill>
                       <a:srgbClr val="000000"/>
                     </a:solidFill>
@@ -10420,7 +7020,7 @@
                   <m:rPr>
                     <m:sty m:val="p"/>
                   </m:rPr>
-                  <a:rPr xmlns:a="http://schemas.openxmlformats.org/drawingml/2006/main" sz="4100" i="1">
+                  <a:rPr xmlns:a="http://schemas.openxmlformats.org/drawingml/2006/main" sz="6100" i="1">
                     <a:solidFill>
                       <a:srgbClr val="000000"/>
                     </a:solidFill>
@@ -10431,7 +7031,7 @@
                 <m:sSub>
                   <m:e>
                     <m:r>
-                      <a:rPr xmlns:a="http://schemas.openxmlformats.org/drawingml/2006/main" sz="4100" i="1">
+                      <a:rPr xmlns:a="http://schemas.openxmlformats.org/drawingml/2006/main" sz="6100" i="1">
                         <a:solidFill>
                           <a:srgbClr val="000000"/>
                         </a:solidFill>
@@ -10442,7 +7042,7 @@
                   </m:e>
                   <m:sub>
                     <m:r>
-                      <a:rPr xmlns:a="http://schemas.openxmlformats.org/drawingml/2006/main" sz="4100" i="1">
+                      <a:rPr xmlns:a="http://schemas.openxmlformats.org/drawingml/2006/main" sz="6100" i="1">
                         <a:solidFill>
                           <a:srgbClr val="000000"/>
                         </a:solidFill>
@@ -10451,7 +7051,7 @@
                       <m:t>o</m:t>
                     </m:r>
                     <m:r>
-                      <a:rPr xmlns:a="http://schemas.openxmlformats.org/drawingml/2006/main" sz="4100" i="1">
+                      <a:rPr xmlns:a="http://schemas.openxmlformats.org/drawingml/2006/main" sz="6100" i="1">
                         <a:solidFill>
                           <a:srgbClr val="000000"/>
                         </a:solidFill>
@@ -10460,7 +7060,7 @@
                       <m:t>b</m:t>
                     </m:r>
                     <m:r>
-                      <a:rPr xmlns:a="http://schemas.openxmlformats.org/drawingml/2006/main" sz="4100" i="1">
+                      <a:rPr xmlns:a="http://schemas.openxmlformats.org/drawingml/2006/main" sz="6100" i="1">
                         <a:solidFill>
                           <a:srgbClr val="000000"/>
                         </a:solidFill>
@@ -10487,7 +7087,7 @@
                   <m:rPr>
                     <m:sty m:val="p"/>
                   </m:rPr>
-                  <a:rPr xmlns:a="http://schemas.openxmlformats.org/drawingml/2006/main" sz="4100" i="1">
+                  <a:rPr xmlns:a="http://schemas.openxmlformats.org/drawingml/2006/main" sz="6100" i="1">
                     <a:solidFill>
                       <a:srgbClr val="000000"/>
                     </a:solidFill>
@@ -10496,7 +7096,7 @@
                   <m:t>Δ</m:t>
                 </m:r>
                 <m:r>
-                  <a:rPr xmlns:a="http://schemas.openxmlformats.org/drawingml/2006/main" sz="4100" i="1">
+                  <a:rPr xmlns:a="http://schemas.openxmlformats.org/drawingml/2006/main" sz="6100" i="1">
                     <a:solidFill>
                       <a:srgbClr val="000000"/>
                     </a:solidFill>
@@ -10505,7 +7105,7 @@
                   <m:t>E</m:t>
                 </m:r>
                 <m:r>
-                  <a:rPr xmlns:a="http://schemas.openxmlformats.org/drawingml/2006/main" sz="4100" i="1">
+                  <a:rPr xmlns:a="http://schemas.openxmlformats.org/drawingml/2006/main" sz="6100" i="1">
                     <a:solidFill>
                       <a:srgbClr val="000000"/>
                     </a:solidFill>
@@ -10514,7 +7114,7 @@
                   <m:t>=</m:t>
                 </m:r>
                 <m:r>
-                  <a:rPr xmlns:a="http://schemas.openxmlformats.org/drawingml/2006/main" sz="4100" i="1">
+                  <a:rPr xmlns:a="http://schemas.openxmlformats.org/drawingml/2006/main" sz="6100" i="1">
                     <a:solidFill>
                       <a:srgbClr val="000000"/>
                     </a:solidFill>
@@ -10525,7 +7125,7 @@
                 <m:sSub>
                   <m:e>
                     <m:r>
-                      <a:rPr xmlns:a="http://schemas.openxmlformats.org/drawingml/2006/main" sz="4100" i="1">
+                      <a:rPr xmlns:a="http://schemas.openxmlformats.org/drawingml/2006/main" sz="6100" i="1">
                         <a:solidFill>
                           <a:srgbClr val="000000"/>
                         </a:solidFill>
@@ -10536,7 +7136,7 @@
                   </m:e>
                   <m:sub>
                     <m:r>
-                      <a:rPr xmlns:a="http://schemas.openxmlformats.org/drawingml/2006/main" sz="4100" i="1">
+                      <a:rPr xmlns:a="http://schemas.openxmlformats.org/drawingml/2006/main" sz="6100" i="1">
                         <a:solidFill>
                           <a:srgbClr val="000000"/>
                         </a:solidFill>
@@ -10556,18 +7156,17 @@
             </a:endParaRPr>
           </a:p>
           <a:p>
-            <a:pPr lvl="2" marL="1009262" indent="-413631" defTabSz="550425">
+            <a:pPr lvl="2">
               <a:spcBef>
-                <a:spcPts val="3900"/>
+                <a:spcPts val="5900"/>
               </a:spcBef>
-              <a:defRPr sz="3350"/>
             </a:pPr>
             <a14:m>
               <m:oMath>
                 <m:sSub>
                   <m:e>
                     <m:r>
-                      <a:rPr xmlns:a="http://schemas.openxmlformats.org/drawingml/2006/main" sz="4100" i="1">
+                      <a:rPr xmlns:a="http://schemas.openxmlformats.org/drawingml/2006/main" sz="6100" i="1">
                         <a:solidFill>
                           <a:srgbClr val="000000"/>
                         </a:solidFill>
@@ -10578,7 +7177,7 @@
                   </m:e>
                   <m:sub>
                     <m:r>
-                      <a:rPr xmlns:a="http://schemas.openxmlformats.org/drawingml/2006/main" sz="4100" i="1">
+                      <a:rPr xmlns:a="http://schemas.openxmlformats.org/drawingml/2006/main" sz="6100" i="1">
                         <a:solidFill>
                           <a:srgbClr val="000000"/>
                         </a:solidFill>
@@ -10587,7 +7186,7 @@
                       <m:t>o</m:t>
                     </m:r>
                     <m:r>
-                      <a:rPr xmlns:a="http://schemas.openxmlformats.org/drawingml/2006/main" sz="4100" i="1">
+                      <a:rPr xmlns:a="http://schemas.openxmlformats.org/drawingml/2006/main" sz="6100" i="1">
                         <a:solidFill>
                           <a:srgbClr val="000000"/>
                         </a:solidFill>
@@ -10596,7 +7195,7 @@
                       <m:t>b</m:t>
                     </m:r>
                     <m:r>
-                      <a:rPr xmlns:a="http://schemas.openxmlformats.org/drawingml/2006/main" sz="4100" i="1">
+                      <a:rPr xmlns:a="http://schemas.openxmlformats.org/drawingml/2006/main" sz="6100" i="1">
                         <a:solidFill>
                           <a:srgbClr val="000000"/>
                         </a:solidFill>
@@ -10607,7 +7206,7 @@
                   </m:sub>
                 </m:sSub>
                 <m:r>
-                  <a:rPr xmlns:a="http://schemas.openxmlformats.org/drawingml/2006/main" sz="4100" i="1">
+                  <a:rPr xmlns:a="http://schemas.openxmlformats.org/drawingml/2006/main" sz="6100" i="1">
                     <a:solidFill>
                       <a:srgbClr val="000000"/>
                     </a:solidFill>
@@ -10618,7 +7217,7 @@
                 <m:rad>
                   <m:radPr>
                     <m:ctrlPr>
-                      <a:rPr xmlns:a="http://schemas.openxmlformats.org/drawingml/2006/main" sz="4100" i="1">
+                      <a:rPr xmlns:a="http://schemas.openxmlformats.org/drawingml/2006/main" sz="6100" i="1">
                         <a:solidFill>
                           <a:srgbClr val="000000"/>
                         </a:solidFill>
@@ -10632,7 +7231,7 @@
                     <m:f>
                       <m:fPr>
                         <m:ctrlPr>
-                          <a:rPr xmlns:a="http://schemas.openxmlformats.org/drawingml/2006/main" sz="4100" i="1">
+                          <a:rPr xmlns:a="http://schemas.openxmlformats.org/drawingml/2006/main" sz="6100" i="1">
                             <a:solidFill>
                               <a:srgbClr val="000000"/>
                             </a:solidFill>
@@ -10643,7 +7242,7 @@
                       </m:fPr>
                       <m:num>
                         <m:r>
-                          <a:rPr xmlns:a="http://schemas.openxmlformats.org/drawingml/2006/main" sz="4100" i="1">
+                          <a:rPr xmlns:a="http://schemas.openxmlformats.org/drawingml/2006/main" sz="6100" i="1">
                             <a:solidFill>
                               <a:srgbClr val="000000"/>
                             </a:solidFill>
@@ -10654,7 +7253,7 @@
                       </m:num>
                       <m:den>
                         <m:r>
-                          <a:rPr xmlns:a="http://schemas.openxmlformats.org/drawingml/2006/main" sz="4100" i="1">
+                          <a:rPr xmlns:a="http://schemas.openxmlformats.org/drawingml/2006/main" sz="6100" i="1">
                             <a:solidFill>
                               <a:srgbClr val="000000"/>
                             </a:solidFill>
@@ -10676,7 +7275,7 @@
                 <m:sSub>
                   <m:e>
                     <m:r>
-                      <a:rPr xmlns:a="http://schemas.openxmlformats.org/drawingml/2006/main" sz="4100" i="1">
+                      <a:rPr xmlns:a="http://schemas.openxmlformats.org/drawingml/2006/main" sz="6100" i="1">
                         <a:solidFill>
                           <a:srgbClr val="000000"/>
                         </a:solidFill>
@@ -10687,7 +7286,7 @@
                   </m:e>
                   <m:sub>
                     <m:r>
-                      <a:rPr xmlns:a="http://schemas.openxmlformats.org/drawingml/2006/main" sz="4100" i="1">
+                      <a:rPr xmlns:a="http://schemas.openxmlformats.org/drawingml/2006/main" sz="6100" i="1">
                         <a:solidFill>
                           <a:srgbClr val="000000"/>
                         </a:solidFill>
@@ -10698,7 +7297,7 @@
                   </m:sub>
                 </m:sSub>
                 <m:r>
-                  <a:rPr xmlns:a="http://schemas.openxmlformats.org/drawingml/2006/main" sz="4100" i="1">
+                  <a:rPr xmlns:a="http://schemas.openxmlformats.org/drawingml/2006/main" sz="6100" i="1">
                     <a:solidFill>
                       <a:srgbClr val="000000"/>
                     </a:solidFill>
@@ -10709,7 +7308,7 @@
                 <m:f>
                   <m:fPr>
                     <m:ctrlPr>
-                      <a:rPr xmlns:a="http://schemas.openxmlformats.org/drawingml/2006/main" sz="4100" i="1">
+                      <a:rPr xmlns:a="http://schemas.openxmlformats.org/drawingml/2006/main" sz="6100" i="1">
                         <a:solidFill>
                           <a:srgbClr val="000000"/>
                         </a:solidFill>
@@ -10720,7 +7319,7 @@
                   </m:fPr>
                   <m:num>
                     <m:r>
-                      <a:rPr xmlns:a="http://schemas.openxmlformats.org/drawingml/2006/main" sz="4100" i="1">
+                      <a:rPr xmlns:a="http://schemas.openxmlformats.org/drawingml/2006/main" sz="6100" i="1">
                         <a:solidFill>
                           <a:srgbClr val="000000"/>
                         </a:solidFill>
@@ -10731,7 +7330,7 @@
                   </m:num>
                   <m:den>
                     <m:r>
-                      <a:rPr xmlns:a="http://schemas.openxmlformats.org/drawingml/2006/main" sz="4100" i="1">
+                      <a:rPr xmlns:a="http://schemas.openxmlformats.org/drawingml/2006/main" sz="6100" i="1">
                         <a:solidFill>
                           <a:srgbClr val="000000"/>
                         </a:solidFill>
@@ -10740,7 +7339,7 @@
                       <m:t>2</m:t>
                     </m:r>
                     <m:r>
-                      <a:rPr xmlns:a="http://schemas.openxmlformats.org/drawingml/2006/main" sz="4100" i="1">
+                      <a:rPr xmlns:a="http://schemas.openxmlformats.org/drawingml/2006/main" sz="6100" i="1">
                         <a:solidFill>
                           <a:srgbClr val="000000"/>
                         </a:solidFill>
@@ -10753,7 +7352,7 @@
                 <m:rad>
                   <m:radPr>
                     <m:ctrlPr>
-                      <a:rPr xmlns:a="http://schemas.openxmlformats.org/drawingml/2006/main" sz="4100" i="1">
+                      <a:rPr xmlns:a="http://schemas.openxmlformats.org/drawingml/2006/main" sz="6100" i="1">
                         <a:solidFill>
                           <a:srgbClr val="000000"/>
                         </a:solidFill>
@@ -10767,7 +7366,7 @@
                     <m:f>
                       <m:fPr>
                         <m:ctrlPr>
-                          <a:rPr xmlns:a="http://schemas.openxmlformats.org/drawingml/2006/main" sz="4100" i="1">
+                          <a:rPr xmlns:a="http://schemas.openxmlformats.org/drawingml/2006/main" sz="6100" i="1">
                             <a:solidFill>
                               <a:srgbClr val="000000"/>
                             </a:solidFill>
@@ -10778,7 +7377,7 @@
                       </m:fPr>
                       <m:num>
                         <m:r>
-                          <a:rPr xmlns:a="http://schemas.openxmlformats.org/drawingml/2006/main" sz="4100" i="1">
+                          <a:rPr xmlns:a="http://schemas.openxmlformats.org/drawingml/2006/main" sz="6100" i="1">
                             <a:solidFill>
                               <a:srgbClr val="000000"/>
                             </a:solidFill>
@@ -10789,7 +7388,7 @@
                       </m:num>
                       <m:den>
                         <m:r>
-                          <a:rPr xmlns:a="http://schemas.openxmlformats.org/drawingml/2006/main" sz="4100" i="1">
+                          <a:rPr xmlns:a="http://schemas.openxmlformats.org/drawingml/2006/main" sz="6100" i="1">
                             <a:solidFill>
                               <a:srgbClr val="000000"/>
                             </a:solidFill>
@@ -10809,7 +7408,7 @@
             <a14:m>
               <m:oMath>
                 <m:r>
-                  <a:rPr xmlns:a="http://schemas.openxmlformats.org/drawingml/2006/main" sz="4100" i="1">
+                  <a:rPr xmlns:a="http://schemas.openxmlformats.org/drawingml/2006/main" sz="6100" i="1">
                     <a:solidFill>
                       <a:srgbClr val="000000"/>
                     </a:solidFill>
@@ -10818,7 +7417,7 @@
                   <m:t>μ</m:t>
                 </m:r>
                 <m:r>
-                  <a:rPr xmlns:a="http://schemas.openxmlformats.org/drawingml/2006/main" sz="4100" i="1">
+                  <a:rPr xmlns:a="http://schemas.openxmlformats.org/drawingml/2006/main" sz="6100" i="1">
                     <a:solidFill>
                       <a:srgbClr val="000000"/>
                     </a:solidFill>
@@ -10829,7 +7428,7 @@
                 <m:f>
                   <m:fPr>
                     <m:ctrlPr>
-                      <a:rPr xmlns:a="http://schemas.openxmlformats.org/drawingml/2006/main" sz="4100" i="1">
+                      <a:rPr xmlns:a="http://schemas.openxmlformats.org/drawingml/2006/main" sz="6100" i="1">
                         <a:solidFill>
                           <a:srgbClr val="000000"/>
                         </a:solidFill>
@@ -10842,7 +7441,7 @@
                     <m:sSub>
                       <m:e>
                         <m:r>
-                          <a:rPr xmlns:a="http://schemas.openxmlformats.org/drawingml/2006/main" sz="4100" i="1">
+                          <a:rPr xmlns:a="http://schemas.openxmlformats.org/drawingml/2006/main" sz="6100" i="1">
                             <a:solidFill>
                               <a:srgbClr val="000000"/>
                             </a:solidFill>
@@ -10853,7 +7452,7 @@
                       </m:e>
                       <m:sub>
                         <m:r>
-                          <a:rPr xmlns:a="http://schemas.openxmlformats.org/drawingml/2006/main" sz="4100" i="1">
+                          <a:rPr xmlns:a="http://schemas.openxmlformats.org/drawingml/2006/main" sz="6100" i="1">
                             <a:solidFill>
                               <a:srgbClr val="000000"/>
                             </a:solidFill>
@@ -10866,7 +7465,7 @@
                     <m:sSub>
                       <m:e>
                         <m:r>
-                          <a:rPr xmlns:a="http://schemas.openxmlformats.org/drawingml/2006/main" sz="4100" i="1">
+                          <a:rPr xmlns:a="http://schemas.openxmlformats.org/drawingml/2006/main" sz="6100" i="1">
                             <a:solidFill>
                               <a:srgbClr val="000000"/>
                             </a:solidFill>
@@ -10877,7 +7476,7 @@
                       </m:e>
                       <m:sub>
                         <m:r>
-                          <a:rPr xmlns:a="http://schemas.openxmlformats.org/drawingml/2006/main" sz="4100" i="1">
+                          <a:rPr xmlns:a="http://schemas.openxmlformats.org/drawingml/2006/main" sz="6100" i="1">
                             <a:solidFill>
                               <a:srgbClr val="000000"/>
                             </a:solidFill>
@@ -10892,7 +7491,7 @@
                     <m:sSub>
                       <m:e>
                         <m:r>
-                          <a:rPr xmlns:a="http://schemas.openxmlformats.org/drawingml/2006/main" sz="4100" i="1">
+                          <a:rPr xmlns:a="http://schemas.openxmlformats.org/drawingml/2006/main" sz="6100" i="1">
                             <a:solidFill>
                               <a:srgbClr val="000000"/>
                             </a:solidFill>
@@ -10903,7 +7502,7 @@
                       </m:e>
                       <m:sub>
                         <m:r>
-                          <a:rPr xmlns:a="http://schemas.openxmlformats.org/drawingml/2006/main" sz="4100" i="1">
+                          <a:rPr xmlns:a="http://schemas.openxmlformats.org/drawingml/2006/main" sz="6100" i="1">
                             <a:solidFill>
                               <a:srgbClr val="000000"/>
                             </a:solidFill>
@@ -10914,7 +7513,7 @@
                       </m:sub>
                     </m:sSub>
                     <m:r>
-                      <a:rPr xmlns:a="http://schemas.openxmlformats.org/drawingml/2006/main" sz="4100" i="1">
+                      <a:rPr xmlns:a="http://schemas.openxmlformats.org/drawingml/2006/main" sz="6100" i="1">
                         <a:solidFill>
                           <a:srgbClr val="000000"/>
                         </a:solidFill>
@@ -10925,7 +7524,7 @@
                     <m:sSub>
                       <m:e>
                         <m:r>
-                          <a:rPr xmlns:a="http://schemas.openxmlformats.org/drawingml/2006/main" sz="4100" i="1">
+                          <a:rPr xmlns:a="http://schemas.openxmlformats.org/drawingml/2006/main" sz="6100" i="1">
                             <a:solidFill>
                               <a:srgbClr val="000000"/>
                             </a:solidFill>
@@ -10936,7 +7535,7 @@
                       </m:e>
                       <m:sub>
                         <m:r>
-                          <a:rPr xmlns:a="http://schemas.openxmlformats.org/drawingml/2006/main" sz="4100" i="1">
+                          <a:rPr xmlns:a="http://schemas.openxmlformats.org/drawingml/2006/main" sz="6100" i="1">
                             <a:solidFill>
                               <a:srgbClr val="000000"/>
                             </a:solidFill>
@@ -10958,11 +7557,10 @@
             </a:endParaRPr>
           </a:p>
           <a:p>
-            <a:pPr lvl="1" marL="711446" indent="-413631" defTabSz="550425">
+            <a:pPr lvl="1">
               <a:spcBef>
-                <a:spcPts val="3900"/>
+                <a:spcPts val="5900"/>
               </a:spcBef>
-              <a:defRPr sz="3350"/>
             </a:pPr>
             <a:r>
               <a:t>An unknown diatomic oxide has a vibrational frequency of ω = 1904 cm</a:t>
@@ -10988,1401 +7586,6 @@
             <a:r>
               <a:t>CO</a:t>
             </a:r>
-          </a:p>
-          <a:p>
-            <a:pPr lvl="1" marL="711446" indent="-413631" defTabSz="550425">
-              <a:spcBef>
-                <a:spcPts val="3900"/>
-              </a:spcBef>
-              <a:defRPr sz="3350">
-                <a:solidFill>
-                  <a:schemeClr val="accent1">
-                    <a:satOff val="-3355"/>
-                    <a:lumOff val="26614"/>
-                  </a:schemeClr>
-                </a:solidFill>
-              </a:defRPr>
-            </a:pPr>
-            <a14:m>
-              <m:oMathPara>
-                <m:oMathParaPr>
-                  <m:jc m:val="left"/>
-                </m:oMathParaPr>
-                <m:oMath>
-                  <m:sSub>
-                    <m:e>
-                      <m:r>
-                        <a:rPr xmlns:a="http://schemas.openxmlformats.org/drawingml/2006/main" sz="4100" i="1">
-                          <a:solidFill>
-                            <a:srgbClr val="51A7F9"/>
-                          </a:solidFill>
-                          <a:latin typeface="Cambria Math" panose="02040503050406030204" pitchFamily="18" charset="0"/>
-                        </a:rPr>
-                        <m:t>ν</m:t>
-                      </m:r>
-                    </m:e>
-                    <m:sub>
-                      <m:r>
-                        <a:rPr xmlns:a="http://schemas.openxmlformats.org/drawingml/2006/main" sz="4100" i="1">
-                          <a:solidFill>
-                            <a:srgbClr val="51A7F9"/>
-                          </a:solidFill>
-                          <a:latin typeface="Cambria Math" panose="02040503050406030204" pitchFamily="18" charset="0"/>
-                        </a:rPr>
-                        <m:t>m</m:t>
-                      </m:r>
-                    </m:sub>
-                  </m:sSub>
-                  <m:r>
-                    <a:rPr xmlns:a="http://schemas.openxmlformats.org/drawingml/2006/main" sz="4100" i="1">
-                      <a:solidFill>
-                        <a:srgbClr val="51A7F9"/>
-                      </a:solidFill>
-                      <a:latin typeface="Cambria Math" panose="02040503050406030204" pitchFamily="18" charset="0"/>
-                    </a:rPr>
-                    <m:t>=</m:t>
-                  </m:r>
-                  <m:r>
-                    <a:rPr xmlns:a="http://schemas.openxmlformats.org/drawingml/2006/main" sz="4100" i="1">
-                      <a:solidFill>
-                        <a:srgbClr val="51A7F9"/>
-                      </a:solidFill>
-                      <a:latin typeface="Cambria Math" panose="02040503050406030204" pitchFamily="18" charset="0"/>
-                    </a:rPr>
-                    <m:t>ω</m:t>
-                  </m:r>
-                  <m:r>
-                    <a:rPr xmlns:a="http://schemas.openxmlformats.org/drawingml/2006/main" sz="4100" i="1">
-                      <a:solidFill>
-                        <a:srgbClr val="51A7F9"/>
-                      </a:solidFill>
-                      <a:latin typeface="Cambria Math" panose="02040503050406030204" pitchFamily="18" charset="0"/>
-                    </a:rPr>
-                    <m:t>c</m:t>
-                  </m:r>
-                  <m:r>
-                    <a:rPr xmlns:a="http://schemas.openxmlformats.org/drawingml/2006/main" sz="4100" i="1">
-                      <a:solidFill>
-                        <a:srgbClr val="51A7F9"/>
-                      </a:solidFill>
-                      <a:latin typeface="Cambria Math" panose="02040503050406030204" pitchFamily="18" charset="0"/>
-                    </a:rPr>
-                    <m:t>=</m:t>
-                  </m:r>
-                  <m:r>
-                    <a:rPr xmlns:a="http://schemas.openxmlformats.org/drawingml/2006/main" sz="4100" i="1">
-                      <a:solidFill>
-                        <a:srgbClr val="51A7F9"/>
-                      </a:solidFill>
-                      <a:latin typeface="Cambria Math" panose="02040503050406030204" pitchFamily="18" charset="0"/>
-                    </a:rPr>
-                    <m:t>(</m:t>
-                  </m:r>
-                  <m:r>
-                    <a:rPr xmlns:a="http://schemas.openxmlformats.org/drawingml/2006/main" sz="4100" i="1">
-                      <a:solidFill>
-                        <a:srgbClr val="51A7F9"/>
-                      </a:solidFill>
-                      <a:latin typeface="Cambria Math" panose="02040503050406030204" pitchFamily="18" charset="0"/>
-                    </a:rPr>
-                    <m:t>1904</m:t>
-                  </m:r>
-                  <m:sSup>
-                    <m:e>
-                      <m:r>
-                        <m:rPr>
-                          <m:nor/>
-                        </m:rPr>
-                        <a:rPr xmlns:a="http://schemas.openxmlformats.org/drawingml/2006/main" sz="4100" i="1">
-                          <a:solidFill>
-                            <a:srgbClr val="51A7F9"/>
-                          </a:solidFill>
-                          <a:latin typeface="Cambria Math" panose="02040503050406030204" pitchFamily="18" charset="0"/>
-                        </a:rPr>
-                        <m:t>cm</m:t>
-                      </m:r>
-                    </m:e>
-                    <m:sup>
-                      <m:r>
-                        <a:rPr xmlns:a="http://schemas.openxmlformats.org/drawingml/2006/main" sz="4100" i="1">
-                          <a:solidFill>
-                            <a:srgbClr val="51A7F9"/>
-                          </a:solidFill>
-                          <a:latin typeface="Cambria Math" panose="02040503050406030204" pitchFamily="18" charset="0"/>
-                        </a:rPr>
-                        <m:t>-</m:t>
-                      </m:r>
-                      <m:r>
-                        <a:rPr xmlns:a="http://schemas.openxmlformats.org/drawingml/2006/main" sz="4100" i="1">
-                          <a:solidFill>
-                            <a:srgbClr val="51A7F9"/>
-                          </a:solidFill>
-                          <a:latin typeface="Cambria Math" panose="02040503050406030204" pitchFamily="18" charset="0"/>
-                        </a:rPr>
-                        <m:t>1</m:t>
-                      </m:r>
-                    </m:sup>
-                  </m:sSup>
-                  <m:r>
-                    <a:rPr xmlns:a="http://schemas.openxmlformats.org/drawingml/2006/main" sz="4100" i="1">
-                      <a:solidFill>
-                        <a:srgbClr val="51A7F9"/>
-                      </a:solidFill>
-                      <a:latin typeface="Cambria Math" panose="02040503050406030204" pitchFamily="18" charset="0"/>
-                    </a:rPr>
-                    <m:t>)</m:t>
-                  </m:r>
-                  <m:r>
-                    <a:rPr xmlns:a="http://schemas.openxmlformats.org/drawingml/2006/main" sz="4100" i="1">
-                      <a:solidFill>
-                        <a:srgbClr val="51A7F9"/>
-                      </a:solidFill>
-                      <a:latin typeface="Cambria Math" panose="02040503050406030204" pitchFamily="18" charset="0"/>
-                    </a:rPr>
-                    <m:t>(</m:t>
-                  </m:r>
-                  <m:r>
-                    <a:rPr xmlns:a="http://schemas.openxmlformats.org/drawingml/2006/main" sz="4100" i="1">
-                      <a:solidFill>
-                        <a:srgbClr val="51A7F9"/>
-                      </a:solidFill>
-                      <a:latin typeface="Cambria Math" panose="02040503050406030204" pitchFamily="18" charset="0"/>
-                    </a:rPr>
-                    <m:t>2.99</m:t>
-                  </m:r>
-                  <m:r>
-                    <a:rPr xmlns:a="http://schemas.openxmlformats.org/drawingml/2006/main" sz="4100" i="1">
-                      <a:solidFill>
-                        <a:srgbClr val="51A7F9"/>
-                      </a:solidFill>
-                      <a:latin typeface="Cambria Math" panose="02040503050406030204" pitchFamily="18" charset="0"/>
-                    </a:rPr>
-                    <m:t>×</m:t>
-                  </m:r>
-                  <m:sSup>
-                    <m:e>
-                      <m:r>
-                        <a:rPr xmlns:a="http://schemas.openxmlformats.org/drawingml/2006/main" sz="4100" i="1">
-                          <a:solidFill>
-                            <a:srgbClr val="51A7F9"/>
-                          </a:solidFill>
-                          <a:latin typeface="Cambria Math" panose="02040503050406030204" pitchFamily="18" charset="0"/>
-                        </a:rPr>
-                        <m:t>10</m:t>
-                      </m:r>
-                    </m:e>
-                    <m:sup>
-                      <m:r>
-                        <a:rPr xmlns:a="http://schemas.openxmlformats.org/drawingml/2006/main" sz="4100" i="1">
-                          <a:solidFill>
-                            <a:srgbClr val="51A7F9"/>
-                          </a:solidFill>
-                          <a:latin typeface="Cambria Math" panose="02040503050406030204" pitchFamily="18" charset="0"/>
-                        </a:rPr>
-                        <m:t>10</m:t>
-                      </m:r>
-                    </m:sup>
-                  </m:sSup>
-                  <m:sSup>
-                    <m:e>
-                      <m:r>
-                        <m:rPr>
-                          <m:nor/>
-                        </m:rPr>
-                        <a:rPr xmlns:a="http://schemas.openxmlformats.org/drawingml/2006/main" sz="4100" i="1">
-                          <a:solidFill>
-                            <a:srgbClr val="51A7F9"/>
-                          </a:solidFill>
-                          <a:latin typeface="Cambria Math" panose="02040503050406030204" pitchFamily="18" charset="0"/>
-                        </a:rPr>
-                        <m:t>cm s</m:t>
-                      </m:r>
-                    </m:e>
-                    <m:sup>
-                      <m:r>
-                        <a:rPr xmlns:a="http://schemas.openxmlformats.org/drawingml/2006/main" sz="4100" i="1">
-                          <a:solidFill>
-                            <a:srgbClr val="51A7F9"/>
-                          </a:solidFill>
-                          <a:latin typeface="Cambria Math" panose="02040503050406030204" pitchFamily="18" charset="0"/>
-                        </a:rPr>
-                        <m:t>-</m:t>
-                      </m:r>
-                      <m:r>
-                        <a:rPr xmlns:a="http://schemas.openxmlformats.org/drawingml/2006/main" sz="4100" i="1">
-                          <a:solidFill>
-                            <a:srgbClr val="51A7F9"/>
-                          </a:solidFill>
-                          <a:latin typeface="Cambria Math" panose="02040503050406030204" pitchFamily="18" charset="0"/>
-                        </a:rPr>
-                        <m:t>1</m:t>
-                      </m:r>
-                    </m:sup>
-                  </m:sSup>
-                  <m:r>
-                    <a:rPr xmlns:a="http://schemas.openxmlformats.org/drawingml/2006/main" sz="4100" i="1">
-                      <a:solidFill>
-                        <a:srgbClr val="51A7F9"/>
-                      </a:solidFill>
-                      <a:latin typeface="Cambria Math" panose="02040503050406030204" pitchFamily="18" charset="0"/>
-                    </a:rPr>
-                    <m:t>)</m:t>
-                  </m:r>
-                  <m:r>
-                    <a:rPr xmlns:a="http://schemas.openxmlformats.org/drawingml/2006/main" sz="4100" i="1">
-                      <a:solidFill>
-                        <a:srgbClr val="51A7F9"/>
-                      </a:solidFill>
-                      <a:latin typeface="Cambria Math" panose="02040503050406030204" pitchFamily="18" charset="0"/>
-                    </a:rPr>
-                    <m:t>=</m:t>
-                  </m:r>
-                  <m:r>
-                    <a:rPr xmlns:a="http://schemas.openxmlformats.org/drawingml/2006/main" sz="4100" i="1">
-                      <a:solidFill>
-                        <a:srgbClr val="51A7F9"/>
-                      </a:solidFill>
-                      <a:latin typeface="Cambria Math" panose="02040503050406030204" pitchFamily="18" charset="0"/>
-                    </a:rPr>
-                    <m:t>5.706</m:t>
-                  </m:r>
-                  <m:r>
-                    <a:rPr xmlns:a="http://schemas.openxmlformats.org/drawingml/2006/main" sz="4100" i="1">
-                      <a:solidFill>
-                        <a:srgbClr val="51A7F9"/>
-                      </a:solidFill>
-                      <a:latin typeface="Cambria Math" panose="02040503050406030204" pitchFamily="18" charset="0"/>
-                    </a:rPr>
-                    <m:t>×</m:t>
-                  </m:r>
-                  <m:sSup>
-                    <m:e>
-                      <m:r>
-                        <a:rPr xmlns:a="http://schemas.openxmlformats.org/drawingml/2006/main" sz="4100" i="1">
-                          <a:solidFill>
-                            <a:srgbClr val="51A7F9"/>
-                          </a:solidFill>
-                          <a:latin typeface="Cambria Math" panose="02040503050406030204" pitchFamily="18" charset="0"/>
-                        </a:rPr>
-                        <m:t>10</m:t>
-                      </m:r>
-                    </m:e>
-                    <m:sup>
-                      <m:r>
-                        <a:rPr xmlns:a="http://schemas.openxmlformats.org/drawingml/2006/main" sz="4100" i="1">
-                          <a:solidFill>
-                            <a:srgbClr val="51A7F9"/>
-                          </a:solidFill>
-                          <a:latin typeface="Cambria Math" panose="02040503050406030204" pitchFamily="18" charset="0"/>
-                        </a:rPr>
-                        <m:t>13</m:t>
-                      </m:r>
-                    </m:sup>
-                  </m:sSup>
-                  <m:sSup>
-                    <m:e>
-                      <m:r>
-                        <m:rPr>
-                          <m:nor/>
-                        </m:rPr>
-                        <a:rPr xmlns:a="http://schemas.openxmlformats.org/drawingml/2006/main" sz="4100" i="1">
-                          <a:solidFill>
-                            <a:srgbClr val="51A7F9"/>
-                          </a:solidFill>
-                          <a:latin typeface="Cambria Math" panose="02040503050406030204" pitchFamily="18" charset="0"/>
-                        </a:rPr>
-                        <m:t>s</m:t>
-                      </m:r>
-                    </m:e>
-                    <m:sup>
-                      <m:r>
-                        <a:rPr xmlns:a="http://schemas.openxmlformats.org/drawingml/2006/main" sz="4100" i="1">
-                          <a:solidFill>
-                            <a:srgbClr val="51A7F9"/>
-                          </a:solidFill>
-                          <a:latin typeface="Cambria Math" panose="02040503050406030204" pitchFamily="18" charset="0"/>
-                        </a:rPr>
-                        <m:t>-</m:t>
-                      </m:r>
-                      <m:r>
-                        <a:rPr xmlns:a="http://schemas.openxmlformats.org/drawingml/2006/main" sz="4100" i="1">
-                          <a:solidFill>
-                            <a:srgbClr val="51A7F9"/>
-                          </a:solidFill>
-                          <a:latin typeface="Cambria Math" panose="02040503050406030204" pitchFamily="18" charset="0"/>
-                        </a:rPr>
-                        <m:t>1</m:t>
-                      </m:r>
-                    </m:sup>
-                  </m:sSup>
-                </m:oMath>
-              </m:oMathPara>
-            </a14:m>
-          </a:p>
-          <a:p>
-            <a:pPr lvl="1" marL="711446" indent="-413631" defTabSz="550425">
-              <a:spcBef>
-                <a:spcPts val="3900"/>
-              </a:spcBef>
-              <a:defRPr sz="3350">
-                <a:solidFill>
-                  <a:schemeClr val="accent1">
-                    <a:satOff val="-3355"/>
-                    <a:lumOff val="26614"/>
-                  </a:schemeClr>
-                </a:solidFill>
-              </a:defRPr>
-            </a:pPr>
-            <a14:m>
-              <m:oMath>
-                <m:r>
-                  <a:rPr xmlns:a="http://schemas.openxmlformats.org/drawingml/2006/main" sz="4100" i="1">
-                    <a:solidFill>
-                      <a:srgbClr val="51A7F9"/>
-                    </a:solidFill>
-                    <a:latin typeface="Cambria Math" panose="02040503050406030204" pitchFamily="18" charset="0"/>
-                  </a:rPr>
-                  <m:t>μ</m:t>
-                </m:r>
-                <m:r>
-                  <a:rPr xmlns:a="http://schemas.openxmlformats.org/drawingml/2006/main" sz="4100" i="1">
-                    <a:solidFill>
-                      <a:srgbClr val="51A7F9"/>
-                    </a:solidFill>
-                    <a:latin typeface="Cambria Math" panose="02040503050406030204" pitchFamily="18" charset="0"/>
-                  </a:rPr>
-                  <m:t>=</m:t>
-                </m:r>
-                <m:f>
-                  <m:fPr>
-                    <m:ctrlPr>
-                      <a:rPr xmlns:a="http://schemas.openxmlformats.org/drawingml/2006/main" sz="4100" i="1">
-                        <a:solidFill>
-                          <a:srgbClr val="51A7F9"/>
-                        </a:solidFill>
-                        <a:latin typeface="Cambria Math" panose="02040503050406030204" pitchFamily="18" charset="0"/>
-                      </a:rPr>
-                    </m:ctrlPr>
-                    <m:type m:val="bar"/>
-                  </m:fPr>
-                  <m:num>
-                    <m:r>
-                      <a:rPr xmlns:a="http://schemas.openxmlformats.org/drawingml/2006/main" sz="4100" i="1">
-                        <a:solidFill>
-                          <a:srgbClr val="51A7F9"/>
-                        </a:solidFill>
-                        <a:latin typeface="Cambria Math" panose="02040503050406030204" pitchFamily="18" charset="0"/>
-                      </a:rPr>
-                      <m:t>(</m:t>
-                    </m:r>
-                    <m:r>
-                      <a:rPr xmlns:a="http://schemas.openxmlformats.org/drawingml/2006/main" sz="4100" i="1">
-                        <a:solidFill>
-                          <a:srgbClr val="51A7F9"/>
-                        </a:solidFill>
-                        <a:latin typeface="Cambria Math" panose="02040503050406030204" pitchFamily="18" charset="0"/>
-                      </a:rPr>
-                      <m:t>2</m:t>
-                    </m:r>
-                    <m:r>
-                      <a:rPr xmlns:a="http://schemas.openxmlformats.org/drawingml/2006/main" sz="4100" i="1">
-                        <a:solidFill>
-                          <a:srgbClr val="51A7F9"/>
-                        </a:solidFill>
-                        <a:latin typeface="Cambria Math" panose="02040503050406030204" pitchFamily="18" charset="0"/>
-                      </a:rPr>
-                      <m:t>π</m:t>
-                    </m:r>
-                    <m:sSup>
-                      <m:e>
-                        <m:r>
-                          <a:rPr xmlns:a="http://schemas.openxmlformats.org/drawingml/2006/main" sz="4100" i="1">
-                            <a:solidFill>
-                              <a:srgbClr val="51A7F9"/>
-                            </a:solidFill>
-                            <a:latin typeface="Cambria Math" panose="02040503050406030204" pitchFamily="18" charset="0"/>
-                          </a:rPr>
-                          <m:t>)</m:t>
-                        </m:r>
-                      </m:e>
-                      <m:sup>
-                        <m:r>
-                          <a:rPr xmlns:a="http://schemas.openxmlformats.org/drawingml/2006/main" sz="4100" i="1">
-                            <a:solidFill>
-                              <a:srgbClr val="51A7F9"/>
-                            </a:solidFill>
-                            <a:latin typeface="Cambria Math" panose="02040503050406030204" pitchFamily="18" charset="0"/>
-                          </a:rPr>
-                          <m:t>2</m:t>
-                        </m:r>
-                      </m:sup>
-                    </m:sSup>
-                    <m:r>
-                      <a:rPr xmlns:a="http://schemas.openxmlformats.org/drawingml/2006/main" sz="4100" i="1">
-                        <a:solidFill>
-                          <a:srgbClr val="51A7F9"/>
-                        </a:solidFill>
-                        <a:latin typeface="Cambria Math" panose="02040503050406030204" pitchFamily="18" charset="0"/>
-                      </a:rPr>
-                      <m:t>k</m:t>
-                    </m:r>
-                  </m:num>
-                  <m:den>
-                    <m:sSubSup>
-                      <m:e>
-                        <m:r>
-                          <a:rPr xmlns:a="http://schemas.openxmlformats.org/drawingml/2006/main" sz="4100" i="1">
-                            <a:solidFill>
-                              <a:srgbClr val="51A7F9"/>
-                            </a:solidFill>
-                            <a:latin typeface="Cambria Math" panose="02040503050406030204" pitchFamily="18" charset="0"/>
-                          </a:rPr>
-                          <m:t>ν</m:t>
-                        </m:r>
-                      </m:e>
-                      <m:sub>
-                        <m:r>
-                          <a:rPr xmlns:a="http://schemas.openxmlformats.org/drawingml/2006/main" sz="4100" i="1">
-                            <a:solidFill>
-                              <a:srgbClr val="51A7F9"/>
-                            </a:solidFill>
-                            <a:latin typeface="Cambria Math" panose="02040503050406030204" pitchFamily="18" charset="0"/>
-                          </a:rPr>
-                          <m:t>m</m:t>
-                        </m:r>
-                      </m:sub>
-                      <m:sup>
-                        <m:r>
-                          <a:rPr xmlns:a="http://schemas.openxmlformats.org/drawingml/2006/main" sz="4100" i="1">
-                            <a:solidFill>
-                              <a:srgbClr val="51A7F9"/>
-                            </a:solidFill>
-                            <a:latin typeface="Cambria Math" panose="02040503050406030204" pitchFamily="18" charset="0"/>
-                          </a:rPr>
-                          <m:t>2</m:t>
-                        </m:r>
-                      </m:sup>
-                    </m:sSubSup>
-                  </m:den>
-                </m:f>
-                <m:r>
-                  <a:rPr xmlns:a="http://schemas.openxmlformats.org/drawingml/2006/main" sz="4100" i="1">
-                    <a:solidFill>
-                      <a:srgbClr val="51A7F9"/>
-                    </a:solidFill>
-                    <a:latin typeface="Cambria Math" panose="02040503050406030204" pitchFamily="18" charset="0"/>
-                  </a:rPr>
-                  <m:t>=</m:t>
-                </m:r>
-                <m:f>
-                  <m:fPr>
-                    <m:ctrlPr>
-                      <a:rPr xmlns:a="http://schemas.openxmlformats.org/drawingml/2006/main" sz="4100" i="1">
-                        <a:solidFill>
-                          <a:srgbClr val="51A7F9"/>
-                        </a:solidFill>
-                        <a:latin typeface="Cambria Math" panose="02040503050406030204" pitchFamily="18" charset="0"/>
-                      </a:rPr>
-                    </m:ctrlPr>
-                    <m:type m:val="bar"/>
-                  </m:fPr>
-                  <m:num>
-                    <m:r>
-                      <a:rPr xmlns:a="http://schemas.openxmlformats.org/drawingml/2006/main" sz="4100" i="1">
-                        <a:solidFill>
-                          <a:srgbClr val="51A7F9"/>
-                        </a:solidFill>
-                        <a:latin typeface="Cambria Math" panose="02040503050406030204" pitchFamily="18" charset="0"/>
-                      </a:rPr>
-                      <m:t>(</m:t>
-                    </m:r>
-                    <m:r>
-                      <a:rPr xmlns:a="http://schemas.openxmlformats.org/drawingml/2006/main" sz="4100" i="1">
-                        <a:solidFill>
-                          <a:srgbClr val="51A7F9"/>
-                        </a:solidFill>
-                        <a:latin typeface="Cambria Math" panose="02040503050406030204" pitchFamily="18" charset="0"/>
-                      </a:rPr>
-                      <m:t>2</m:t>
-                    </m:r>
-                    <m:r>
-                      <a:rPr xmlns:a="http://schemas.openxmlformats.org/drawingml/2006/main" sz="4100" i="1">
-                        <a:solidFill>
-                          <a:srgbClr val="51A7F9"/>
-                        </a:solidFill>
-                        <a:latin typeface="Cambria Math" panose="02040503050406030204" pitchFamily="18" charset="0"/>
-                      </a:rPr>
-                      <m:t>π</m:t>
-                    </m:r>
-                    <m:sSup>
-                      <m:e>
-                        <m:r>
-                          <a:rPr xmlns:a="http://schemas.openxmlformats.org/drawingml/2006/main" sz="4100" i="1">
-                            <a:solidFill>
-                              <a:srgbClr val="51A7F9"/>
-                            </a:solidFill>
-                            <a:latin typeface="Cambria Math" panose="02040503050406030204" pitchFamily="18" charset="0"/>
-                          </a:rPr>
-                          <m:t>)</m:t>
-                        </m:r>
-                      </m:e>
-                      <m:sup>
-                        <m:r>
-                          <a:rPr xmlns:a="http://schemas.openxmlformats.org/drawingml/2006/main" sz="4100" i="1">
-                            <a:solidFill>
-                              <a:srgbClr val="51A7F9"/>
-                            </a:solidFill>
-                            <a:latin typeface="Cambria Math" panose="02040503050406030204" pitchFamily="18" charset="0"/>
-                          </a:rPr>
-                          <m:t>2</m:t>
-                        </m:r>
-                      </m:sup>
-                    </m:sSup>
-                    <m:r>
-                      <a:rPr xmlns:a="http://schemas.openxmlformats.org/drawingml/2006/main" sz="4100" i="1">
-                        <a:solidFill>
-                          <a:srgbClr val="51A7F9"/>
-                        </a:solidFill>
-                        <a:latin typeface="Cambria Math" panose="02040503050406030204" pitchFamily="18" charset="0"/>
-                      </a:rPr>
-                      <m:t>(</m:t>
-                    </m:r>
-                    <m:r>
-                      <a:rPr xmlns:a="http://schemas.openxmlformats.org/drawingml/2006/main" sz="4100" i="1">
-                        <a:solidFill>
-                          <a:srgbClr val="51A7F9"/>
-                        </a:solidFill>
-                        <a:latin typeface="Cambria Math" panose="02040503050406030204" pitchFamily="18" charset="0"/>
-                      </a:rPr>
-                      <m:t>1607</m:t>
-                    </m:r>
-                    <m:sSup>
-                      <m:e>
-                        <m:r>
-                          <m:rPr>
-                            <m:nor/>
-                          </m:rPr>
-                          <a:rPr xmlns:a="http://schemas.openxmlformats.org/drawingml/2006/main" sz="4100" i="1">
-                            <a:solidFill>
-                              <a:srgbClr val="51A7F9"/>
-                            </a:solidFill>
-                            <a:latin typeface="Cambria Math" panose="02040503050406030204" pitchFamily="18" charset="0"/>
-                          </a:rPr>
-                          <m:t>N m</m:t>
-                        </m:r>
-                      </m:e>
-                      <m:sup>
-                        <m:r>
-                          <a:rPr xmlns:a="http://schemas.openxmlformats.org/drawingml/2006/main" sz="4100" i="1">
-                            <a:solidFill>
-                              <a:srgbClr val="51A7F9"/>
-                            </a:solidFill>
-                            <a:latin typeface="Cambria Math" panose="02040503050406030204" pitchFamily="18" charset="0"/>
-                          </a:rPr>
-                          <m:t>-</m:t>
-                        </m:r>
-                        <m:r>
-                          <a:rPr xmlns:a="http://schemas.openxmlformats.org/drawingml/2006/main" sz="4100" i="1">
-                            <a:solidFill>
-                              <a:srgbClr val="51A7F9"/>
-                            </a:solidFill>
-                            <a:latin typeface="Cambria Math" panose="02040503050406030204" pitchFamily="18" charset="0"/>
-                          </a:rPr>
-                          <m:t>1</m:t>
-                        </m:r>
-                      </m:sup>
-                    </m:sSup>
-                    <m:r>
-                      <a:rPr xmlns:a="http://schemas.openxmlformats.org/drawingml/2006/main" sz="4100" i="1">
-                        <a:solidFill>
-                          <a:srgbClr val="51A7F9"/>
-                        </a:solidFill>
-                        <a:latin typeface="Cambria Math" panose="02040503050406030204" pitchFamily="18" charset="0"/>
-                      </a:rPr>
-                      <m:t>)</m:t>
-                    </m:r>
-                  </m:num>
-                  <m:den>
-                    <m:r>
-                      <a:rPr xmlns:a="http://schemas.openxmlformats.org/drawingml/2006/main" sz="4100" i="1">
-                        <a:solidFill>
-                          <a:srgbClr val="51A7F9"/>
-                        </a:solidFill>
-                        <a:latin typeface="Cambria Math" panose="02040503050406030204" pitchFamily="18" charset="0"/>
-                      </a:rPr>
-                      <m:t>(</m:t>
-                    </m:r>
-                    <m:r>
-                      <a:rPr xmlns:a="http://schemas.openxmlformats.org/drawingml/2006/main" sz="4100" i="1">
-                        <a:solidFill>
-                          <a:srgbClr val="51A7F9"/>
-                        </a:solidFill>
-                        <a:latin typeface="Cambria Math" panose="02040503050406030204" pitchFamily="18" charset="0"/>
-                      </a:rPr>
-                      <m:t>5.706</m:t>
-                    </m:r>
-                    <m:r>
-                      <a:rPr xmlns:a="http://schemas.openxmlformats.org/drawingml/2006/main" sz="4100" i="1">
-                        <a:solidFill>
-                          <a:srgbClr val="51A7F9"/>
-                        </a:solidFill>
-                        <a:latin typeface="Cambria Math" panose="02040503050406030204" pitchFamily="18" charset="0"/>
-                      </a:rPr>
-                      <m:t>×</m:t>
-                    </m:r>
-                    <m:sSup>
-                      <m:e>
-                        <m:r>
-                          <a:rPr xmlns:a="http://schemas.openxmlformats.org/drawingml/2006/main" sz="4100" i="1">
-                            <a:solidFill>
-                              <a:srgbClr val="51A7F9"/>
-                            </a:solidFill>
-                            <a:latin typeface="Cambria Math" panose="02040503050406030204" pitchFamily="18" charset="0"/>
-                          </a:rPr>
-                          <m:t>10</m:t>
-                        </m:r>
-                      </m:e>
-                      <m:sup>
-                        <m:r>
-                          <a:rPr xmlns:a="http://schemas.openxmlformats.org/drawingml/2006/main" sz="4100" i="1">
-                            <a:solidFill>
-                              <a:srgbClr val="51A7F9"/>
-                            </a:solidFill>
-                            <a:latin typeface="Cambria Math" panose="02040503050406030204" pitchFamily="18" charset="0"/>
-                          </a:rPr>
-                          <m:t>13</m:t>
-                        </m:r>
-                      </m:sup>
-                    </m:sSup>
-                    <m:sSup>
-                      <m:e>
-                        <m:r>
-                          <m:rPr>
-                            <m:nor/>
-                          </m:rPr>
-                          <a:rPr xmlns:a="http://schemas.openxmlformats.org/drawingml/2006/main" sz="4100" i="1">
-                            <a:solidFill>
-                              <a:srgbClr val="51A7F9"/>
-                            </a:solidFill>
-                            <a:latin typeface="Cambria Math" panose="02040503050406030204" pitchFamily="18" charset="0"/>
-                          </a:rPr>
-                          <m:t>s</m:t>
-                        </m:r>
-                      </m:e>
-                      <m:sup>
-                        <m:r>
-                          <a:rPr xmlns:a="http://schemas.openxmlformats.org/drawingml/2006/main" sz="4100" i="1">
-                            <a:solidFill>
-                              <a:srgbClr val="51A7F9"/>
-                            </a:solidFill>
-                            <a:latin typeface="Cambria Math" panose="02040503050406030204" pitchFamily="18" charset="0"/>
-                          </a:rPr>
-                          <m:t>-</m:t>
-                        </m:r>
-                        <m:r>
-                          <a:rPr xmlns:a="http://schemas.openxmlformats.org/drawingml/2006/main" sz="4100" i="1">
-                            <a:solidFill>
-                              <a:srgbClr val="51A7F9"/>
-                            </a:solidFill>
-                            <a:latin typeface="Cambria Math" panose="02040503050406030204" pitchFamily="18" charset="0"/>
-                          </a:rPr>
-                          <m:t>1</m:t>
-                        </m:r>
-                      </m:sup>
-                    </m:sSup>
-                    <m:sSup>
-                      <m:e>
-                        <m:r>
-                          <a:rPr xmlns:a="http://schemas.openxmlformats.org/drawingml/2006/main" sz="4100" i="1">
-                            <a:solidFill>
-                              <a:srgbClr val="51A7F9"/>
-                            </a:solidFill>
-                            <a:latin typeface="Cambria Math" panose="02040503050406030204" pitchFamily="18" charset="0"/>
-                          </a:rPr>
-                          <m:t>)</m:t>
-                        </m:r>
-                      </m:e>
-                      <m:sup>
-                        <m:r>
-                          <a:rPr xmlns:a="http://schemas.openxmlformats.org/drawingml/2006/main" sz="4100" i="1">
-                            <a:solidFill>
-                              <a:srgbClr val="51A7F9"/>
-                            </a:solidFill>
-                            <a:latin typeface="Cambria Math" panose="02040503050406030204" pitchFamily="18" charset="0"/>
-                          </a:rPr>
-                          <m:t>2</m:t>
-                        </m:r>
-                      </m:sup>
-                    </m:sSup>
-                  </m:den>
-                </m:f>
-                <m:r>
-                  <a:rPr xmlns:a="http://schemas.openxmlformats.org/drawingml/2006/main" sz="4100" i="1">
-                    <a:solidFill>
-                      <a:srgbClr val="51A7F9"/>
-                    </a:solidFill>
-                    <a:latin typeface="Cambria Math" panose="02040503050406030204" pitchFamily="18" charset="0"/>
-                  </a:rPr>
-                  <m:t>=</m:t>
-                </m:r>
-                <m:r>
-                  <a:rPr xmlns:a="http://schemas.openxmlformats.org/drawingml/2006/main" sz="4100" i="1">
-                    <a:solidFill>
-                      <a:srgbClr val="51A7F9"/>
-                    </a:solidFill>
-                    <a:latin typeface="Cambria Math" panose="02040503050406030204" pitchFamily="18" charset="0"/>
-                  </a:rPr>
-                  <m:t>1.250</m:t>
-                </m:r>
-                <m:r>
-                  <a:rPr xmlns:a="http://schemas.openxmlformats.org/drawingml/2006/main" sz="4100" i="1">
-                    <a:solidFill>
-                      <a:srgbClr val="51A7F9"/>
-                    </a:solidFill>
-                    <a:latin typeface="Cambria Math" panose="02040503050406030204" pitchFamily="18" charset="0"/>
-                  </a:rPr>
-                  <m:t>×</m:t>
-                </m:r>
-                <m:sSup>
-                  <m:e>
-                    <m:r>
-                      <a:rPr xmlns:a="http://schemas.openxmlformats.org/drawingml/2006/main" sz="4100" i="1">
-                        <a:solidFill>
-                          <a:srgbClr val="51A7F9"/>
-                        </a:solidFill>
-                        <a:latin typeface="Cambria Math" panose="02040503050406030204" pitchFamily="18" charset="0"/>
-                      </a:rPr>
-                      <m:t>10</m:t>
-                    </m:r>
-                  </m:e>
-                  <m:sup>
-                    <m:r>
-                      <a:rPr xmlns:a="http://schemas.openxmlformats.org/drawingml/2006/main" sz="4100" i="1">
-                        <a:solidFill>
-                          <a:srgbClr val="51A7F9"/>
-                        </a:solidFill>
-                        <a:latin typeface="Cambria Math" panose="02040503050406030204" pitchFamily="18" charset="0"/>
-                      </a:rPr>
-                      <m:t>-</m:t>
-                    </m:r>
-                    <m:r>
-                      <a:rPr xmlns:a="http://schemas.openxmlformats.org/drawingml/2006/main" sz="4100" i="1">
-                        <a:solidFill>
-                          <a:srgbClr val="51A7F9"/>
-                        </a:solidFill>
-                        <a:latin typeface="Cambria Math" panose="02040503050406030204" pitchFamily="18" charset="0"/>
-                      </a:rPr>
-                      <m:t>26</m:t>
-                    </m:r>
-                  </m:sup>
-                </m:sSup>
-                <m:r>
-                  <m:rPr>
-                    <m:nor/>
-                  </m:rPr>
-                  <a:rPr xmlns:a="http://schemas.openxmlformats.org/drawingml/2006/main" sz="4100" i="1">
-                    <a:solidFill>
-                      <a:srgbClr val="51A7F9"/>
-                    </a:solidFill>
-                    <a:latin typeface="Cambria Math" panose="02040503050406030204" pitchFamily="18" charset="0"/>
-                  </a:rPr>
-                  <m:t>kg</m:t>
-                </m:r>
-              </m:oMath>
-            </a14:m>
-            <a:r>
-              <a:t> for a single molecule</a:t>
-            </a:r>
-          </a:p>
-          <a:p>
-            <a:pPr lvl="1" marL="711446" indent="-413631" defTabSz="550425">
-              <a:spcBef>
-                <a:spcPts val="3900"/>
-              </a:spcBef>
-              <a:defRPr sz="3350">
-                <a:solidFill>
-                  <a:schemeClr val="accent1">
-                    <a:satOff val="-3355"/>
-                    <a:lumOff val="26614"/>
-                  </a:schemeClr>
-                </a:solidFill>
-              </a:defRPr>
-            </a:pPr>
-            <a14:m>
-              <m:oMath>
-                <m:r>
-                  <a:rPr xmlns:a="http://schemas.openxmlformats.org/drawingml/2006/main" sz="4100" i="1">
-                    <a:solidFill>
-                      <a:srgbClr val="51A7F9"/>
-                    </a:solidFill>
-                    <a:latin typeface="Cambria Math" panose="02040503050406030204" pitchFamily="18" charset="0"/>
-                  </a:rPr>
-                  <m:t>μ</m:t>
-                </m:r>
-                <m:r>
-                  <a:rPr xmlns:a="http://schemas.openxmlformats.org/drawingml/2006/main" sz="4100" i="1">
-                    <a:solidFill>
-                      <a:srgbClr val="51A7F9"/>
-                    </a:solidFill>
-                    <a:latin typeface="Cambria Math" panose="02040503050406030204" pitchFamily="18" charset="0"/>
-                  </a:rPr>
-                  <m:t>=</m:t>
-                </m:r>
-                <m:r>
-                  <a:rPr xmlns:a="http://schemas.openxmlformats.org/drawingml/2006/main" sz="4100" i="1">
-                    <a:solidFill>
-                      <a:srgbClr val="51A7F9"/>
-                    </a:solidFill>
-                    <a:latin typeface="Cambria Math" panose="02040503050406030204" pitchFamily="18" charset="0"/>
-                  </a:rPr>
-                  <m:t>(</m:t>
-                </m:r>
-                <m:r>
-                  <a:rPr xmlns:a="http://schemas.openxmlformats.org/drawingml/2006/main" sz="4100" i="1">
-                    <a:solidFill>
-                      <a:srgbClr val="51A7F9"/>
-                    </a:solidFill>
-                    <a:latin typeface="Cambria Math" panose="02040503050406030204" pitchFamily="18" charset="0"/>
-                  </a:rPr>
-                  <m:t>1.250</m:t>
-                </m:r>
-                <m:r>
-                  <a:rPr xmlns:a="http://schemas.openxmlformats.org/drawingml/2006/main" sz="4100" i="1">
-                    <a:solidFill>
-                      <a:srgbClr val="51A7F9"/>
-                    </a:solidFill>
-                    <a:latin typeface="Cambria Math" panose="02040503050406030204" pitchFamily="18" charset="0"/>
-                  </a:rPr>
-                  <m:t>×</m:t>
-                </m:r>
-                <m:sSup>
-                  <m:e>
-                    <m:r>
-                      <a:rPr xmlns:a="http://schemas.openxmlformats.org/drawingml/2006/main" sz="4100" i="1">
-                        <a:solidFill>
-                          <a:srgbClr val="51A7F9"/>
-                        </a:solidFill>
-                        <a:latin typeface="Cambria Math" panose="02040503050406030204" pitchFamily="18" charset="0"/>
-                      </a:rPr>
-                      <m:t>10</m:t>
-                    </m:r>
-                  </m:e>
-                  <m:sup>
-                    <m:r>
-                      <a:rPr xmlns:a="http://schemas.openxmlformats.org/drawingml/2006/main" sz="4100" i="1">
-                        <a:solidFill>
-                          <a:srgbClr val="51A7F9"/>
-                        </a:solidFill>
-                        <a:latin typeface="Cambria Math" panose="02040503050406030204" pitchFamily="18" charset="0"/>
-                      </a:rPr>
-                      <m:t>-</m:t>
-                    </m:r>
-                    <m:r>
-                      <a:rPr xmlns:a="http://schemas.openxmlformats.org/drawingml/2006/main" sz="4100" i="1">
-                        <a:solidFill>
-                          <a:srgbClr val="51A7F9"/>
-                        </a:solidFill>
-                        <a:latin typeface="Cambria Math" panose="02040503050406030204" pitchFamily="18" charset="0"/>
-                      </a:rPr>
-                      <m:t>23</m:t>
-                    </m:r>
-                  </m:sup>
-                </m:sSup>
-                <m:r>
-                  <m:rPr>
-                    <m:nor/>
-                  </m:rPr>
-                  <a:rPr xmlns:a="http://schemas.openxmlformats.org/drawingml/2006/main" sz="4100" i="1">
-                    <a:solidFill>
-                      <a:srgbClr val="51A7F9"/>
-                    </a:solidFill>
-                    <a:latin typeface="Cambria Math" panose="02040503050406030204" pitchFamily="18" charset="0"/>
-                  </a:rPr>
-                  <m:t>g</m:t>
-                </m:r>
-                <m:r>
-                  <a:rPr xmlns:a="http://schemas.openxmlformats.org/drawingml/2006/main" sz="4100" i="1">
-                    <a:solidFill>
-                      <a:srgbClr val="51A7F9"/>
-                    </a:solidFill>
-                    <a:latin typeface="Cambria Math" panose="02040503050406030204" pitchFamily="18" charset="0"/>
-                  </a:rPr>
-                  <m:t>)</m:t>
-                </m:r>
-                <m:r>
-                  <a:rPr xmlns:a="http://schemas.openxmlformats.org/drawingml/2006/main" sz="4100" i="1">
-                    <a:solidFill>
-                      <a:srgbClr val="51A7F9"/>
-                    </a:solidFill>
-                    <a:latin typeface="Cambria Math" panose="02040503050406030204" pitchFamily="18" charset="0"/>
-                  </a:rPr>
-                  <m:t>(</m:t>
-                </m:r>
-                <m:r>
-                  <a:rPr xmlns:a="http://schemas.openxmlformats.org/drawingml/2006/main" sz="4100" i="1">
-                    <a:solidFill>
-                      <a:srgbClr val="51A7F9"/>
-                    </a:solidFill>
-                    <a:latin typeface="Cambria Math" panose="02040503050406030204" pitchFamily="18" charset="0"/>
-                  </a:rPr>
-                  <m:t>6.022</m:t>
-                </m:r>
-                <m:r>
-                  <a:rPr xmlns:a="http://schemas.openxmlformats.org/drawingml/2006/main" sz="4100" i="1">
-                    <a:solidFill>
-                      <a:srgbClr val="51A7F9"/>
-                    </a:solidFill>
-                    <a:latin typeface="Cambria Math" panose="02040503050406030204" pitchFamily="18" charset="0"/>
-                  </a:rPr>
-                  <m:t>×</m:t>
-                </m:r>
-                <m:sSup>
-                  <m:e>
-                    <m:r>
-                      <a:rPr xmlns:a="http://schemas.openxmlformats.org/drawingml/2006/main" sz="4100" i="1">
-                        <a:solidFill>
-                          <a:srgbClr val="51A7F9"/>
-                        </a:solidFill>
-                        <a:latin typeface="Cambria Math" panose="02040503050406030204" pitchFamily="18" charset="0"/>
-                      </a:rPr>
-                      <m:t>10</m:t>
-                    </m:r>
-                  </m:e>
-                  <m:sup>
-                    <m:r>
-                      <a:rPr xmlns:a="http://schemas.openxmlformats.org/drawingml/2006/main" sz="4100" i="1">
-                        <a:solidFill>
-                          <a:srgbClr val="51A7F9"/>
-                        </a:solidFill>
-                        <a:latin typeface="Cambria Math" panose="02040503050406030204" pitchFamily="18" charset="0"/>
-                      </a:rPr>
-                      <m:t>23</m:t>
-                    </m:r>
-                  </m:sup>
-                </m:sSup>
-                <m:sSup>
-                  <m:e>
-                    <m:r>
-                      <m:rPr>
-                        <m:nor/>
-                      </m:rPr>
-                      <a:rPr xmlns:a="http://schemas.openxmlformats.org/drawingml/2006/main" sz="4100" i="1">
-                        <a:solidFill>
-                          <a:srgbClr val="51A7F9"/>
-                        </a:solidFill>
-                        <a:latin typeface="Cambria Math" panose="02040503050406030204" pitchFamily="18" charset="0"/>
-                      </a:rPr>
-                      <m:t>mol</m:t>
-                    </m:r>
-                  </m:e>
-                  <m:sup>
-                    <m:r>
-                      <a:rPr xmlns:a="http://schemas.openxmlformats.org/drawingml/2006/main" sz="4100" i="1">
-                        <a:solidFill>
-                          <a:srgbClr val="51A7F9"/>
-                        </a:solidFill>
-                        <a:latin typeface="Cambria Math" panose="02040503050406030204" pitchFamily="18" charset="0"/>
-                      </a:rPr>
-                      <m:t>-</m:t>
-                    </m:r>
-                    <m:r>
-                      <a:rPr xmlns:a="http://schemas.openxmlformats.org/drawingml/2006/main" sz="4100" i="1">
-                        <a:solidFill>
-                          <a:srgbClr val="51A7F9"/>
-                        </a:solidFill>
-                        <a:latin typeface="Cambria Math" panose="02040503050406030204" pitchFamily="18" charset="0"/>
-                      </a:rPr>
-                      <m:t>1</m:t>
-                    </m:r>
-                  </m:sup>
-                </m:sSup>
-                <m:r>
-                  <a:rPr xmlns:a="http://schemas.openxmlformats.org/drawingml/2006/main" sz="4100" i="1">
-                    <a:solidFill>
-                      <a:srgbClr val="51A7F9"/>
-                    </a:solidFill>
-                    <a:latin typeface="Cambria Math" panose="02040503050406030204" pitchFamily="18" charset="0"/>
-                  </a:rPr>
-                  <m:t>)</m:t>
-                </m:r>
-                <m:r>
-                  <a:rPr xmlns:a="http://schemas.openxmlformats.org/drawingml/2006/main" sz="4100" i="1">
-                    <a:solidFill>
-                      <a:srgbClr val="51A7F9"/>
-                    </a:solidFill>
-                    <a:latin typeface="Cambria Math" panose="02040503050406030204" pitchFamily="18" charset="0"/>
-                  </a:rPr>
-                  <m:t>=</m:t>
-                </m:r>
-                <m:r>
-                  <a:rPr xmlns:a="http://schemas.openxmlformats.org/drawingml/2006/main" sz="4100" i="1">
-                    <a:solidFill>
-                      <a:srgbClr val="51A7F9"/>
-                    </a:solidFill>
-                    <a:latin typeface="Cambria Math" panose="02040503050406030204" pitchFamily="18" charset="0"/>
-                  </a:rPr>
-                  <m:t>7.528</m:t>
-                </m:r>
-                <m:sSup>
-                  <m:e>
-                    <m:r>
-                      <m:rPr>
-                        <m:nor/>
-                      </m:rPr>
-                      <a:rPr xmlns:a="http://schemas.openxmlformats.org/drawingml/2006/main" sz="4100" i="1">
-                        <a:solidFill>
-                          <a:srgbClr val="51A7F9"/>
-                        </a:solidFill>
-                        <a:latin typeface="Cambria Math" panose="02040503050406030204" pitchFamily="18" charset="0"/>
-                      </a:rPr>
-                      <m:t>g mol</m:t>
-                    </m:r>
-                  </m:e>
-                  <m:sup>
-                    <m:r>
-                      <a:rPr xmlns:a="http://schemas.openxmlformats.org/drawingml/2006/main" sz="4100" i="1">
-                        <a:solidFill>
-                          <a:srgbClr val="51A7F9"/>
-                        </a:solidFill>
-                        <a:latin typeface="Cambria Math" panose="02040503050406030204" pitchFamily="18" charset="0"/>
-                      </a:rPr>
-                      <m:t>-</m:t>
-                    </m:r>
-                    <m:r>
-                      <a:rPr xmlns:a="http://schemas.openxmlformats.org/drawingml/2006/main" sz="4100" i="1">
-                        <a:solidFill>
-                          <a:srgbClr val="51A7F9"/>
-                        </a:solidFill>
-                        <a:latin typeface="Cambria Math" panose="02040503050406030204" pitchFamily="18" charset="0"/>
-                      </a:rPr>
-                      <m:t>1</m:t>
-                    </m:r>
-                  </m:sup>
-                </m:sSup>
-              </m:oMath>
-            </a14:m>
-            <a:r>
-              <a:t> for a mol of particles</a:t>
-            </a:r>
-          </a:p>
-          <a:p>
-            <a:pPr lvl="1" marL="711446" indent="-413631" defTabSz="550425">
-              <a:spcBef>
-                <a:spcPts val="3900"/>
-              </a:spcBef>
-              <a:defRPr sz="3350">
-                <a:solidFill>
-                  <a:schemeClr val="accent1">
-                    <a:satOff val="-3355"/>
-                    <a:lumOff val="26614"/>
-                  </a:schemeClr>
-                </a:solidFill>
-              </a:defRPr>
-            </a:pPr>
-            <a:r>
-              <a:t>For NO, </a:t>
-            </a:r>
-            <a14:m>
-              <m:oMath>
-                <m:f>
-                  <m:fPr>
-                    <m:ctrlPr>
-                      <a:rPr xmlns:a="http://schemas.openxmlformats.org/drawingml/2006/main" sz="4100" i="1">
-                        <a:solidFill>
-                          <a:srgbClr val="51A7F9"/>
-                        </a:solidFill>
-                        <a:latin typeface="Cambria Math" panose="02040503050406030204" pitchFamily="18" charset="0"/>
-                      </a:rPr>
-                    </m:ctrlPr>
-                    <m:type m:val="bar"/>
-                  </m:fPr>
-                  <m:num>
-                    <m:sSub>
-                      <m:e>
-                        <m:r>
-                          <a:rPr xmlns:a="http://schemas.openxmlformats.org/drawingml/2006/main" sz="4100" i="1">
-                            <a:solidFill>
-                              <a:srgbClr val="51A7F9"/>
-                            </a:solidFill>
-                            <a:latin typeface="Cambria Math" panose="02040503050406030204" pitchFamily="18" charset="0"/>
-                          </a:rPr>
-                          <m:t>m</m:t>
-                        </m:r>
-                      </m:e>
-                      <m:sub>
-                        <m:r>
-                          <a:rPr xmlns:a="http://schemas.openxmlformats.org/drawingml/2006/main" sz="4100" i="1">
-                            <a:solidFill>
-                              <a:srgbClr val="51A7F9"/>
-                            </a:solidFill>
-                            <a:latin typeface="Cambria Math" panose="02040503050406030204" pitchFamily="18" charset="0"/>
-                          </a:rPr>
-                          <m:t>1</m:t>
-                        </m:r>
-                      </m:sub>
-                    </m:sSub>
-                    <m:sSub>
-                      <m:e>
-                        <m:r>
-                          <a:rPr xmlns:a="http://schemas.openxmlformats.org/drawingml/2006/main" sz="4100" i="1">
-                            <a:solidFill>
-                              <a:srgbClr val="51A7F9"/>
-                            </a:solidFill>
-                            <a:latin typeface="Cambria Math" panose="02040503050406030204" pitchFamily="18" charset="0"/>
-                          </a:rPr>
-                          <m:t>m</m:t>
-                        </m:r>
-                      </m:e>
-                      <m:sub>
-                        <m:r>
-                          <a:rPr xmlns:a="http://schemas.openxmlformats.org/drawingml/2006/main" sz="4100" i="1">
-                            <a:solidFill>
-                              <a:srgbClr val="51A7F9"/>
-                            </a:solidFill>
-                            <a:latin typeface="Cambria Math" panose="02040503050406030204" pitchFamily="18" charset="0"/>
-                          </a:rPr>
-                          <m:t>2</m:t>
-                        </m:r>
-                      </m:sub>
-                    </m:sSub>
-                  </m:num>
-                  <m:den>
-                    <m:sSub>
-                      <m:e>
-                        <m:r>
-                          <a:rPr xmlns:a="http://schemas.openxmlformats.org/drawingml/2006/main" sz="4100" i="1">
-                            <a:solidFill>
-                              <a:srgbClr val="51A7F9"/>
-                            </a:solidFill>
-                            <a:latin typeface="Cambria Math" panose="02040503050406030204" pitchFamily="18" charset="0"/>
-                          </a:rPr>
-                          <m:t>m</m:t>
-                        </m:r>
-                      </m:e>
-                      <m:sub>
-                        <m:r>
-                          <a:rPr xmlns:a="http://schemas.openxmlformats.org/drawingml/2006/main" sz="4100" i="1">
-                            <a:solidFill>
-                              <a:srgbClr val="51A7F9"/>
-                            </a:solidFill>
-                            <a:latin typeface="Cambria Math" panose="02040503050406030204" pitchFamily="18" charset="0"/>
-                          </a:rPr>
-                          <m:t>1</m:t>
-                        </m:r>
-                      </m:sub>
-                    </m:sSub>
-                    <m:r>
-                      <a:rPr xmlns:a="http://schemas.openxmlformats.org/drawingml/2006/main" sz="4100" i="1">
-                        <a:solidFill>
-                          <a:srgbClr val="51A7F9"/>
-                        </a:solidFill>
-                        <a:latin typeface="Cambria Math" panose="02040503050406030204" pitchFamily="18" charset="0"/>
-                      </a:rPr>
-                      <m:t>+</m:t>
-                    </m:r>
-                    <m:sSub>
-                      <m:e>
-                        <m:r>
-                          <a:rPr xmlns:a="http://schemas.openxmlformats.org/drawingml/2006/main" sz="4100" i="1">
-                            <a:solidFill>
-                              <a:srgbClr val="51A7F9"/>
-                            </a:solidFill>
-                            <a:latin typeface="Cambria Math" panose="02040503050406030204" pitchFamily="18" charset="0"/>
-                          </a:rPr>
-                          <m:t>m</m:t>
-                        </m:r>
-                      </m:e>
-                      <m:sub>
-                        <m:r>
-                          <a:rPr xmlns:a="http://schemas.openxmlformats.org/drawingml/2006/main" sz="4100" i="1">
-                            <a:solidFill>
-                              <a:srgbClr val="51A7F9"/>
-                            </a:solidFill>
-                            <a:latin typeface="Cambria Math" panose="02040503050406030204" pitchFamily="18" charset="0"/>
-                          </a:rPr>
-                          <m:t>2</m:t>
-                        </m:r>
-                      </m:sub>
-                    </m:sSub>
-                  </m:den>
-                </m:f>
-                <m:r>
-                  <a:rPr xmlns:a="http://schemas.openxmlformats.org/drawingml/2006/main" sz="4100" i="1">
-                    <a:solidFill>
-                      <a:srgbClr val="51A7F9"/>
-                    </a:solidFill>
-                    <a:latin typeface="Cambria Math" panose="02040503050406030204" pitchFamily="18" charset="0"/>
-                  </a:rPr>
-                  <m:t>=</m:t>
-                </m:r>
-                <m:f>
-                  <m:fPr>
-                    <m:ctrlPr>
-                      <a:rPr xmlns:a="http://schemas.openxmlformats.org/drawingml/2006/main" sz="4100" i="1">
-                        <a:solidFill>
-                          <a:srgbClr val="51A7F9"/>
-                        </a:solidFill>
-                        <a:latin typeface="Cambria Math" panose="02040503050406030204" pitchFamily="18" charset="0"/>
-                      </a:rPr>
-                    </m:ctrlPr>
-                    <m:type m:val="bar"/>
-                  </m:fPr>
-                  <m:num>
-                    <m:r>
-                      <a:rPr xmlns:a="http://schemas.openxmlformats.org/drawingml/2006/main" sz="4100" i="1">
-                        <a:solidFill>
-                          <a:srgbClr val="51A7F9"/>
-                        </a:solidFill>
-                        <a:latin typeface="Cambria Math" panose="02040503050406030204" pitchFamily="18" charset="0"/>
-                      </a:rPr>
-                      <m:t>14</m:t>
-                    </m:r>
-                    <m:r>
-                      <a:rPr xmlns:a="http://schemas.openxmlformats.org/drawingml/2006/main" sz="4100" i="1">
-                        <a:solidFill>
-                          <a:srgbClr val="51A7F9"/>
-                        </a:solidFill>
-                        <a:latin typeface="Cambria Math" panose="02040503050406030204" pitchFamily="18" charset="0"/>
-                      </a:rPr>
-                      <m:t>×</m:t>
-                    </m:r>
-                    <m:r>
-                      <a:rPr xmlns:a="http://schemas.openxmlformats.org/drawingml/2006/main" sz="4100" i="1">
-                        <a:solidFill>
-                          <a:srgbClr val="51A7F9"/>
-                        </a:solidFill>
-                        <a:latin typeface="Cambria Math" panose="02040503050406030204" pitchFamily="18" charset="0"/>
-                      </a:rPr>
-                      <m:t>16</m:t>
-                    </m:r>
-                  </m:num>
-                  <m:den>
-                    <m:r>
-                      <a:rPr xmlns:a="http://schemas.openxmlformats.org/drawingml/2006/main" sz="4100" i="1">
-                        <a:solidFill>
-                          <a:srgbClr val="51A7F9"/>
-                        </a:solidFill>
-                        <a:latin typeface="Cambria Math" panose="02040503050406030204" pitchFamily="18" charset="0"/>
-                      </a:rPr>
-                      <m:t>14</m:t>
-                    </m:r>
-                    <m:r>
-                      <a:rPr xmlns:a="http://schemas.openxmlformats.org/drawingml/2006/main" sz="4100" i="1">
-                        <a:solidFill>
-                          <a:srgbClr val="51A7F9"/>
-                        </a:solidFill>
-                        <a:latin typeface="Cambria Math" panose="02040503050406030204" pitchFamily="18" charset="0"/>
-                      </a:rPr>
-                      <m:t>+</m:t>
-                    </m:r>
-                    <m:r>
-                      <a:rPr xmlns:a="http://schemas.openxmlformats.org/drawingml/2006/main" sz="4100" i="1">
-                        <a:solidFill>
-                          <a:srgbClr val="51A7F9"/>
-                        </a:solidFill>
-                        <a:latin typeface="Cambria Math" panose="02040503050406030204" pitchFamily="18" charset="0"/>
-                      </a:rPr>
-                      <m:t>16</m:t>
-                    </m:r>
-                  </m:den>
-                </m:f>
-                <m:sSup>
-                  <m:e>
-                    <m:r>
-                      <m:rPr>
-                        <m:nor/>
-                      </m:rPr>
-                      <a:rPr xmlns:a="http://schemas.openxmlformats.org/drawingml/2006/main" sz="4100" i="1">
-                        <a:solidFill>
-                          <a:srgbClr val="51A7F9"/>
-                        </a:solidFill>
-                        <a:latin typeface="Cambria Math" panose="02040503050406030204" pitchFamily="18" charset="0"/>
-                      </a:rPr>
-                      <m:t>g mol</m:t>
-                    </m:r>
-                  </m:e>
-                  <m:sup>
-                    <m:r>
-                      <a:rPr xmlns:a="http://schemas.openxmlformats.org/drawingml/2006/main" sz="4100" i="1">
-                        <a:solidFill>
-                          <a:srgbClr val="51A7F9"/>
-                        </a:solidFill>
-                        <a:latin typeface="Cambria Math" panose="02040503050406030204" pitchFamily="18" charset="0"/>
-                      </a:rPr>
-                      <m:t>-</m:t>
-                    </m:r>
-                    <m:r>
-                      <a:rPr xmlns:a="http://schemas.openxmlformats.org/drawingml/2006/main" sz="4100" i="1">
-                        <a:solidFill>
-                          <a:srgbClr val="51A7F9"/>
-                        </a:solidFill>
-                        <a:latin typeface="Cambria Math" panose="02040503050406030204" pitchFamily="18" charset="0"/>
-                      </a:rPr>
-                      <m:t>1</m:t>
-                    </m:r>
-                  </m:sup>
-                </m:sSup>
-                <m:r>
-                  <a:rPr xmlns:a="http://schemas.openxmlformats.org/drawingml/2006/main" sz="4100" i="1">
-                    <a:solidFill>
-                      <a:srgbClr val="51A7F9"/>
-                    </a:solidFill>
-                    <a:latin typeface="Cambria Math" panose="02040503050406030204" pitchFamily="18" charset="0"/>
-                  </a:rPr>
-                  <m:t>=</m:t>
-                </m:r>
-                <m:r>
-                  <a:rPr xmlns:a="http://schemas.openxmlformats.org/drawingml/2006/main" sz="4100" i="1">
-                    <a:solidFill>
-                      <a:srgbClr val="51A7F9"/>
-                    </a:solidFill>
-                    <a:latin typeface="Cambria Math" panose="02040503050406030204" pitchFamily="18" charset="0"/>
-                  </a:rPr>
-                  <m:t>7.5</m:t>
-                </m:r>
-                <m:sSup>
-                  <m:e>
-                    <m:r>
-                      <m:rPr>
-                        <m:nor/>
-                      </m:rPr>
-                      <a:rPr xmlns:a="http://schemas.openxmlformats.org/drawingml/2006/main" sz="4100" i="1">
-                        <a:solidFill>
-                          <a:srgbClr val="51A7F9"/>
-                        </a:solidFill>
-                        <a:latin typeface="Cambria Math" panose="02040503050406030204" pitchFamily="18" charset="0"/>
-                      </a:rPr>
-                      <m:t>g mol</m:t>
-                    </m:r>
-                  </m:e>
-                  <m:sup>
-                    <m:r>
-                      <a:rPr xmlns:a="http://schemas.openxmlformats.org/drawingml/2006/main" sz="4100" i="1">
-                        <a:solidFill>
-                          <a:srgbClr val="51A7F9"/>
-                        </a:solidFill>
-                        <a:latin typeface="Cambria Math" panose="02040503050406030204" pitchFamily="18" charset="0"/>
-                      </a:rPr>
-                      <m:t>-</m:t>
-                    </m:r>
-                    <m:r>
-                      <a:rPr xmlns:a="http://schemas.openxmlformats.org/drawingml/2006/main" sz="4100" i="1">
-                        <a:solidFill>
-                          <a:srgbClr val="51A7F9"/>
-                        </a:solidFill>
-                        <a:latin typeface="Cambria Math" panose="02040503050406030204" pitchFamily="18" charset="0"/>
-                      </a:rPr>
-                      <m:t>1</m:t>
-                    </m:r>
-                  </m:sup>
-                </m:sSup>
-              </m:oMath>
-            </a14:m>
-            <a:endParaRPr sz="5000">
-              <a:solidFill>
-                <a:srgbClr val="51A7F9"/>
-              </a:solidFill>
-            </a:endParaRPr>
           </a:p>
         </p:txBody>
       </p:sp>
@@ -12574,198 +7777,6 @@
                                           <p:spTgt spid="208">
                                             <p:txEl>
                                               <p:pRg st="2" end="2"/>
-                                            </p:txEl>
-                                          </p:spTgt>
-                                        </p:tgtEl>
-                                        <p:attrNameLst>
-                                          <p:attrName>style.visibility</p:attrName>
-                                        </p:attrNameLst>
-                                      </p:cBhvr>
-                                      <p:to>
-                                        <p:strVal val="visible"/>
-                                      </p:to>
-                                    </p:set>
-                                  </p:childTnLst>
-                                </p:cTn>
-                              </p:par>
-                            </p:childTnLst>
-                          </p:cTn>
-                        </p:par>
-                      </p:childTnLst>
-                    </p:cTn>
-                  </p:par>
-                  <p:par>
-                    <p:cTn id="16" fill="hold">
-                      <p:stCondLst>
-                        <p:cond delay="indefinite"/>
-                      </p:stCondLst>
-                      <p:childTnLst>
-                        <p:par>
-                          <p:cTn id="17" fill="hold">
-                            <p:stCondLst>
-                              <p:cond delay="0"/>
-                            </p:stCondLst>
-                            <p:childTnLst>
-                              <p:par>
-                                <p:cTn id="18" presetClass="entr" nodeType="clickEffect" presetSubtype="0" presetID="1" grpId="1" fill="hold">
-                                  <p:stCondLst>
-                                    <p:cond delay="0"/>
-                                  </p:stCondLst>
-                                  <p:iterate type="el" backwards="0">
-                                    <p:tmAbs val="0"/>
-                                  </p:iterate>
-                                  <p:childTnLst>
-                                    <p:set>
-                                      <p:cBhvr>
-                                        <p:cTn id="19" fill="hold"/>
-                                        <p:tgtEl>
-                                          <p:spTgt spid="208">
-                                            <p:txEl>
-                                              <p:pRg st="3" end="3"/>
-                                            </p:txEl>
-                                          </p:spTgt>
-                                        </p:tgtEl>
-                                        <p:attrNameLst>
-                                          <p:attrName>style.visibility</p:attrName>
-                                        </p:attrNameLst>
-                                      </p:cBhvr>
-                                      <p:to>
-                                        <p:strVal val="visible"/>
-                                      </p:to>
-                                    </p:set>
-                                  </p:childTnLst>
-                                </p:cTn>
-                              </p:par>
-                            </p:childTnLst>
-                          </p:cTn>
-                        </p:par>
-                      </p:childTnLst>
-                    </p:cTn>
-                  </p:par>
-                  <p:par>
-                    <p:cTn id="20" fill="hold">
-                      <p:stCondLst>
-                        <p:cond delay="indefinite"/>
-                      </p:stCondLst>
-                      <p:childTnLst>
-                        <p:par>
-                          <p:cTn id="21" fill="hold">
-                            <p:stCondLst>
-                              <p:cond delay="0"/>
-                            </p:stCondLst>
-                            <p:childTnLst>
-                              <p:par>
-                                <p:cTn id="22" presetClass="entr" nodeType="clickEffect" presetSubtype="0" presetID="1" grpId="1" fill="hold">
-                                  <p:stCondLst>
-                                    <p:cond delay="0"/>
-                                  </p:stCondLst>
-                                  <p:iterate type="el" backwards="0">
-                                    <p:tmAbs val="0"/>
-                                  </p:iterate>
-                                  <p:childTnLst>
-                                    <p:set>
-                                      <p:cBhvr>
-                                        <p:cTn id="23" fill="hold"/>
-                                        <p:tgtEl>
-                                          <p:spTgt spid="208">
-                                            <p:txEl>
-                                              <p:pRg st="4" end="4"/>
-                                            </p:txEl>
-                                          </p:spTgt>
-                                        </p:tgtEl>
-                                        <p:attrNameLst>
-                                          <p:attrName>style.visibility</p:attrName>
-                                        </p:attrNameLst>
-                                      </p:cBhvr>
-                                      <p:to>
-                                        <p:strVal val="visible"/>
-                                      </p:to>
-                                    </p:set>
-                                  </p:childTnLst>
-                                </p:cTn>
-                              </p:par>
-                            </p:childTnLst>
-                          </p:cTn>
-                        </p:par>
-                      </p:childTnLst>
-                    </p:cTn>
-                  </p:par>
-                  <p:par>
-                    <p:cTn id="24" fill="hold">
-                      <p:stCondLst>
-                        <p:cond delay="indefinite"/>
-                      </p:stCondLst>
-                      <p:childTnLst>
-                        <p:par>
-                          <p:cTn id="25" fill="hold">
-                            <p:stCondLst>
-                              <p:cond delay="0"/>
-                            </p:stCondLst>
-                            <p:childTnLst>
-                              <p:par>
-                                <p:cTn id="26" presetClass="entr" nodeType="clickEffect" presetSubtype="0" presetID="1" grpId="1" fill="hold">
-                                  <p:stCondLst>
-                                    <p:cond delay="0"/>
-                                  </p:stCondLst>
-                                  <p:iterate type="el" backwards="0">
-                                    <p:tmAbs val="0"/>
-                                  </p:iterate>
-                                  <p:childTnLst>
-                                    <p:set>
-                                      <p:cBhvr>
-                                        <p:cTn id="27" fill="hold"/>
-                                        <p:tgtEl>
-                                          <p:spTgt spid="208">
-                                            <p:txEl>
-                                              <p:pRg st="5" end="5"/>
-                                            </p:txEl>
-                                          </p:spTgt>
-                                        </p:tgtEl>
-                                        <p:attrNameLst>
-                                          <p:attrName>style.visibility</p:attrName>
-                                        </p:attrNameLst>
-                                      </p:cBhvr>
-                                      <p:to>
-                                        <p:strVal val="visible"/>
-                                      </p:to>
-                                    </p:set>
-                                  </p:childTnLst>
-                                </p:cTn>
-                              </p:par>
-                            </p:childTnLst>
-                          </p:cTn>
-                        </p:par>
-                      </p:childTnLst>
-                    </p:cTn>
-                  </p:par>
-                  <p:par>
-                    <p:cTn id="28" fill="hold">
-                      <p:stCondLst>
-                        <p:cond delay="indefinite"/>
-                      </p:stCondLst>
-                      <p:childTnLst>
-                        <p:par>
-                          <p:cTn id="29" fill="hold">
-                            <p:stCondLst>
-                              <p:cond delay="0"/>
-                            </p:stCondLst>
-                            <p:childTnLst>
-                              <p:par>
-                                <p:cTn id="30" presetClass="entr" nodeType="clickEffect" presetSubtype="0" presetID="1" grpId="1" fill="hold">
-                                  <p:stCondLst>
-                                    <p:cond delay="0"/>
-                                  </p:stCondLst>
-                                  <p:iterate type="el" backwards="0">
-                                    <p:tmAbs val="0"/>
-                                  </p:iterate>
-                                  <p:childTnLst>
-                                    <p:set>
-                                      <p:cBhvr>
-                                        <p:cTn id="31" fill="hold"/>
-                                        <p:tgtEl>
-                                          <p:spTgt spid="208">
-                                            <p:txEl>
-                                              <p:pRg st="6" end="6"/>
                                             </p:txEl>
                                           </p:spTgt>
                                         </p:tgtEl>
